--- a/lectures/m7LinuxDockerK8sArchitecture.pptx
+++ b/lectures/m7LinuxDockerK8sArchitecture.pptx
@@ -5,10 +5,10 @@
     <p:sldMasterId id="2147483711" r:id="rId1"/>
   </p:sldMasterIdLst>
   <p:notesMasterIdLst>
-    <p:notesMasterId r:id="rId24"/>
+    <p:notesMasterId r:id="rId28"/>
   </p:notesMasterIdLst>
   <p:handoutMasterIdLst>
-    <p:handoutMasterId r:id="rId25"/>
+    <p:handoutMasterId r:id="rId29"/>
   </p:handoutMasterIdLst>
   <p:sldIdLst>
     <p:sldId id="256" r:id="rId2"/>
@@ -33,6 +33,10 @@
     <p:sldId id="908" r:id="rId21"/>
     <p:sldId id="909" r:id="rId22"/>
     <p:sldId id="911" r:id="rId23"/>
+    <p:sldId id="914" r:id="rId24"/>
+    <p:sldId id="915" r:id="rId25"/>
+    <p:sldId id="916" r:id="rId26"/>
+    <p:sldId id="917" r:id="rId27"/>
   </p:sldIdLst>
   <p:sldSz cx="12192000" cy="6858000"/>
   <p:notesSz cx="7010400" cy="9296400"/>
@@ -16893,13 +16897,8 @@
             </a:pPr>
             <a:r>
               <a:rPr lang="en-US" sz="2400" b="0" dirty="0"/>
-              <a:t>They need to be isolated, so only container workloads that interact with each other can interact with </a:t>
-            </a:r>
-            <a:r>
-              <a:rPr lang="en-US" sz="2400" b="0"/>
-              <a:t>each other</a:t>
-            </a:r>
-            <a:endParaRPr lang="en-US" sz="2400" b="0" dirty="0"/>
+              <a:t>They need to be isolated, so only container workloads that interact with each other can interact with each other</a:t>
+            </a:r>
           </a:p>
         </p:txBody>
       </p:sp>
@@ -16907,6 +16906,4995 @@
     <p:extLst>
       <p:ext uri="{BB962C8B-B14F-4D97-AF65-F5344CB8AC3E}">
         <p14:creationId xmlns:p14="http://schemas.microsoft.com/office/powerpoint/2010/main" val="2290205397"/>
+      </p:ext>
+    </p:extLst>
+  </p:cSld>
+  <p:clrMapOvr>
+    <a:masterClrMapping/>
+  </p:clrMapOvr>
+</p:sld>
+</file>
+
+<file path=ppt/slides/slide23.xml><?xml version="1.0" encoding="utf-8"?>
+<p:sld xmlns:a="http://schemas.openxmlformats.org/drawingml/2006/main" xmlns:r="http://schemas.openxmlformats.org/officeDocument/2006/relationships" xmlns:p="http://schemas.openxmlformats.org/presentationml/2006/main">
+  <p:cSld>
+    <p:spTree>
+      <p:nvGrpSpPr>
+        <p:cNvPr id="1" name=""/>
+        <p:cNvGrpSpPr/>
+        <p:nvPr/>
+      </p:nvGrpSpPr>
+      <p:grpSpPr>
+        <a:xfrm>
+          <a:off x="0" y="0"/>
+          <a:ext cx="0" cy="0"/>
+          <a:chOff x="0" y="0"/>
+          <a:chExt cx="0" cy="0"/>
+        </a:xfrm>
+      </p:grpSpPr>
+      <p:sp>
+        <p:nvSpPr>
+          <p:cNvPr id="4" name="Slide Number Placeholder 4"/>
+          <p:cNvSpPr>
+            <a:spLocks noGrp="1"/>
+          </p:cNvSpPr>
+          <p:nvPr>
+            <p:ph type="sldNum" sz="quarter" idx="11"/>
+          </p:nvPr>
+        </p:nvSpPr>
+        <p:spPr/>
+        <p:txBody>
+          <a:bodyPr/>
+          <a:lstStyle/>
+          <a:p>
+            <a:fld id="{6A4E8E82-B71F-A446-92B7-F7D70F811AA7}" type="slidenum">
+              <a:rPr lang="en-US"/>
+              <a:pPr/>
+              <a:t>23</a:t>
+            </a:fld>
+            <a:endParaRPr lang="en-US" dirty="0"/>
+          </a:p>
+        </p:txBody>
+      </p:sp>
+      <p:sp>
+        <p:nvSpPr>
+          <p:cNvPr id="680962" name="Rectangle 2"/>
+          <p:cNvSpPr>
+            <a:spLocks noGrp="1" noChangeArrowheads="1"/>
+          </p:cNvSpPr>
+          <p:nvPr>
+            <p:ph type="title"/>
+          </p:nvPr>
+        </p:nvSpPr>
+        <p:spPr>
+          <a:xfrm>
+            <a:off x="609600" y="230065"/>
+            <a:ext cx="10972800" cy="698948"/>
+          </a:xfrm>
+        </p:spPr>
+        <p:txBody>
+          <a:bodyPr/>
+          <a:lstStyle/>
+          <a:p>
+            <a:r>
+              <a:rPr lang="en-US" dirty="0"/>
+              <a:t>Running Containers at Scale In Production – </a:t>
+            </a:r>
+            <a:br>
+              <a:rPr lang="en-US" dirty="0"/>
+            </a:br>
+            <a:r>
+              <a:rPr lang="en-US" dirty="0"/>
+              <a:t>Kubernetes or k8s</a:t>
+            </a:r>
+          </a:p>
+        </p:txBody>
+      </p:sp>
+      <p:pic>
+        <p:nvPicPr>
+          <p:cNvPr id="6" name="Picture 5" descr="Diagram&#10;&#10;Description automatically generated">
+            <a:extLst>
+              <a:ext uri="{FF2B5EF4-FFF2-40B4-BE49-F238E27FC236}">
+                <a16:creationId xmlns:a16="http://schemas.microsoft.com/office/drawing/2014/main" id="{2528E2AC-C57E-894D-9CE0-2A7E08DF7B45}"/>
+              </a:ext>
+            </a:extLst>
+          </p:cNvPr>
+          <p:cNvPicPr>
+            <a:picLocks noChangeAspect="1"/>
+          </p:cNvPicPr>
+          <p:nvPr/>
+        </p:nvPicPr>
+        <p:blipFill>
+          <a:blip r:embed="rId2">
+            <a:extLst>
+              <a:ext uri="{28A0092B-C50C-407E-A947-70E740481C1C}">
+                <a14:useLocalDpi xmlns:a14="http://schemas.microsoft.com/office/drawing/2010/main" val="0"/>
+              </a:ext>
+            </a:extLst>
+          </a:blip>
+          <a:stretch>
+            <a:fillRect/>
+          </a:stretch>
+        </p:blipFill>
+        <p:spPr>
+          <a:xfrm>
+            <a:off x="790665" y="1371557"/>
+            <a:ext cx="10340220" cy="4864351"/>
+          </a:xfrm>
+          <a:prstGeom prst="rect">
+            <a:avLst/>
+          </a:prstGeom>
+        </p:spPr>
+      </p:pic>
+    </p:spTree>
+    <p:extLst>
+      <p:ext uri="{BB962C8B-B14F-4D97-AF65-F5344CB8AC3E}">
+        <p14:creationId xmlns:p14="http://schemas.microsoft.com/office/powerpoint/2010/main" val="3034036000"/>
+      </p:ext>
+    </p:extLst>
+  </p:cSld>
+  <p:clrMapOvr>
+    <a:masterClrMapping/>
+  </p:clrMapOvr>
+</p:sld>
+</file>
+
+<file path=ppt/slides/slide24.xml><?xml version="1.0" encoding="utf-8"?>
+<p:sld xmlns:a="http://schemas.openxmlformats.org/drawingml/2006/main" xmlns:r="http://schemas.openxmlformats.org/officeDocument/2006/relationships" xmlns:p="http://schemas.openxmlformats.org/presentationml/2006/main">
+  <p:cSld>
+    <p:spTree>
+      <p:nvGrpSpPr>
+        <p:cNvPr id="1" name=""/>
+        <p:cNvGrpSpPr/>
+        <p:nvPr/>
+      </p:nvGrpSpPr>
+      <p:grpSpPr>
+        <a:xfrm>
+          <a:off x="0" y="0"/>
+          <a:ext cx="0" cy="0"/>
+          <a:chOff x="0" y="0"/>
+          <a:chExt cx="0" cy="0"/>
+        </a:xfrm>
+      </p:grpSpPr>
+      <p:sp>
+        <p:nvSpPr>
+          <p:cNvPr id="4" name="Slide Number Placeholder 4"/>
+          <p:cNvSpPr>
+            <a:spLocks noGrp="1"/>
+          </p:cNvSpPr>
+          <p:nvPr>
+            <p:ph type="sldNum" sz="quarter" idx="11"/>
+          </p:nvPr>
+        </p:nvSpPr>
+        <p:spPr/>
+        <p:txBody>
+          <a:bodyPr/>
+          <a:lstStyle/>
+          <a:p>
+            <a:fld id="{6A4E8E82-B71F-A446-92B7-F7D70F811AA7}" type="slidenum">
+              <a:rPr lang="en-US"/>
+              <a:pPr/>
+              <a:t>24</a:t>
+            </a:fld>
+            <a:endParaRPr lang="en-US" dirty="0"/>
+          </a:p>
+        </p:txBody>
+      </p:sp>
+      <p:sp>
+        <p:nvSpPr>
+          <p:cNvPr id="680962" name="Rectangle 2"/>
+          <p:cNvSpPr>
+            <a:spLocks noGrp="1" noChangeArrowheads="1"/>
+          </p:cNvSpPr>
+          <p:nvPr>
+            <p:ph type="title"/>
+          </p:nvPr>
+        </p:nvSpPr>
+        <p:spPr>
+          <a:xfrm>
+            <a:off x="609600" y="230065"/>
+            <a:ext cx="10972800" cy="698948"/>
+          </a:xfrm>
+        </p:spPr>
+        <p:txBody>
+          <a:bodyPr/>
+          <a:lstStyle/>
+          <a:p>
+            <a:r>
+              <a:rPr lang="en-US" dirty="0"/>
+              <a:t>Running Containers at Scale In Production – </a:t>
+            </a:r>
+            <a:br>
+              <a:rPr lang="en-US" dirty="0"/>
+            </a:br>
+            <a:r>
+              <a:rPr lang="en-US" dirty="0"/>
+              <a:t>Kubernetes or k8s</a:t>
+            </a:r>
+          </a:p>
+        </p:txBody>
+      </p:sp>
+      <p:pic>
+        <p:nvPicPr>
+          <p:cNvPr id="6" name="Picture 5" descr="Diagram&#10;&#10;Description automatically generated">
+            <a:extLst>
+              <a:ext uri="{FF2B5EF4-FFF2-40B4-BE49-F238E27FC236}">
+                <a16:creationId xmlns:a16="http://schemas.microsoft.com/office/drawing/2014/main" id="{2528E2AC-C57E-894D-9CE0-2A7E08DF7B45}"/>
+              </a:ext>
+            </a:extLst>
+          </p:cNvPr>
+          <p:cNvPicPr>
+            <a:picLocks noChangeAspect="1"/>
+          </p:cNvPicPr>
+          <p:nvPr/>
+        </p:nvPicPr>
+        <p:blipFill>
+          <a:blip r:embed="rId2">
+            <a:extLst>
+              <a:ext uri="{28A0092B-C50C-407E-A947-70E740481C1C}">
+                <a14:useLocalDpi xmlns:a14="http://schemas.microsoft.com/office/drawing/2010/main" val="0"/>
+              </a:ext>
+            </a:extLst>
+          </a:blip>
+          <a:stretch>
+            <a:fillRect/>
+          </a:stretch>
+        </p:blipFill>
+        <p:spPr>
+          <a:xfrm>
+            <a:off x="790665" y="1371557"/>
+            <a:ext cx="10340220" cy="4864351"/>
+          </a:xfrm>
+          <a:prstGeom prst="rect">
+            <a:avLst/>
+          </a:prstGeom>
+        </p:spPr>
+      </p:pic>
+      <p:sp>
+        <p:nvSpPr>
+          <p:cNvPr id="5" name="Rectangle 4">
+            <a:extLst>
+              <a:ext uri="{FF2B5EF4-FFF2-40B4-BE49-F238E27FC236}">
+                <a16:creationId xmlns:a16="http://schemas.microsoft.com/office/drawing/2014/main" id="{FD3E0187-AC63-2A37-6646-B2782FC0FE3E}"/>
+              </a:ext>
+            </a:extLst>
+          </p:cNvPr>
+          <p:cNvSpPr/>
+          <p:nvPr/>
+        </p:nvSpPr>
+        <p:spPr bwMode="auto">
+          <a:xfrm>
+            <a:off x="2989391" y="1518196"/>
+            <a:ext cx="5942768" cy="395948"/>
+          </a:xfrm>
+          <a:prstGeom prst="rect">
+            <a:avLst/>
+          </a:prstGeom>
+          <a:solidFill>
+            <a:srgbClr val="9DC3E7"/>
+          </a:solidFill>
+          <a:ln w="9525" cap="flat" cmpd="sng" algn="ctr">
+            <a:solidFill>
+              <a:schemeClr val="tx1"/>
+            </a:solidFill>
+            <a:prstDash val="solid"/>
+            <a:round/>
+            <a:headEnd type="none" w="med" len="med"/>
+            <a:tailEnd type="none" w="med" len="med"/>
+          </a:ln>
+          <a:effectLst/>
+          <a:extLst>
+            <a:ext uri="{AF507438-7753-43e0-B8FC-AC1667EBCBE1}">
+              <a14:hiddenEffects xmlns="" xmlns:a14="http://schemas.microsoft.com/office/drawing/2010/main">
+                <a:effectLst>
+                  <a:outerShdw blurRad="63500" dist="38099" dir="2700000" algn="ctr" rotWithShape="0">
+                    <a:schemeClr val="bg2">
+                      <a:alpha val="74998"/>
+                    </a:schemeClr>
+                  </a:outerShdw>
+                </a:effectLst>
+              </a14:hiddenEffects>
+            </a:ext>
+          </a:extLst>
+        </p:spPr>
+        <p:txBody>
+          <a:bodyPr vert="horz" wrap="none" lIns="91440" tIns="45720" rIns="91440" bIns="45720" numCol="1" rtlCol="0" anchor="ctr" anchorCtr="0" compatLnSpc="1">
+            <a:prstTxWarp prst="textNoShape">
+              <a:avLst/>
+            </a:prstTxWarp>
+          </a:bodyPr>
+          <a:lstStyle/>
+          <a:p>
+            <a:pPr marL="0" marR="0" indent="0" algn="ctr" defTabSz="914400" rtl="0" eaLnBrk="1" fontAlgn="base" latinLnBrk="0" hangingPunct="1">
+              <a:lnSpc>
+                <a:spcPct val="100000"/>
+              </a:lnSpc>
+              <a:spcBef>
+                <a:spcPct val="0"/>
+              </a:spcBef>
+              <a:spcAft>
+                <a:spcPct val="0"/>
+              </a:spcAft>
+              <a:buClrTx/>
+              <a:buSzTx/>
+              <a:buFontTx/>
+              <a:buNone/>
+              <a:tabLst/>
+            </a:pPr>
+            <a:r>
+              <a:rPr lang="en-US" dirty="0">
+                <a:latin typeface="+mn-lt"/>
+                <a:ea typeface="ＭＳ Ｐゴシック" charset="0"/>
+              </a:rPr>
+              <a:t>Control &amp; Data Plane are High Availability </a:t>
+            </a:r>
+            <a:endParaRPr kumimoji="0" lang="en-US" b="0" i="0" u="none" strike="noStrike" cap="none" normalizeH="0" baseline="0" dirty="0">
+              <a:ln>
+                <a:noFill/>
+              </a:ln>
+              <a:solidFill>
+                <a:schemeClr val="tx1"/>
+              </a:solidFill>
+              <a:effectLst/>
+              <a:latin typeface="+mn-lt"/>
+              <a:ea typeface="ＭＳ Ｐゴシック" charset="0"/>
+            </a:endParaRPr>
+          </a:p>
+        </p:txBody>
+      </p:sp>
+      <p:cxnSp>
+        <p:nvCxnSpPr>
+          <p:cNvPr id="3" name="Straight Arrow Connector 2">
+            <a:extLst>
+              <a:ext uri="{FF2B5EF4-FFF2-40B4-BE49-F238E27FC236}">
+                <a16:creationId xmlns:a16="http://schemas.microsoft.com/office/drawing/2014/main" id="{302CF263-31DC-6809-2F1B-F2A1B2A3F29E}"/>
+              </a:ext>
+            </a:extLst>
+          </p:cNvPr>
+          <p:cNvCxnSpPr/>
+          <p:nvPr/>
+        </p:nvCxnSpPr>
+        <p:spPr>
+          <a:xfrm flipH="1">
+            <a:off x="3222885" y="1918741"/>
+            <a:ext cx="942715" cy="674557"/>
+          </a:xfrm>
+          <a:prstGeom prst="straightConnector1">
+            <a:avLst/>
+          </a:prstGeom>
+          <a:ln w="63500">
+            <a:tailEnd type="triangle"/>
+          </a:ln>
+        </p:spPr>
+        <p:style>
+          <a:lnRef idx="1">
+            <a:schemeClr val="accent1"/>
+          </a:lnRef>
+          <a:fillRef idx="0">
+            <a:schemeClr val="accent1"/>
+          </a:fillRef>
+          <a:effectRef idx="0">
+            <a:schemeClr val="accent1"/>
+          </a:effectRef>
+          <a:fontRef idx="minor">
+            <a:schemeClr val="tx1"/>
+          </a:fontRef>
+        </p:style>
+      </p:cxnSp>
+      <p:cxnSp>
+        <p:nvCxnSpPr>
+          <p:cNvPr id="8" name="Straight Arrow Connector 7">
+            <a:extLst>
+              <a:ext uri="{FF2B5EF4-FFF2-40B4-BE49-F238E27FC236}">
+                <a16:creationId xmlns:a16="http://schemas.microsoft.com/office/drawing/2014/main" id="{7CE73727-06E5-2A6F-6D7F-182578AB0AE4}"/>
+              </a:ext>
+            </a:extLst>
+          </p:cNvPr>
+          <p:cNvCxnSpPr>
+            <a:cxnSpLocks/>
+          </p:cNvCxnSpPr>
+          <p:nvPr/>
+        </p:nvCxnSpPr>
+        <p:spPr>
+          <a:xfrm>
+            <a:off x="7165298" y="1914144"/>
+            <a:ext cx="542144" cy="679154"/>
+          </a:xfrm>
+          <a:prstGeom prst="straightConnector1">
+            <a:avLst/>
+          </a:prstGeom>
+          <a:ln w="63500">
+            <a:tailEnd type="triangle"/>
+          </a:ln>
+        </p:spPr>
+        <p:style>
+          <a:lnRef idx="1">
+            <a:schemeClr val="accent1"/>
+          </a:lnRef>
+          <a:fillRef idx="0">
+            <a:schemeClr val="accent1"/>
+          </a:fillRef>
+          <a:effectRef idx="0">
+            <a:schemeClr val="accent1"/>
+          </a:effectRef>
+          <a:fontRef idx="minor">
+            <a:schemeClr val="tx1"/>
+          </a:fontRef>
+        </p:style>
+      </p:cxnSp>
+      <p:sp>
+        <p:nvSpPr>
+          <p:cNvPr id="10" name="Rectangle 9">
+            <a:extLst>
+              <a:ext uri="{FF2B5EF4-FFF2-40B4-BE49-F238E27FC236}">
+                <a16:creationId xmlns:a16="http://schemas.microsoft.com/office/drawing/2014/main" id="{CF50F8DC-CB2F-792F-F076-762C9B2D2148}"/>
+              </a:ext>
+            </a:extLst>
+          </p:cNvPr>
+          <p:cNvSpPr/>
+          <p:nvPr/>
+        </p:nvSpPr>
+        <p:spPr bwMode="auto">
+          <a:xfrm>
+            <a:off x="6096000" y="6168970"/>
+            <a:ext cx="5034885" cy="395948"/>
+          </a:xfrm>
+          <a:prstGeom prst="rect">
+            <a:avLst/>
+          </a:prstGeom>
+          <a:solidFill>
+            <a:srgbClr val="9DC3E7"/>
+          </a:solidFill>
+          <a:ln w="9525" cap="flat" cmpd="sng" algn="ctr">
+            <a:solidFill>
+              <a:schemeClr val="tx1"/>
+            </a:solidFill>
+            <a:prstDash val="solid"/>
+            <a:round/>
+            <a:headEnd type="none" w="med" len="med"/>
+            <a:tailEnd type="none" w="med" len="med"/>
+          </a:ln>
+          <a:effectLst/>
+          <a:extLst>
+            <a:ext uri="{AF507438-7753-43e0-B8FC-AC1667EBCBE1}">
+              <a14:hiddenEffects xmlns="" xmlns:a14="http://schemas.microsoft.com/office/drawing/2010/main">
+                <a:effectLst>
+                  <a:outerShdw blurRad="63500" dist="38099" dir="2700000" algn="ctr" rotWithShape="0">
+                    <a:schemeClr val="bg2">
+                      <a:alpha val="74998"/>
+                    </a:schemeClr>
+                  </a:outerShdw>
+                </a:effectLst>
+              </a14:hiddenEffects>
+            </a:ext>
+          </a:extLst>
+        </p:spPr>
+        <p:txBody>
+          <a:bodyPr vert="horz" wrap="none" lIns="91440" tIns="45720" rIns="91440" bIns="45720" numCol="1" rtlCol="0" anchor="ctr" anchorCtr="0" compatLnSpc="1">
+            <a:prstTxWarp prst="textNoShape">
+              <a:avLst/>
+            </a:prstTxWarp>
+          </a:bodyPr>
+          <a:lstStyle/>
+          <a:p>
+            <a:pPr marL="0" marR="0" indent="0" algn="ctr" defTabSz="914400" rtl="0" eaLnBrk="1" fontAlgn="base" latinLnBrk="0" hangingPunct="1">
+              <a:lnSpc>
+                <a:spcPct val="100000"/>
+              </a:lnSpc>
+              <a:spcBef>
+                <a:spcPct val="0"/>
+              </a:spcBef>
+              <a:spcAft>
+                <a:spcPct val="0"/>
+              </a:spcAft>
+              <a:buClrTx/>
+              <a:buSzTx/>
+              <a:buFontTx/>
+              <a:buNone/>
+              <a:tabLst/>
+            </a:pPr>
+            <a:r>
+              <a:rPr lang="en-US" dirty="0">
+                <a:latin typeface="+mn-lt"/>
+                <a:ea typeface="ＭＳ Ｐゴシック" charset="0"/>
+              </a:rPr>
+              <a:t>Container Work &amp; Network is Isolated</a:t>
+            </a:r>
+            <a:endParaRPr kumimoji="0" lang="en-US" b="0" i="0" u="none" strike="noStrike" cap="none" normalizeH="0" baseline="0" dirty="0">
+              <a:ln>
+                <a:noFill/>
+              </a:ln>
+              <a:solidFill>
+                <a:schemeClr val="tx1"/>
+              </a:solidFill>
+              <a:effectLst/>
+              <a:latin typeface="+mn-lt"/>
+              <a:ea typeface="ＭＳ Ｐゴシック" charset="0"/>
+            </a:endParaRPr>
+          </a:p>
+        </p:txBody>
+      </p:sp>
+      <p:cxnSp>
+        <p:nvCxnSpPr>
+          <p:cNvPr id="12" name="Straight Arrow Connector 11">
+            <a:extLst>
+              <a:ext uri="{FF2B5EF4-FFF2-40B4-BE49-F238E27FC236}">
+                <a16:creationId xmlns:a16="http://schemas.microsoft.com/office/drawing/2014/main" id="{B72E1A97-B1C9-FA2A-B0C6-F83DFC4CDE34}"/>
+              </a:ext>
+            </a:extLst>
+          </p:cNvPr>
+          <p:cNvCxnSpPr>
+            <a:cxnSpLocks/>
+          </p:cNvCxnSpPr>
+          <p:nvPr/>
+        </p:nvCxnSpPr>
+        <p:spPr>
+          <a:xfrm flipH="1" flipV="1">
+            <a:off x="8589364" y="5606321"/>
+            <a:ext cx="342795" cy="562649"/>
+          </a:xfrm>
+          <a:prstGeom prst="straightConnector1">
+            <a:avLst/>
+          </a:prstGeom>
+          <a:ln w="63500">
+            <a:tailEnd type="triangle"/>
+          </a:ln>
+        </p:spPr>
+        <p:style>
+          <a:lnRef idx="1">
+            <a:schemeClr val="accent1"/>
+          </a:lnRef>
+          <a:fillRef idx="0">
+            <a:schemeClr val="accent1"/>
+          </a:fillRef>
+          <a:effectRef idx="0">
+            <a:schemeClr val="accent1"/>
+          </a:effectRef>
+          <a:fontRef idx="minor">
+            <a:schemeClr val="tx1"/>
+          </a:fontRef>
+        </p:style>
+      </p:cxnSp>
+      <p:cxnSp>
+        <p:nvCxnSpPr>
+          <p:cNvPr id="15" name="Straight Arrow Connector 14">
+            <a:extLst>
+              <a:ext uri="{FF2B5EF4-FFF2-40B4-BE49-F238E27FC236}">
+                <a16:creationId xmlns:a16="http://schemas.microsoft.com/office/drawing/2014/main" id="{872388E4-11F2-5021-AC51-FCE546EB1525}"/>
+              </a:ext>
+            </a:extLst>
+          </p:cNvPr>
+          <p:cNvCxnSpPr>
+            <a:cxnSpLocks/>
+          </p:cNvCxnSpPr>
+          <p:nvPr/>
+        </p:nvCxnSpPr>
+        <p:spPr>
+          <a:xfrm flipH="1" flipV="1">
+            <a:off x="6390638" y="5567848"/>
+            <a:ext cx="342795" cy="562649"/>
+          </a:xfrm>
+          <a:prstGeom prst="straightConnector1">
+            <a:avLst/>
+          </a:prstGeom>
+          <a:ln w="63500">
+            <a:tailEnd type="triangle"/>
+          </a:ln>
+        </p:spPr>
+        <p:style>
+          <a:lnRef idx="1">
+            <a:schemeClr val="accent1"/>
+          </a:lnRef>
+          <a:fillRef idx="0">
+            <a:schemeClr val="accent1"/>
+          </a:fillRef>
+          <a:effectRef idx="0">
+            <a:schemeClr val="accent1"/>
+          </a:effectRef>
+          <a:fontRef idx="minor">
+            <a:schemeClr val="tx1"/>
+          </a:fontRef>
+        </p:style>
+      </p:cxnSp>
+      <p:sp>
+        <p:nvSpPr>
+          <p:cNvPr id="16" name="Rectangle 15">
+            <a:extLst>
+              <a:ext uri="{FF2B5EF4-FFF2-40B4-BE49-F238E27FC236}">
+                <a16:creationId xmlns:a16="http://schemas.microsoft.com/office/drawing/2014/main" id="{C9BC45F2-8079-05A7-E72F-EC558611F1B6}"/>
+              </a:ext>
+            </a:extLst>
+          </p:cNvPr>
+          <p:cNvSpPr/>
+          <p:nvPr/>
+        </p:nvSpPr>
+        <p:spPr bwMode="auto">
+          <a:xfrm>
+            <a:off x="7872333" y="2811667"/>
+            <a:ext cx="4104807" cy="395948"/>
+          </a:xfrm>
+          <a:prstGeom prst="rect">
+            <a:avLst/>
+          </a:prstGeom>
+          <a:solidFill>
+            <a:srgbClr val="9DC3E7"/>
+          </a:solidFill>
+          <a:ln w="9525" cap="flat" cmpd="sng" algn="ctr">
+            <a:solidFill>
+              <a:schemeClr val="tx1"/>
+            </a:solidFill>
+            <a:prstDash val="solid"/>
+            <a:round/>
+            <a:headEnd type="none" w="med" len="med"/>
+            <a:tailEnd type="none" w="med" len="med"/>
+          </a:ln>
+          <a:effectLst/>
+          <a:extLst>
+            <a:ext uri="{AF507438-7753-43e0-B8FC-AC1667EBCBE1}">
+              <a14:hiddenEffects xmlns="" xmlns:a14="http://schemas.microsoft.com/office/drawing/2010/main">
+                <a:effectLst>
+                  <a:outerShdw blurRad="63500" dist="38099" dir="2700000" algn="ctr" rotWithShape="0">
+                    <a:schemeClr val="bg2">
+                      <a:alpha val="74998"/>
+                    </a:schemeClr>
+                  </a:outerShdw>
+                </a:effectLst>
+              </a14:hiddenEffects>
+            </a:ext>
+          </a:extLst>
+        </p:spPr>
+        <p:txBody>
+          <a:bodyPr vert="horz" wrap="none" lIns="91440" tIns="45720" rIns="91440" bIns="45720" numCol="1" rtlCol="0" anchor="ctr" anchorCtr="0" compatLnSpc="1">
+            <a:prstTxWarp prst="textNoShape">
+              <a:avLst/>
+            </a:prstTxWarp>
+          </a:bodyPr>
+          <a:lstStyle/>
+          <a:p>
+            <a:pPr marL="0" marR="0" indent="0" algn="ctr" defTabSz="914400" rtl="0" eaLnBrk="1" fontAlgn="base" latinLnBrk="0" hangingPunct="1">
+              <a:lnSpc>
+                <a:spcPct val="100000"/>
+              </a:lnSpc>
+              <a:spcBef>
+                <a:spcPct val="0"/>
+              </a:spcBef>
+              <a:spcAft>
+                <a:spcPct val="0"/>
+              </a:spcAft>
+              <a:buClrTx/>
+              <a:buSzTx/>
+              <a:buFontTx/>
+              <a:buNone/>
+              <a:tabLst/>
+            </a:pPr>
+            <a:r>
+              <a:rPr lang="en-US" dirty="0">
+                <a:latin typeface="+mn-lt"/>
+                <a:ea typeface="ＭＳ Ｐゴシック" charset="0"/>
+              </a:rPr>
+              <a:t>Container Work is Supervised</a:t>
+            </a:r>
+            <a:endParaRPr kumimoji="0" lang="en-US" b="0" i="0" u="none" strike="noStrike" cap="none" normalizeH="0" baseline="0" dirty="0">
+              <a:ln>
+                <a:noFill/>
+              </a:ln>
+              <a:solidFill>
+                <a:schemeClr val="tx1"/>
+              </a:solidFill>
+              <a:effectLst/>
+              <a:latin typeface="+mn-lt"/>
+              <a:ea typeface="ＭＳ Ｐゴシック" charset="0"/>
+            </a:endParaRPr>
+          </a:p>
+        </p:txBody>
+      </p:sp>
+      <p:cxnSp>
+        <p:nvCxnSpPr>
+          <p:cNvPr id="17" name="Straight Arrow Connector 16">
+            <a:extLst>
+              <a:ext uri="{FF2B5EF4-FFF2-40B4-BE49-F238E27FC236}">
+                <a16:creationId xmlns:a16="http://schemas.microsoft.com/office/drawing/2014/main" id="{94C4DDC4-D610-352E-7927-4D429D557271}"/>
+              </a:ext>
+            </a:extLst>
+          </p:cNvPr>
+          <p:cNvCxnSpPr>
+            <a:cxnSpLocks/>
+            <a:stCxn id="16" idx="1"/>
+          </p:cNvCxnSpPr>
+          <p:nvPr/>
+        </p:nvCxnSpPr>
+        <p:spPr>
+          <a:xfrm flipH="1">
+            <a:off x="7165298" y="3009641"/>
+            <a:ext cx="707035" cy="318219"/>
+          </a:xfrm>
+          <a:prstGeom prst="straightConnector1">
+            <a:avLst/>
+          </a:prstGeom>
+          <a:ln w="63500">
+            <a:tailEnd type="triangle"/>
+          </a:ln>
+        </p:spPr>
+        <p:style>
+          <a:lnRef idx="1">
+            <a:schemeClr val="accent1"/>
+          </a:lnRef>
+          <a:fillRef idx="0">
+            <a:schemeClr val="accent1"/>
+          </a:fillRef>
+          <a:effectRef idx="0">
+            <a:schemeClr val="accent1"/>
+          </a:effectRef>
+          <a:fontRef idx="minor">
+            <a:schemeClr val="tx1"/>
+          </a:fontRef>
+        </p:style>
+      </p:cxnSp>
+      <p:sp>
+        <p:nvSpPr>
+          <p:cNvPr id="20" name="Rectangle 19">
+            <a:extLst>
+              <a:ext uri="{FF2B5EF4-FFF2-40B4-BE49-F238E27FC236}">
+                <a16:creationId xmlns:a16="http://schemas.microsoft.com/office/drawing/2014/main" id="{19B851AC-0589-E93B-29DD-E86DC9EE36BF}"/>
+              </a:ext>
+            </a:extLst>
+          </p:cNvPr>
+          <p:cNvSpPr/>
+          <p:nvPr/>
+        </p:nvSpPr>
+        <p:spPr bwMode="auto">
+          <a:xfrm>
+            <a:off x="224853" y="6098056"/>
+            <a:ext cx="5430189" cy="624213"/>
+          </a:xfrm>
+          <a:prstGeom prst="rect">
+            <a:avLst/>
+          </a:prstGeom>
+          <a:solidFill>
+            <a:srgbClr val="9DC3E7"/>
+          </a:solidFill>
+          <a:ln w="9525" cap="flat" cmpd="sng" algn="ctr">
+            <a:solidFill>
+              <a:schemeClr val="tx1"/>
+            </a:solidFill>
+            <a:prstDash val="solid"/>
+            <a:round/>
+            <a:headEnd type="none" w="med" len="med"/>
+            <a:tailEnd type="none" w="med" len="med"/>
+          </a:ln>
+          <a:effectLst/>
+          <a:extLst>
+            <a:ext uri="{AF507438-7753-43e0-B8FC-AC1667EBCBE1}">
+              <a14:hiddenEffects xmlns="" xmlns:a14="http://schemas.microsoft.com/office/drawing/2010/main">
+                <a:effectLst>
+                  <a:outerShdw blurRad="63500" dist="38099" dir="2700000" algn="ctr" rotWithShape="0">
+                    <a:schemeClr val="bg2">
+                      <a:alpha val="74998"/>
+                    </a:schemeClr>
+                  </a:outerShdw>
+                </a:effectLst>
+              </a14:hiddenEffects>
+            </a:ext>
+          </a:extLst>
+        </p:spPr>
+        <p:txBody>
+          <a:bodyPr vert="horz" wrap="none" lIns="91440" tIns="45720" rIns="91440" bIns="45720" numCol="1" rtlCol="0" anchor="ctr" anchorCtr="0" compatLnSpc="1">
+            <a:prstTxWarp prst="textNoShape">
+              <a:avLst/>
+            </a:prstTxWarp>
+          </a:bodyPr>
+          <a:lstStyle/>
+          <a:p>
+            <a:pPr marL="0" marR="0" indent="0" algn="ctr" defTabSz="914400" rtl="0" eaLnBrk="1" fontAlgn="base" latinLnBrk="0" hangingPunct="1">
+              <a:lnSpc>
+                <a:spcPct val="100000"/>
+              </a:lnSpc>
+              <a:spcBef>
+                <a:spcPct val="0"/>
+              </a:spcBef>
+              <a:spcAft>
+                <a:spcPct val="0"/>
+              </a:spcAft>
+              <a:buClrTx/>
+              <a:buSzTx/>
+              <a:buFontTx/>
+              <a:buNone/>
+              <a:tabLst/>
+            </a:pPr>
+            <a:r>
+              <a:rPr kumimoji="0" lang="en-US" i="0" u="none" strike="noStrike" cap="none" normalizeH="0" baseline="0" dirty="0">
+                <a:ln>
+                  <a:noFill/>
+                </a:ln>
+                <a:solidFill>
+                  <a:schemeClr val="tx1"/>
+                </a:solidFill>
+                <a:effectLst/>
+                <a:latin typeface="+mn-lt"/>
+                <a:ea typeface="ＭＳ Ｐゴシック" charset="0"/>
+              </a:rPr>
+              <a:t>Target Configuration is Persisted</a:t>
+            </a:r>
+            <a:r>
+              <a:rPr lang="en-US" dirty="0">
+                <a:latin typeface="+mn-lt"/>
+                <a:ea typeface="ＭＳ Ｐゴシック" charset="0"/>
+              </a:rPr>
+              <a:t>, </a:t>
+            </a:r>
+            <a:br>
+              <a:rPr lang="en-US" dirty="0">
+                <a:latin typeface="+mn-lt"/>
+                <a:ea typeface="ＭＳ Ｐゴシック" charset="0"/>
+              </a:rPr>
+            </a:br>
+            <a:r>
+              <a:rPr kumimoji="0" lang="en-US" i="0" u="none" strike="noStrike" cap="none" normalizeH="0" baseline="0" dirty="0">
+                <a:ln>
+                  <a:noFill/>
+                </a:ln>
+                <a:solidFill>
+                  <a:schemeClr val="tx1"/>
+                </a:solidFill>
+                <a:effectLst/>
+                <a:latin typeface="+mn-lt"/>
+                <a:ea typeface="ＭＳ Ｐゴシック" charset="0"/>
+              </a:rPr>
+              <a:t>Tracked and kept up to date</a:t>
+            </a:r>
+          </a:p>
+        </p:txBody>
+      </p:sp>
+      <p:cxnSp>
+        <p:nvCxnSpPr>
+          <p:cNvPr id="21" name="Straight Arrow Connector 20">
+            <a:extLst>
+              <a:ext uri="{FF2B5EF4-FFF2-40B4-BE49-F238E27FC236}">
+                <a16:creationId xmlns:a16="http://schemas.microsoft.com/office/drawing/2014/main" id="{6ACE68F0-547D-53E8-3CC8-395B6C977D8B}"/>
+              </a:ext>
+            </a:extLst>
+          </p:cNvPr>
+          <p:cNvCxnSpPr>
+            <a:cxnSpLocks/>
+          </p:cNvCxnSpPr>
+          <p:nvPr/>
+        </p:nvCxnSpPr>
+        <p:spPr>
+          <a:xfrm flipH="1" flipV="1">
+            <a:off x="3994202" y="5475284"/>
+            <a:ext cx="342795" cy="562649"/>
+          </a:xfrm>
+          <a:prstGeom prst="straightConnector1">
+            <a:avLst/>
+          </a:prstGeom>
+          <a:ln w="63500">
+            <a:tailEnd type="triangle"/>
+          </a:ln>
+        </p:spPr>
+        <p:style>
+          <a:lnRef idx="1">
+            <a:schemeClr val="accent1"/>
+          </a:lnRef>
+          <a:fillRef idx="0">
+            <a:schemeClr val="accent1"/>
+          </a:fillRef>
+          <a:effectRef idx="0">
+            <a:schemeClr val="accent1"/>
+          </a:effectRef>
+          <a:fontRef idx="minor">
+            <a:schemeClr val="tx1"/>
+          </a:fontRef>
+        </p:style>
+      </p:cxnSp>
+      <p:cxnSp>
+        <p:nvCxnSpPr>
+          <p:cNvPr id="22" name="Straight Arrow Connector 21">
+            <a:extLst>
+              <a:ext uri="{FF2B5EF4-FFF2-40B4-BE49-F238E27FC236}">
+                <a16:creationId xmlns:a16="http://schemas.microsoft.com/office/drawing/2014/main" id="{9663965E-8CC6-068F-A052-17A7B667CCBC}"/>
+              </a:ext>
+            </a:extLst>
+          </p:cNvPr>
+          <p:cNvCxnSpPr>
+            <a:cxnSpLocks/>
+          </p:cNvCxnSpPr>
+          <p:nvPr/>
+        </p:nvCxnSpPr>
+        <p:spPr>
+          <a:xfrm flipV="1">
+            <a:off x="1795476" y="4796852"/>
+            <a:ext cx="0" cy="1333645"/>
+          </a:xfrm>
+          <a:prstGeom prst="straightConnector1">
+            <a:avLst/>
+          </a:prstGeom>
+          <a:ln w="63500">
+            <a:tailEnd type="triangle"/>
+          </a:ln>
+        </p:spPr>
+        <p:style>
+          <a:lnRef idx="1">
+            <a:schemeClr val="accent1"/>
+          </a:lnRef>
+          <a:fillRef idx="0">
+            <a:schemeClr val="accent1"/>
+          </a:fillRef>
+          <a:effectRef idx="0">
+            <a:schemeClr val="accent1"/>
+          </a:effectRef>
+          <a:fontRef idx="minor">
+            <a:schemeClr val="tx1"/>
+          </a:fontRef>
+        </p:style>
+      </p:cxnSp>
+      <p:sp>
+        <p:nvSpPr>
+          <p:cNvPr id="25" name="Rectangle 24">
+            <a:extLst>
+              <a:ext uri="{FF2B5EF4-FFF2-40B4-BE49-F238E27FC236}">
+                <a16:creationId xmlns:a16="http://schemas.microsoft.com/office/drawing/2014/main" id="{EB4966B1-8837-DEA7-E551-F0E2A0244AA4}"/>
+              </a:ext>
+            </a:extLst>
+          </p:cNvPr>
+          <p:cNvSpPr/>
+          <p:nvPr/>
+        </p:nvSpPr>
+        <p:spPr bwMode="auto">
+          <a:xfrm>
+            <a:off x="204853" y="1387105"/>
+            <a:ext cx="2008680" cy="1054077"/>
+          </a:xfrm>
+          <a:prstGeom prst="rect">
+            <a:avLst/>
+          </a:prstGeom>
+          <a:solidFill>
+            <a:srgbClr val="9DC3E7"/>
+          </a:solidFill>
+          <a:ln w="9525" cap="flat" cmpd="sng" algn="ctr">
+            <a:solidFill>
+              <a:schemeClr val="tx1"/>
+            </a:solidFill>
+            <a:prstDash val="solid"/>
+            <a:round/>
+            <a:headEnd type="none" w="med" len="med"/>
+            <a:tailEnd type="none" w="med" len="med"/>
+          </a:ln>
+          <a:effectLst/>
+          <a:extLst>
+            <a:ext uri="{AF507438-7753-43e0-B8FC-AC1667EBCBE1}">
+              <a14:hiddenEffects xmlns="" xmlns:a14="http://schemas.microsoft.com/office/drawing/2010/main">
+                <a:effectLst>
+                  <a:outerShdw blurRad="63500" dist="38099" dir="2700000" algn="ctr" rotWithShape="0">
+                    <a:schemeClr val="bg2">
+                      <a:alpha val="74998"/>
+                    </a:schemeClr>
+                  </a:outerShdw>
+                </a:effectLst>
+              </a14:hiddenEffects>
+            </a:ext>
+          </a:extLst>
+        </p:spPr>
+        <p:txBody>
+          <a:bodyPr vert="horz" wrap="none" lIns="91440" tIns="45720" rIns="91440" bIns="45720" numCol="1" rtlCol="0" anchor="ctr" anchorCtr="0" compatLnSpc="1">
+            <a:prstTxWarp prst="textNoShape">
+              <a:avLst/>
+            </a:prstTxWarp>
+          </a:bodyPr>
+          <a:lstStyle/>
+          <a:p>
+            <a:pPr marL="0" marR="0" indent="0" algn="ctr" defTabSz="914400" rtl="0" eaLnBrk="1" fontAlgn="base" latinLnBrk="0" hangingPunct="1">
+              <a:lnSpc>
+                <a:spcPct val="100000"/>
+              </a:lnSpc>
+              <a:spcBef>
+                <a:spcPct val="0"/>
+              </a:spcBef>
+              <a:spcAft>
+                <a:spcPct val="0"/>
+              </a:spcAft>
+              <a:buClrTx/>
+              <a:buSzTx/>
+              <a:buFontTx/>
+              <a:buNone/>
+              <a:tabLst/>
+            </a:pPr>
+            <a:r>
+              <a:rPr lang="en-US" dirty="0">
+                <a:latin typeface="+mn-lt"/>
+                <a:ea typeface="ＭＳ Ｐゴシック" charset="0"/>
+              </a:rPr>
+              <a:t>Everything </a:t>
+            </a:r>
+            <a:br>
+              <a:rPr lang="en-US" dirty="0">
+                <a:latin typeface="+mn-lt"/>
+                <a:ea typeface="ＭＳ Ｐゴシック" charset="0"/>
+              </a:rPr>
+            </a:br>
+            <a:r>
+              <a:rPr lang="en-US" dirty="0">
+                <a:latin typeface="+mn-lt"/>
+                <a:ea typeface="ＭＳ Ｐゴシック" charset="0"/>
+              </a:rPr>
+              <a:t>managed</a:t>
+            </a:r>
+            <a:br>
+              <a:rPr lang="en-US" dirty="0">
+                <a:latin typeface="+mn-lt"/>
+                <a:ea typeface="ＭＳ Ｐゴシック" charset="0"/>
+              </a:rPr>
+            </a:br>
+            <a:r>
+              <a:rPr lang="en-US" dirty="0">
+                <a:latin typeface="+mn-lt"/>
+                <a:ea typeface="ＭＳ Ｐゴシック" charset="0"/>
+              </a:rPr>
+              <a:t>via APIs</a:t>
+            </a:r>
+            <a:endParaRPr kumimoji="0" lang="en-US" i="0" u="none" strike="noStrike" cap="none" normalizeH="0" baseline="0" dirty="0">
+              <a:ln>
+                <a:noFill/>
+              </a:ln>
+              <a:solidFill>
+                <a:schemeClr val="tx1"/>
+              </a:solidFill>
+              <a:effectLst/>
+              <a:latin typeface="+mn-lt"/>
+              <a:ea typeface="ＭＳ Ｐゴシック" charset="0"/>
+            </a:endParaRPr>
+          </a:p>
+        </p:txBody>
+      </p:sp>
+      <p:cxnSp>
+        <p:nvCxnSpPr>
+          <p:cNvPr id="26" name="Straight Arrow Connector 25">
+            <a:extLst>
+              <a:ext uri="{FF2B5EF4-FFF2-40B4-BE49-F238E27FC236}">
+                <a16:creationId xmlns:a16="http://schemas.microsoft.com/office/drawing/2014/main" id="{39C33059-42EE-5096-53B0-325B8E7CD9C0}"/>
+              </a:ext>
+            </a:extLst>
+          </p:cNvPr>
+          <p:cNvCxnSpPr>
+            <a:cxnSpLocks/>
+          </p:cNvCxnSpPr>
+          <p:nvPr/>
+        </p:nvCxnSpPr>
+        <p:spPr>
+          <a:xfrm>
+            <a:off x="1998168" y="2456730"/>
+            <a:ext cx="991223" cy="775158"/>
+          </a:xfrm>
+          <a:prstGeom prst="straightConnector1">
+            <a:avLst/>
+          </a:prstGeom>
+          <a:ln w="63500">
+            <a:tailEnd type="triangle"/>
+          </a:ln>
+        </p:spPr>
+        <p:style>
+          <a:lnRef idx="1">
+            <a:schemeClr val="accent1"/>
+          </a:lnRef>
+          <a:fillRef idx="0">
+            <a:schemeClr val="accent1"/>
+          </a:fillRef>
+          <a:effectRef idx="0">
+            <a:schemeClr val="accent1"/>
+          </a:effectRef>
+          <a:fontRef idx="minor">
+            <a:schemeClr val="tx1"/>
+          </a:fontRef>
+        </p:style>
+      </p:cxnSp>
+    </p:spTree>
+    <p:extLst>
+      <p:ext uri="{BB962C8B-B14F-4D97-AF65-F5344CB8AC3E}">
+        <p14:creationId xmlns:p14="http://schemas.microsoft.com/office/powerpoint/2010/main" val="2467359265"/>
+      </p:ext>
+    </p:extLst>
+  </p:cSld>
+  <p:clrMapOvr>
+    <a:masterClrMapping/>
+  </p:clrMapOvr>
+</p:sld>
+</file>
+
+<file path=ppt/slides/slide25.xml><?xml version="1.0" encoding="utf-8"?>
+<p:sld xmlns:a="http://schemas.openxmlformats.org/drawingml/2006/main" xmlns:r="http://schemas.openxmlformats.org/officeDocument/2006/relationships" xmlns:p="http://schemas.openxmlformats.org/presentationml/2006/main">
+  <p:cSld>
+    <p:spTree>
+      <p:nvGrpSpPr>
+        <p:cNvPr id="1" name=""/>
+        <p:cNvGrpSpPr/>
+        <p:nvPr/>
+      </p:nvGrpSpPr>
+      <p:grpSpPr>
+        <a:xfrm>
+          <a:off x="0" y="0"/>
+          <a:ext cx="0" cy="0"/>
+          <a:chOff x="0" y="0"/>
+          <a:chExt cx="0" cy="0"/>
+        </a:xfrm>
+      </p:grpSpPr>
+      <p:sp>
+        <p:nvSpPr>
+          <p:cNvPr id="27" name="Rectangle 26">
+            <a:extLst>
+              <a:ext uri="{FF2B5EF4-FFF2-40B4-BE49-F238E27FC236}">
+                <a16:creationId xmlns:a16="http://schemas.microsoft.com/office/drawing/2014/main" id="{675587CC-CE56-DB85-7D82-1042447468E5}"/>
+              </a:ext>
+            </a:extLst>
+          </p:cNvPr>
+          <p:cNvSpPr/>
+          <p:nvPr/>
+        </p:nvSpPr>
+        <p:spPr bwMode="auto">
+          <a:xfrm>
+            <a:off x="189879" y="1988522"/>
+            <a:ext cx="2788170" cy="3082790"/>
+          </a:xfrm>
+          <a:prstGeom prst="rect">
+            <a:avLst/>
+          </a:prstGeom>
+          <a:solidFill>
+            <a:schemeClr val="accent6">
+              <a:lumMod val="40000"/>
+              <a:lumOff val="60000"/>
+            </a:schemeClr>
+          </a:solidFill>
+          <a:ln w="9525" cap="flat" cmpd="sng" algn="ctr">
+            <a:solidFill>
+              <a:schemeClr val="tx1"/>
+            </a:solidFill>
+            <a:prstDash val="solid"/>
+            <a:round/>
+            <a:headEnd type="none" w="med" len="med"/>
+            <a:tailEnd type="none" w="med" len="med"/>
+          </a:ln>
+          <a:effectLst/>
+          <a:extLst>
+            <a:ext uri="{AF507438-7753-43e0-B8FC-AC1667EBCBE1}">
+              <a14:hiddenEffects xmlns:a14="http://schemas.microsoft.com/office/drawing/2010/main" xmlns="">
+                <a:effectLst>
+                  <a:outerShdw blurRad="63500" dist="38099" dir="2700000" algn="ctr" rotWithShape="0">
+                    <a:schemeClr val="bg2">
+                      <a:alpha val="74998"/>
+                    </a:schemeClr>
+                  </a:outerShdw>
+                </a:effectLst>
+              </a14:hiddenEffects>
+            </a:ext>
+          </a:extLst>
+        </p:spPr>
+        <p:txBody>
+          <a:bodyPr vert="horz" wrap="none" lIns="91440" tIns="45720" rIns="91440" bIns="45720" numCol="1" rtlCol="0" anchor="t" anchorCtr="0" compatLnSpc="1">
+            <a:prstTxWarp prst="textNoShape">
+              <a:avLst/>
+            </a:prstTxWarp>
+          </a:bodyPr>
+          <a:lstStyle/>
+          <a:p>
+            <a:pPr marL="0" marR="0" indent="0" algn="ctr" defTabSz="914400" rtl="0" eaLnBrk="1" fontAlgn="base" latinLnBrk="0" hangingPunct="1">
+              <a:lnSpc>
+                <a:spcPct val="100000"/>
+              </a:lnSpc>
+              <a:spcBef>
+                <a:spcPct val="0"/>
+              </a:spcBef>
+              <a:spcAft>
+                <a:spcPct val="0"/>
+              </a:spcAft>
+              <a:buClrTx/>
+              <a:buSzTx/>
+              <a:buFontTx/>
+              <a:buNone/>
+              <a:tabLst/>
+            </a:pPr>
+            <a:r>
+              <a:rPr lang="en-US" dirty="0">
+                <a:latin typeface="+mn-lt"/>
+                <a:ea typeface="ＭＳ Ｐゴシック" charset="0"/>
+              </a:rPr>
+              <a:t>Kubernetes Pod</a:t>
+            </a:r>
+            <a:endParaRPr kumimoji="0" lang="en-US" b="0" i="0" u="none" strike="noStrike" cap="none" normalizeH="0" baseline="0" dirty="0">
+              <a:ln>
+                <a:noFill/>
+              </a:ln>
+              <a:solidFill>
+                <a:schemeClr val="tx1"/>
+              </a:solidFill>
+              <a:effectLst/>
+              <a:latin typeface="+mn-lt"/>
+              <a:ea typeface="ＭＳ Ｐゴシック" charset="0"/>
+            </a:endParaRPr>
+          </a:p>
+        </p:txBody>
+      </p:sp>
+      <p:sp>
+        <p:nvSpPr>
+          <p:cNvPr id="680962" name="Rectangle 2"/>
+          <p:cNvSpPr>
+            <a:spLocks noGrp="1" noChangeArrowheads="1"/>
+          </p:cNvSpPr>
+          <p:nvPr>
+            <p:ph type="title"/>
+          </p:nvPr>
+        </p:nvSpPr>
+        <p:spPr>
+          <a:xfrm>
+            <a:off x="609600" y="230065"/>
+            <a:ext cx="10972800" cy="698948"/>
+          </a:xfrm>
+        </p:spPr>
+        <p:txBody>
+          <a:bodyPr/>
+          <a:lstStyle/>
+          <a:p>
+            <a:r>
+              <a:rPr lang="en-US" dirty="0"/>
+              <a:t>Running Containers at Scale In Production – </a:t>
+            </a:r>
+            <a:br>
+              <a:rPr lang="en-US" dirty="0"/>
+            </a:br>
+            <a:r>
+              <a:rPr lang="en-US" dirty="0"/>
+              <a:t>Kubernetes or k8s - Pods</a:t>
+            </a:r>
+          </a:p>
+        </p:txBody>
+      </p:sp>
+      <p:sp>
+        <p:nvSpPr>
+          <p:cNvPr id="18" name="Rectangle 17">
+            <a:extLst>
+              <a:ext uri="{FF2B5EF4-FFF2-40B4-BE49-F238E27FC236}">
+                <a16:creationId xmlns:a16="http://schemas.microsoft.com/office/drawing/2014/main" id="{B2B63193-A54D-BCBC-A799-E2C404272E4F}"/>
+              </a:ext>
+            </a:extLst>
+          </p:cNvPr>
+          <p:cNvSpPr/>
+          <p:nvPr/>
+        </p:nvSpPr>
+        <p:spPr bwMode="auto">
+          <a:xfrm>
+            <a:off x="368434" y="2577913"/>
+            <a:ext cx="2474704" cy="679589"/>
+          </a:xfrm>
+          <a:prstGeom prst="rect">
+            <a:avLst/>
+          </a:prstGeom>
+          <a:solidFill>
+            <a:srgbClr val="9DC3E7"/>
+          </a:solidFill>
+          <a:ln w="9525" cap="flat" cmpd="sng" algn="ctr">
+            <a:solidFill>
+              <a:schemeClr val="tx1"/>
+            </a:solidFill>
+            <a:prstDash val="solid"/>
+            <a:round/>
+            <a:headEnd type="none" w="med" len="med"/>
+            <a:tailEnd type="none" w="med" len="med"/>
+          </a:ln>
+          <a:effectLst/>
+          <a:extLst>
+            <a:ext uri="{AF507438-7753-43e0-B8FC-AC1667EBCBE1}">
+              <a14:hiddenEffects xmlns:a14="http://schemas.microsoft.com/office/drawing/2010/main" xmlns="">
+                <a:effectLst>
+                  <a:outerShdw blurRad="63500" dist="38099" dir="2700000" algn="ctr" rotWithShape="0">
+                    <a:schemeClr val="bg2">
+                      <a:alpha val="74998"/>
+                    </a:schemeClr>
+                  </a:outerShdw>
+                </a:effectLst>
+              </a14:hiddenEffects>
+            </a:ext>
+          </a:extLst>
+        </p:spPr>
+        <p:txBody>
+          <a:bodyPr vert="horz" wrap="none" lIns="91440" tIns="45720" rIns="91440" bIns="45720" numCol="1" rtlCol="0" anchor="ctr" anchorCtr="0" compatLnSpc="1">
+            <a:prstTxWarp prst="textNoShape">
+              <a:avLst/>
+            </a:prstTxWarp>
+          </a:bodyPr>
+          <a:lstStyle/>
+          <a:p>
+            <a:pPr marL="0" marR="0" indent="0" algn="ctr" defTabSz="914400" rtl="0" eaLnBrk="1" fontAlgn="base" latinLnBrk="0" hangingPunct="1">
+              <a:lnSpc>
+                <a:spcPct val="100000"/>
+              </a:lnSpc>
+              <a:spcBef>
+                <a:spcPct val="0"/>
+              </a:spcBef>
+              <a:spcAft>
+                <a:spcPct val="0"/>
+              </a:spcAft>
+              <a:buClrTx/>
+              <a:buSzTx/>
+              <a:buFontTx/>
+              <a:buNone/>
+              <a:tabLst/>
+            </a:pPr>
+            <a:r>
+              <a:rPr lang="en-US" dirty="0" err="1">
+                <a:latin typeface="+mn-lt"/>
+                <a:ea typeface="ＭＳ Ｐゴシック" charset="0"/>
+              </a:rPr>
+              <a:t>Kublet</a:t>
+            </a:r>
+            <a:r>
+              <a:rPr lang="en-US" dirty="0">
+                <a:latin typeface="+mn-lt"/>
+                <a:ea typeface="ＭＳ Ｐゴシック" charset="0"/>
+              </a:rPr>
+              <a:t> Runtime</a:t>
+            </a:r>
+            <a:endParaRPr kumimoji="0" lang="en-US" b="0" i="0" u="none" strike="noStrike" cap="none" normalizeH="0" baseline="0" dirty="0">
+              <a:ln>
+                <a:noFill/>
+              </a:ln>
+              <a:solidFill>
+                <a:schemeClr val="tx1"/>
+              </a:solidFill>
+              <a:effectLst/>
+              <a:latin typeface="+mn-lt"/>
+              <a:ea typeface="ＭＳ Ｐゴシック" charset="0"/>
+            </a:endParaRPr>
+          </a:p>
+        </p:txBody>
+      </p:sp>
+      <p:sp>
+        <p:nvSpPr>
+          <p:cNvPr id="19" name="Rectangle 18">
+            <a:extLst>
+              <a:ext uri="{FF2B5EF4-FFF2-40B4-BE49-F238E27FC236}">
+                <a16:creationId xmlns:a16="http://schemas.microsoft.com/office/drawing/2014/main" id="{1A90D8AB-3FE7-9F13-C7A6-0F0081E3EDEA}"/>
+              </a:ext>
+            </a:extLst>
+          </p:cNvPr>
+          <p:cNvSpPr/>
+          <p:nvPr/>
+        </p:nvSpPr>
+        <p:spPr bwMode="auto">
+          <a:xfrm>
+            <a:off x="460038" y="3547688"/>
+            <a:ext cx="1576961" cy="679589"/>
+          </a:xfrm>
+          <a:prstGeom prst="rect">
+            <a:avLst/>
+          </a:prstGeom>
+          <a:solidFill>
+            <a:srgbClr val="9DC3E7"/>
+          </a:solidFill>
+          <a:ln w="9525" cap="flat" cmpd="sng" algn="ctr">
+            <a:solidFill>
+              <a:schemeClr val="tx1"/>
+            </a:solidFill>
+            <a:prstDash val="solid"/>
+            <a:round/>
+            <a:headEnd type="none" w="med" len="med"/>
+            <a:tailEnd type="none" w="med" len="med"/>
+          </a:ln>
+          <a:effectLst/>
+          <a:extLst>
+            <a:ext uri="{AF507438-7753-43e0-B8FC-AC1667EBCBE1}">
+              <a14:hiddenEffects xmlns:a14="http://schemas.microsoft.com/office/drawing/2010/main" xmlns="">
+                <a:effectLst>
+                  <a:outerShdw blurRad="63500" dist="38099" dir="2700000" algn="ctr" rotWithShape="0">
+                    <a:schemeClr val="bg2">
+                      <a:alpha val="74998"/>
+                    </a:schemeClr>
+                  </a:outerShdw>
+                </a:effectLst>
+              </a14:hiddenEffects>
+            </a:ext>
+          </a:extLst>
+        </p:spPr>
+        <p:txBody>
+          <a:bodyPr vert="horz" wrap="none" lIns="91440" tIns="45720" rIns="91440" bIns="45720" numCol="1" rtlCol="0" anchor="ctr" anchorCtr="0" compatLnSpc="1">
+            <a:prstTxWarp prst="textNoShape">
+              <a:avLst/>
+            </a:prstTxWarp>
+          </a:bodyPr>
+          <a:lstStyle/>
+          <a:p>
+            <a:pPr marL="0" marR="0" indent="0" algn="ctr" defTabSz="914400" rtl="0" eaLnBrk="1" fontAlgn="base" latinLnBrk="0" hangingPunct="1">
+              <a:lnSpc>
+                <a:spcPct val="100000"/>
+              </a:lnSpc>
+              <a:spcBef>
+                <a:spcPct val="0"/>
+              </a:spcBef>
+              <a:spcAft>
+                <a:spcPct val="0"/>
+              </a:spcAft>
+              <a:buClrTx/>
+              <a:buSzTx/>
+              <a:buFontTx/>
+              <a:buNone/>
+              <a:tabLst/>
+            </a:pPr>
+            <a:r>
+              <a:rPr kumimoji="0" lang="en-US" b="0" i="0" u="none" strike="noStrike" cap="none" normalizeH="0" baseline="0" dirty="0">
+                <a:ln>
+                  <a:noFill/>
+                </a:ln>
+                <a:solidFill>
+                  <a:schemeClr val="tx1"/>
+                </a:solidFill>
+                <a:effectLst/>
+                <a:latin typeface="+mn-lt"/>
+                <a:ea typeface="ＭＳ Ｐゴシック" charset="0"/>
+              </a:rPr>
+              <a:t>Container</a:t>
+            </a:r>
+          </a:p>
+        </p:txBody>
+      </p:sp>
+      <p:sp>
+        <p:nvSpPr>
+          <p:cNvPr id="28" name="Rectangle 27">
+            <a:extLst>
+              <a:ext uri="{FF2B5EF4-FFF2-40B4-BE49-F238E27FC236}">
+                <a16:creationId xmlns:a16="http://schemas.microsoft.com/office/drawing/2014/main" id="{8684C6FA-6C3F-7876-121D-87BEEF9B0AA9}"/>
+              </a:ext>
+            </a:extLst>
+          </p:cNvPr>
+          <p:cNvSpPr/>
+          <p:nvPr/>
+        </p:nvSpPr>
+        <p:spPr bwMode="auto">
+          <a:xfrm>
+            <a:off x="612438" y="3700088"/>
+            <a:ext cx="1576961" cy="679589"/>
+          </a:xfrm>
+          <a:prstGeom prst="rect">
+            <a:avLst/>
+          </a:prstGeom>
+          <a:solidFill>
+            <a:srgbClr val="9DC3E7"/>
+          </a:solidFill>
+          <a:ln w="9525" cap="flat" cmpd="sng" algn="ctr">
+            <a:solidFill>
+              <a:schemeClr val="tx1"/>
+            </a:solidFill>
+            <a:prstDash val="solid"/>
+            <a:round/>
+            <a:headEnd type="none" w="med" len="med"/>
+            <a:tailEnd type="none" w="med" len="med"/>
+          </a:ln>
+          <a:effectLst/>
+          <a:extLst>
+            <a:ext uri="{AF507438-7753-43e0-B8FC-AC1667EBCBE1}">
+              <a14:hiddenEffects xmlns:a14="http://schemas.microsoft.com/office/drawing/2010/main" xmlns="">
+                <a:effectLst>
+                  <a:outerShdw blurRad="63500" dist="38099" dir="2700000" algn="ctr" rotWithShape="0">
+                    <a:schemeClr val="bg2">
+                      <a:alpha val="74998"/>
+                    </a:schemeClr>
+                  </a:outerShdw>
+                </a:effectLst>
+              </a14:hiddenEffects>
+            </a:ext>
+          </a:extLst>
+        </p:spPr>
+        <p:txBody>
+          <a:bodyPr vert="horz" wrap="none" lIns="91440" tIns="45720" rIns="91440" bIns="45720" numCol="1" rtlCol="0" anchor="ctr" anchorCtr="0" compatLnSpc="1">
+            <a:prstTxWarp prst="textNoShape">
+              <a:avLst/>
+            </a:prstTxWarp>
+          </a:bodyPr>
+          <a:lstStyle/>
+          <a:p>
+            <a:pPr marL="0" marR="0" indent="0" algn="ctr" defTabSz="914400" rtl="0" eaLnBrk="1" fontAlgn="base" latinLnBrk="0" hangingPunct="1">
+              <a:lnSpc>
+                <a:spcPct val="100000"/>
+              </a:lnSpc>
+              <a:spcBef>
+                <a:spcPct val="0"/>
+              </a:spcBef>
+              <a:spcAft>
+                <a:spcPct val="0"/>
+              </a:spcAft>
+              <a:buClrTx/>
+              <a:buSzTx/>
+              <a:buFontTx/>
+              <a:buNone/>
+              <a:tabLst/>
+            </a:pPr>
+            <a:r>
+              <a:rPr kumimoji="0" lang="en-US" b="0" i="0" u="none" strike="noStrike" cap="none" normalizeH="0" baseline="0" dirty="0">
+                <a:ln>
+                  <a:noFill/>
+                </a:ln>
+                <a:solidFill>
+                  <a:schemeClr val="tx1"/>
+                </a:solidFill>
+                <a:effectLst/>
+                <a:latin typeface="+mn-lt"/>
+                <a:ea typeface="ＭＳ Ｐゴシック" charset="0"/>
+              </a:rPr>
+              <a:t>Container</a:t>
+            </a:r>
+          </a:p>
+        </p:txBody>
+      </p:sp>
+      <p:sp>
+        <p:nvSpPr>
+          <p:cNvPr id="29" name="Rectangle 28">
+            <a:extLst>
+              <a:ext uri="{FF2B5EF4-FFF2-40B4-BE49-F238E27FC236}">
+                <a16:creationId xmlns:a16="http://schemas.microsoft.com/office/drawing/2014/main" id="{15E816FF-D561-1BB6-B165-835A33C79D40}"/>
+              </a:ext>
+            </a:extLst>
+          </p:cNvPr>
+          <p:cNvSpPr/>
+          <p:nvPr/>
+        </p:nvSpPr>
+        <p:spPr bwMode="auto">
+          <a:xfrm>
+            <a:off x="764838" y="3852488"/>
+            <a:ext cx="1576961" cy="679589"/>
+          </a:xfrm>
+          <a:prstGeom prst="rect">
+            <a:avLst/>
+          </a:prstGeom>
+          <a:solidFill>
+            <a:srgbClr val="9DC3E7"/>
+          </a:solidFill>
+          <a:ln w="9525" cap="flat" cmpd="sng" algn="ctr">
+            <a:solidFill>
+              <a:schemeClr val="tx1"/>
+            </a:solidFill>
+            <a:prstDash val="solid"/>
+            <a:round/>
+            <a:headEnd type="none" w="med" len="med"/>
+            <a:tailEnd type="none" w="med" len="med"/>
+          </a:ln>
+          <a:effectLst/>
+          <a:extLst>
+            <a:ext uri="{AF507438-7753-43e0-B8FC-AC1667EBCBE1}">
+              <a14:hiddenEffects xmlns:a14="http://schemas.microsoft.com/office/drawing/2010/main" xmlns="">
+                <a:effectLst>
+                  <a:outerShdw blurRad="63500" dist="38099" dir="2700000" algn="ctr" rotWithShape="0">
+                    <a:schemeClr val="bg2">
+                      <a:alpha val="74998"/>
+                    </a:schemeClr>
+                  </a:outerShdw>
+                </a:effectLst>
+              </a14:hiddenEffects>
+            </a:ext>
+          </a:extLst>
+        </p:spPr>
+        <p:txBody>
+          <a:bodyPr vert="horz" wrap="none" lIns="91440" tIns="45720" rIns="91440" bIns="45720" numCol="1" rtlCol="0" anchor="ctr" anchorCtr="0" compatLnSpc="1">
+            <a:prstTxWarp prst="textNoShape">
+              <a:avLst/>
+            </a:prstTxWarp>
+          </a:bodyPr>
+          <a:lstStyle/>
+          <a:p>
+            <a:pPr marL="0" marR="0" indent="0" algn="ctr" defTabSz="914400" rtl="0" eaLnBrk="1" fontAlgn="base" latinLnBrk="0" hangingPunct="1">
+              <a:lnSpc>
+                <a:spcPct val="100000"/>
+              </a:lnSpc>
+              <a:spcBef>
+                <a:spcPct val="0"/>
+              </a:spcBef>
+              <a:spcAft>
+                <a:spcPct val="0"/>
+              </a:spcAft>
+              <a:buClrTx/>
+              <a:buSzTx/>
+              <a:buFontTx/>
+              <a:buNone/>
+              <a:tabLst/>
+            </a:pPr>
+            <a:r>
+              <a:rPr kumimoji="0" lang="en-US" b="0" i="0" u="none" strike="noStrike" cap="none" normalizeH="0" baseline="0" dirty="0">
+                <a:ln>
+                  <a:noFill/>
+                </a:ln>
+                <a:solidFill>
+                  <a:schemeClr val="tx1"/>
+                </a:solidFill>
+                <a:effectLst/>
+                <a:latin typeface="+mn-lt"/>
+                <a:ea typeface="ＭＳ Ｐゴシック" charset="0"/>
+              </a:rPr>
+              <a:t>Container</a:t>
+            </a:r>
+          </a:p>
+        </p:txBody>
+      </p:sp>
+      <p:sp>
+        <p:nvSpPr>
+          <p:cNvPr id="30" name="Rectangle 29">
+            <a:extLst>
+              <a:ext uri="{FF2B5EF4-FFF2-40B4-BE49-F238E27FC236}">
+                <a16:creationId xmlns:a16="http://schemas.microsoft.com/office/drawing/2014/main" id="{D87C1FDC-EE3D-15A1-73E2-C470BF492997}"/>
+              </a:ext>
+            </a:extLst>
+          </p:cNvPr>
+          <p:cNvSpPr/>
+          <p:nvPr/>
+        </p:nvSpPr>
+        <p:spPr bwMode="auto">
+          <a:xfrm>
+            <a:off x="917238" y="4004888"/>
+            <a:ext cx="1576961" cy="679589"/>
+          </a:xfrm>
+          <a:prstGeom prst="rect">
+            <a:avLst/>
+          </a:prstGeom>
+          <a:solidFill>
+            <a:srgbClr val="9DC3E7"/>
+          </a:solidFill>
+          <a:ln w="9525" cap="flat" cmpd="sng" algn="ctr">
+            <a:solidFill>
+              <a:schemeClr val="tx1"/>
+            </a:solidFill>
+            <a:prstDash val="solid"/>
+            <a:round/>
+            <a:headEnd type="none" w="med" len="med"/>
+            <a:tailEnd type="none" w="med" len="med"/>
+          </a:ln>
+          <a:effectLst/>
+          <a:extLst>
+            <a:ext uri="{AF507438-7753-43e0-B8FC-AC1667EBCBE1}">
+              <a14:hiddenEffects xmlns:a14="http://schemas.microsoft.com/office/drawing/2010/main" xmlns="">
+                <a:effectLst>
+                  <a:outerShdw blurRad="63500" dist="38099" dir="2700000" algn="ctr" rotWithShape="0">
+                    <a:schemeClr val="bg2">
+                      <a:alpha val="74998"/>
+                    </a:schemeClr>
+                  </a:outerShdw>
+                </a:effectLst>
+              </a14:hiddenEffects>
+            </a:ext>
+          </a:extLst>
+        </p:spPr>
+        <p:txBody>
+          <a:bodyPr vert="horz" wrap="none" lIns="91440" tIns="45720" rIns="91440" bIns="45720" numCol="1" rtlCol="0" anchor="ctr" anchorCtr="0" compatLnSpc="1">
+            <a:prstTxWarp prst="textNoShape">
+              <a:avLst/>
+            </a:prstTxWarp>
+          </a:bodyPr>
+          <a:lstStyle/>
+          <a:p>
+            <a:pPr marL="0" marR="0" indent="0" algn="ctr" defTabSz="914400" rtl="0" eaLnBrk="1" fontAlgn="base" latinLnBrk="0" hangingPunct="1">
+              <a:lnSpc>
+                <a:spcPct val="100000"/>
+              </a:lnSpc>
+              <a:spcBef>
+                <a:spcPct val="0"/>
+              </a:spcBef>
+              <a:spcAft>
+                <a:spcPct val="0"/>
+              </a:spcAft>
+              <a:buClrTx/>
+              <a:buSzTx/>
+              <a:buFontTx/>
+              <a:buNone/>
+              <a:tabLst/>
+            </a:pPr>
+            <a:r>
+              <a:rPr kumimoji="0" lang="en-US" b="0" i="0" u="none" strike="noStrike" cap="none" normalizeH="0" baseline="0" dirty="0">
+                <a:ln>
+                  <a:noFill/>
+                </a:ln>
+                <a:solidFill>
+                  <a:schemeClr val="tx1"/>
+                </a:solidFill>
+                <a:effectLst/>
+                <a:latin typeface="+mn-lt"/>
+                <a:ea typeface="ＭＳ Ｐゴシック" charset="0"/>
+              </a:rPr>
+              <a:t>Container</a:t>
+            </a:r>
+          </a:p>
+        </p:txBody>
+      </p:sp>
+      <p:sp>
+        <p:nvSpPr>
+          <p:cNvPr id="31" name="Rectangle 30">
+            <a:extLst>
+              <a:ext uri="{FF2B5EF4-FFF2-40B4-BE49-F238E27FC236}">
+                <a16:creationId xmlns:a16="http://schemas.microsoft.com/office/drawing/2014/main" id="{1F086003-8D19-DB0C-69A9-58E2118D5AEC}"/>
+              </a:ext>
+            </a:extLst>
+          </p:cNvPr>
+          <p:cNvSpPr/>
+          <p:nvPr/>
+        </p:nvSpPr>
+        <p:spPr bwMode="auto">
+          <a:xfrm>
+            <a:off x="1069638" y="4157288"/>
+            <a:ext cx="1576961" cy="679589"/>
+          </a:xfrm>
+          <a:prstGeom prst="rect">
+            <a:avLst/>
+          </a:prstGeom>
+          <a:solidFill>
+            <a:srgbClr val="9DC3E7"/>
+          </a:solidFill>
+          <a:ln w="9525" cap="flat" cmpd="sng" algn="ctr">
+            <a:solidFill>
+              <a:schemeClr val="tx1"/>
+            </a:solidFill>
+            <a:prstDash val="solid"/>
+            <a:round/>
+            <a:headEnd type="none" w="med" len="med"/>
+            <a:tailEnd type="none" w="med" len="med"/>
+          </a:ln>
+          <a:effectLst/>
+          <a:extLst>
+            <a:ext uri="{AF507438-7753-43e0-B8FC-AC1667EBCBE1}">
+              <a14:hiddenEffects xmlns:a14="http://schemas.microsoft.com/office/drawing/2010/main" xmlns="">
+                <a:effectLst>
+                  <a:outerShdw blurRad="63500" dist="38099" dir="2700000" algn="ctr" rotWithShape="0">
+                    <a:schemeClr val="bg2">
+                      <a:alpha val="74998"/>
+                    </a:schemeClr>
+                  </a:outerShdw>
+                </a:effectLst>
+              </a14:hiddenEffects>
+            </a:ext>
+          </a:extLst>
+        </p:spPr>
+        <p:txBody>
+          <a:bodyPr vert="horz" wrap="none" lIns="91440" tIns="45720" rIns="91440" bIns="45720" numCol="1" rtlCol="0" anchor="ctr" anchorCtr="0" compatLnSpc="1">
+            <a:prstTxWarp prst="textNoShape">
+              <a:avLst/>
+            </a:prstTxWarp>
+          </a:bodyPr>
+          <a:lstStyle/>
+          <a:p>
+            <a:pPr marL="0" marR="0" indent="0" algn="ctr" defTabSz="914400" rtl="0" eaLnBrk="1" fontAlgn="base" latinLnBrk="0" hangingPunct="1">
+              <a:lnSpc>
+                <a:spcPct val="100000"/>
+              </a:lnSpc>
+              <a:spcBef>
+                <a:spcPct val="0"/>
+              </a:spcBef>
+              <a:spcAft>
+                <a:spcPct val="0"/>
+              </a:spcAft>
+              <a:buClrTx/>
+              <a:buSzTx/>
+              <a:buFontTx/>
+              <a:buNone/>
+              <a:tabLst/>
+            </a:pPr>
+            <a:r>
+              <a:rPr kumimoji="0" lang="en-US" b="0" i="0" u="none" strike="noStrike" cap="none" normalizeH="0" baseline="0" dirty="0">
+                <a:ln>
+                  <a:noFill/>
+                </a:ln>
+                <a:solidFill>
+                  <a:schemeClr val="tx1"/>
+                </a:solidFill>
+                <a:effectLst/>
+                <a:latin typeface="+mn-lt"/>
+                <a:ea typeface="ＭＳ Ｐゴシック" charset="0"/>
+              </a:rPr>
+              <a:t>Container</a:t>
+            </a:r>
+          </a:p>
+        </p:txBody>
+      </p:sp>
+      <p:sp>
+        <p:nvSpPr>
+          <p:cNvPr id="32" name="Rectangle 3" descr="Rectangle: Click to edit Master text styles&#10;Second level&#10;Third level&#10;Fourth level&#10;Fifth level">
+            <a:extLst>
+              <a:ext uri="{FF2B5EF4-FFF2-40B4-BE49-F238E27FC236}">
+                <a16:creationId xmlns:a16="http://schemas.microsoft.com/office/drawing/2014/main" id="{4D16A71B-A90F-8E90-7799-6465D8A2C36B}"/>
+              </a:ext>
+            </a:extLst>
+          </p:cNvPr>
+          <p:cNvSpPr txBox="1">
+            <a:spLocks noChangeArrowheads="1"/>
+          </p:cNvSpPr>
+          <p:nvPr/>
+        </p:nvSpPr>
+        <p:spPr bwMode="auto">
+          <a:xfrm>
+            <a:off x="609600" y="1187319"/>
+            <a:ext cx="11582400" cy="542897"/>
+          </a:xfrm>
+          <a:prstGeom prst="rect">
+            <a:avLst/>
+          </a:prstGeom>
+          <a:noFill/>
+          <a:ln>
+            <a:noFill/>
+          </a:ln>
+          <a:extLst>
+            <a:ext uri="{909E8E84-426E-40dd-AFC4-6F175D3DCCD1}">
+              <a14:hiddenFill xmlns:a14="http://schemas.microsoft.com/office/drawing/2010/main" xmlns="">
+                <a:solidFill>
+                  <a:srgbClr val="FFFFFF"/>
+                </a:solidFill>
+              </a14:hiddenFill>
+            </a:ext>
+            <a:ext uri="{91240B29-F687-4f45-9708-019B960494DF}">
+              <a14:hiddenLine xmlns:a14="http://schemas.microsoft.com/office/drawing/2010/main" xmlns="" w="9525">
+                <a:solidFill>
+                  <a:srgbClr val="000000"/>
+                </a:solidFill>
+                <a:miter lim="800000"/>
+                <a:headEnd/>
+                <a:tailEnd/>
+              </a14:hiddenLine>
+            </a:ext>
+          </a:extLst>
+        </p:spPr>
+        <p:txBody>
+          <a:bodyPr vert="horz" wrap="square" lIns="91440" tIns="45720" rIns="91440" bIns="45720" numCol="1" anchor="t" anchorCtr="0" compatLnSpc="1">
+            <a:prstTxWarp prst="textNoShape">
+              <a:avLst/>
+            </a:prstTxWarp>
+          </a:bodyPr>
+          <a:lstStyle>
+            <a:lvl1pPr marL="385763" indent="-385763" algn="l" rtl="0" eaLnBrk="0" fontAlgn="base" hangingPunct="0">
+              <a:spcBef>
+                <a:spcPct val="20000"/>
+              </a:spcBef>
+              <a:spcAft>
+                <a:spcPct val="0"/>
+              </a:spcAft>
+              <a:buFont typeface="Arial" charset="0"/>
+              <a:buChar char="•"/>
+              <a:defRPr sz="2700" kern="1200">
+                <a:solidFill>
+                  <a:schemeClr val="tx1"/>
+                </a:solidFill>
+                <a:latin typeface="+mn-lt"/>
+                <a:ea typeface="+mn-ea"/>
+                <a:cs typeface="+mn-cs"/>
+              </a:defRPr>
+            </a:lvl1pPr>
+            <a:lvl2pPr marL="835819" indent="-321469" algn="l" rtl="0" eaLnBrk="0" fontAlgn="base" hangingPunct="0">
+              <a:spcBef>
+                <a:spcPct val="20000"/>
+              </a:spcBef>
+              <a:spcAft>
+                <a:spcPct val="0"/>
+              </a:spcAft>
+              <a:buFont typeface="Arial" charset="0"/>
+              <a:buChar char="–"/>
+              <a:defRPr sz="2250" kern="1200">
+                <a:solidFill>
+                  <a:schemeClr val="tx1"/>
+                </a:solidFill>
+                <a:latin typeface="+mn-lt"/>
+                <a:ea typeface="+mn-ea"/>
+                <a:cs typeface="+mn-cs"/>
+              </a:defRPr>
+            </a:lvl2pPr>
+            <a:lvl3pPr marL="1285875" indent="-257175" algn="l" rtl="0" eaLnBrk="0" fontAlgn="base" hangingPunct="0">
+              <a:spcBef>
+                <a:spcPct val="20000"/>
+              </a:spcBef>
+              <a:spcAft>
+                <a:spcPct val="0"/>
+              </a:spcAft>
+              <a:buFont typeface="Arial" charset="0"/>
+              <a:buChar char="•"/>
+              <a:defRPr sz="1800" kern="1200">
+                <a:solidFill>
+                  <a:schemeClr val="tx1"/>
+                </a:solidFill>
+                <a:latin typeface="+mn-lt"/>
+                <a:ea typeface="+mn-ea"/>
+                <a:cs typeface="+mn-cs"/>
+              </a:defRPr>
+            </a:lvl3pPr>
+            <a:lvl4pPr marL="1800225" indent="-257175" algn="l" rtl="0" eaLnBrk="0" fontAlgn="base" hangingPunct="0">
+              <a:spcBef>
+                <a:spcPct val="20000"/>
+              </a:spcBef>
+              <a:spcAft>
+                <a:spcPct val="0"/>
+              </a:spcAft>
+              <a:buFont typeface="Arial" charset="0"/>
+              <a:buChar char="–"/>
+              <a:defRPr sz="1575" kern="1200">
+                <a:solidFill>
+                  <a:schemeClr val="tx1"/>
+                </a:solidFill>
+                <a:latin typeface="+mn-lt"/>
+                <a:ea typeface="+mn-ea"/>
+                <a:cs typeface="+mn-cs"/>
+              </a:defRPr>
+            </a:lvl4pPr>
+            <a:lvl5pPr marL="2314575" indent="-257175" algn="l" rtl="0" eaLnBrk="0" fontAlgn="base" hangingPunct="0">
+              <a:spcBef>
+                <a:spcPct val="20000"/>
+              </a:spcBef>
+              <a:spcAft>
+                <a:spcPct val="0"/>
+              </a:spcAft>
+              <a:buFont typeface="Arial" charset="0"/>
+              <a:buChar char="»"/>
+              <a:defRPr sz="1575" kern="1200">
+                <a:solidFill>
+                  <a:schemeClr val="tx1"/>
+                </a:solidFill>
+                <a:latin typeface="+mn-lt"/>
+                <a:ea typeface="+mn-ea"/>
+                <a:cs typeface="+mn-cs"/>
+              </a:defRPr>
+            </a:lvl5pPr>
+            <a:lvl6pPr marL="2828925" indent="-257175" algn="l" defTabSz="1028700" rtl="0" eaLnBrk="1" latinLnBrk="0" hangingPunct="1">
+              <a:spcBef>
+                <a:spcPct val="20000"/>
+              </a:spcBef>
+              <a:buFont typeface="Arial" panose="020B0604020202020204" pitchFamily="34" charset="0"/>
+              <a:buChar char="•"/>
+              <a:defRPr sz="2250" kern="1200">
+                <a:solidFill>
+                  <a:schemeClr val="tx1"/>
+                </a:solidFill>
+                <a:latin typeface="+mn-lt"/>
+                <a:ea typeface="+mn-ea"/>
+                <a:cs typeface="+mn-cs"/>
+              </a:defRPr>
+            </a:lvl6pPr>
+            <a:lvl7pPr marL="3343275" indent="-257175" algn="l" defTabSz="1028700" rtl="0" eaLnBrk="1" latinLnBrk="0" hangingPunct="1">
+              <a:spcBef>
+                <a:spcPct val="20000"/>
+              </a:spcBef>
+              <a:buFont typeface="Arial" panose="020B0604020202020204" pitchFamily="34" charset="0"/>
+              <a:buChar char="•"/>
+              <a:defRPr sz="2250" kern="1200">
+                <a:solidFill>
+                  <a:schemeClr val="tx1"/>
+                </a:solidFill>
+                <a:latin typeface="+mn-lt"/>
+                <a:ea typeface="+mn-ea"/>
+                <a:cs typeface="+mn-cs"/>
+              </a:defRPr>
+            </a:lvl7pPr>
+            <a:lvl8pPr marL="3857625" indent="-257175" algn="l" defTabSz="1028700" rtl="0" eaLnBrk="1" latinLnBrk="0" hangingPunct="1">
+              <a:spcBef>
+                <a:spcPct val="20000"/>
+              </a:spcBef>
+              <a:buFont typeface="Arial" panose="020B0604020202020204" pitchFamily="34" charset="0"/>
+              <a:buChar char="•"/>
+              <a:defRPr sz="2250" kern="1200">
+                <a:solidFill>
+                  <a:schemeClr val="tx1"/>
+                </a:solidFill>
+                <a:latin typeface="+mn-lt"/>
+                <a:ea typeface="+mn-ea"/>
+                <a:cs typeface="+mn-cs"/>
+              </a:defRPr>
+            </a:lvl8pPr>
+            <a:lvl9pPr marL="4371975" indent="-257175" algn="l" defTabSz="1028700" rtl="0" eaLnBrk="1" latinLnBrk="0" hangingPunct="1">
+              <a:spcBef>
+                <a:spcPct val="20000"/>
+              </a:spcBef>
+              <a:buFont typeface="Arial" panose="020B0604020202020204" pitchFamily="34" charset="0"/>
+              <a:buChar char="•"/>
+              <a:defRPr sz="2250" kern="1200">
+                <a:solidFill>
+                  <a:schemeClr val="tx1"/>
+                </a:solidFill>
+                <a:latin typeface="+mn-lt"/>
+                <a:ea typeface="+mn-ea"/>
+                <a:cs typeface="+mn-cs"/>
+              </a:defRPr>
+            </a:lvl9pPr>
+          </a:lstStyle>
+          <a:p>
+            <a:pPr marL="0" indent="0">
+              <a:lnSpc>
+                <a:spcPct val="100000"/>
+              </a:lnSpc>
+              <a:buNone/>
+            </a:pPr>
+            <a:r>
+              <a:rPr lang="en-US" sz="2000" dirty="0"/>
+              <a:t>Most of the time pods run one container, the </a:t>
+            </a:r>
+            <a:r>
+              <a:rPr lang="en-US" sz="2000" dirty="0" err="1"/>
+              <a:t>kubelet</a:t>
+            </a:r>
+            <a:r>
+              <a:rPr lang="en-US" sz="2000" dirty="0"/>
+              <a:t> manages the pod runtime</a:t>
+            </a:r>
+          </a:p>
+        </p:txBody>
+      </p:sp>
+      <p:sp>
+        <p:nvSpPr>
+          <p:cNvPr id="33" name="Rectangle 3" descr="Rectangle: Click to edit Master text styles&#10;Second level&#10;Third level&#10;Fourth level&#10;Fifth level">
+            <a:extLst>
+              <a:ext uri="{FF2B5EF4-FFF2-40B4-BE49-F238E27FC236}">
+                <a16:creationId xmlns:a16="http://schemas.microsoft.com/office/drawing/2014/main" id="{4B533AE7-8C1F-48AB-43EB-2D7C10277364}"/>
+              </a:ext>
+            </a:extLst>
+          </p:cNvPr>
+          <p:cNvSpPr txBox="1">
+            <a:spLocks noChangeArrowheads="1"/>
+          </p:cNvSpPr>
+          <p:nvPr/>
+        </p:nvSpPr>
+        <p:spPr bwMode="auto">
+          <a:xfrm>
+            <a:off x="3038011" y="1944315"/>
+            <a:ext cx="3092969" cy="542897"/>
+          </a:xfrm>
+          <a:prstGeom prst="rect">
+            <a:avLst/>
+          </a:prstGeom>
+          <a:noFill/>
+          <a:ln>
+            <a:noFill/>
+          </a:ln>
+          <a:extLst>
+            <a:ext uri="{909E8E84-426E-40dd-AFC4-6F175D3DCCD1}">
+              <a14:hiddenFill xmlns:a14="http://schemas.microsoft.com/office/drawing/2010/main" xmlns="">
+                <a:solidFill>
+                  <a:srgbClr val="FFFFFF"/>
+                </a:solidFill>
+              </a14:hiddenFill>
+            </a:ext>
+            <a:ext uri="{91240B29-F687-4f45-9708-019B960494DF}">
+              <a14:hiddenLine xmlns:a14="http://schemas.microsoft.com/office/drawing/2010/main" xmlns="" w="9525">
+                <a:solidFill>
+                  <a:srgbClr val="000000"/>
+                </a:solidFill>
+                <a:miter lim="800000"/>
+                <a:headEnd/>
+                <a:tailEnd/>
+              </a14:hiddenLine>
+            </a:ext>
+          </a:extLst>
+        </p:spPr>
+        <p:txBody>
+          <a:bodyPr vert="horz" wrap="square" lIns="91440" tIns="45720" rIns="91440" bIns="45720" numCol="1" anchor="t" anchorCtr="0" compatLnSpc="1">
+            <a:prstTxWarp prst="textNoShape">
+              <a:avLst/>
+            </a:prstTxWarp>
+          </a:bodyPr>
+          <a:lstStyle>
+            <a:lvl1pPr marL="385763" indent="-385763" algn="l" rtl="0" eaLnBrk="0" fontAlgn="base" hangingPunct="0">
+              <a:spcBef>
+                <a:spcPct val="20000"/>
+              </a:spcBef>
+              <a:spcAft>
+                <a:spcPct val="0"/>
+              </a:spcAft>
+              <a:buFont typeface="Arial" charset="0"/>
+              <a:buChar char="•"/>
+              <a:defRPr sz="2700" kern="1200">
+                <a:solidFill>
+                  <a:schemeClr val="tx1"/>
+                </a:solidFill>
+                <a:latin typeface="+mn-lt"/>
+                <a:ea typeface="+mn-ea"/>
+                <a:cs typeface="+mn-cs"/>
+              </a:defRPr>
+            </a:lvl1pPr>
+            <a:lvl2pPr marL="835819" indent="-321469" algn="l" rtl="0" eaLnBrk="0" fontAlgn="base" hangingPunct="0">
+              <a:spcBef>
+                <a:spcPct val="20000"/>
+              </a:spcBef>
+              <a:spcAft>
+                <a:spcPct val="0"/>
+              </a:spcAft>
+              <a:buFont typeface="Arial" charset="0"/>
+              <a:buChar char="–"/>
+              <a:defRPr sz="2250" kern="1200">
+                <a:solidFill>
+                  <a:schemeClr val="tx1"/>
+                </a:solidFill>
+                <a:latin typeface="+mn-lt"/>
+                <a:ea typeface="+mn-ea"/>
+                <a:cs typeface="+mn-cs"/>
+              </a:defRPr>
+            </a:lvl2pPr>
+            <a:lvl3pPr marL="1285875" indent="-257175" algn="l" rtl="0" eaLnBrk="0" fontAlgn="base" hangingPunct="0">
+              <a:spcBef>
+                <a:spcPct val="20000"/>
+              </a:spcBef>
+              <a:spcAft>
+                <a:spcPct val="0"/>
+              </a:spcAft>
+              <a:buFont typeface="Arial" charset="0"/>
+              <a:buChar char="•"/>
+              <a:defRPr sz="1800" kern="1200">
+                <a:solidFill>
+                  <a:schemeClr val="tx1"/>
+                </a:solidFill>
+                <a:latin typeface="+mn-lt"/>
+                <a:ea typeface="+mn-ea"/>
+                <a:cs typeface="+mn-cs"/>
+              </a:defRPr>
+            </a:lvl3pPr>
+            <a:lvl4pPr marL="1800225" indent="-257175" algn="l" rtl="0" eaLnBrk="0" fontAlgn="base" hangingPunct="0">
+              <a:spcBef>
+                <a:spcPct val="20000"/>
+              </a:spcBef>
+              <a:spcAft>
+                <a:spcPct val="0"/>
+              </a:spcAft>
+              <a:buFont typeface="Arial" charset="0"/>
+              <a:buChar char="–"/>
+              <a:defRPr sz="1575" kern="1200">
+                <a:solidFill>
+                  <a:schemeClr val="tx1"/>
+                </a:solidFill>
+                <a:latin typeface="+mn-lt"/>
+                <a:ea typeface="+mn-ea"/>
+                <a:cs typeface="+mn-cs"/>
+              </a:defRPr>
+            </a:lvl4pPr>
+            <a:lvl5pPr marL="2314575" indent="-257175" algn="l" rtl="0" eaLnBrk="0" fontAlgn="base" hangingPunct="0">
+              <a:spcBef>
+                <a:spcPct val="20000"/>
+              </a:spcBef>
+              <a:spcAft>
+                <a:spcPct val="0"/>
+              </a:spcAft>
+              <a:buFont typeface="Arial" charset="0"/>
+              <a:buChar char="»"/>
+              <a:defRPr sz="1575" kern="1200">
+                <a:solidFill>
+                  <a:schemeClr val="tx1"/>
+                </a:solidFill>
+                <a:latin typeface="+mn-lt"/>
+                <a:ea typeface="+mn-ea"/>
+                <a:cs typeface="+mn-cs"/>
+              </a:defRPr>
+            </a:lvl5pPr>
+            <a:lvl6pPr marL="2828925" indent="-257175" algn="l" defTabSz="1028700" rtl="0" eaLnBrk="1" latinLnBrk="0" hangingPunct="1">
+              <a:spcBef>
+                <a:spcPct val="20000"/>
+              </a:spcBef>
+              <a:buFont typeface="Arial" panose="020B0604020202020204" pitchFamily="34" charset="0"/>
+              <a:buChar char="•"/>
+              <a:defRPr sz="2250" kern="1200">
+                <a:solidFill>
+                  <a:schemeClr val="tx1"/>
+                </a:solidFill>
+                <a:latin typeface="+mn-lt"/>
+                <a:ea typeface="+mn-ea"/>
+                <a:cs typeface="+mn-cs"/>
+              </a:defRPr>
+            </a:lvl6pPr>
+            <a:lvl7pPr marL="3343275" indent="-257175" algn="l" defTabSz="1028700" rtl="0" eaLnBrk="1" latinLnBrk="0" hangingPunct="1">
+              <a:spcBef>
+                <a:spcPct val="20000"/>
+              </a:spcBef>
+              <a:buFont typeface="Arial" panose="020B0604020202020204" pitchFamily="34" charset="0"/>
+              <a:buChar char="•"/>
+              <a:defRPr sz="2250" kern="1200">
+                <a:solidFill>
+                  <a:schemeClr val="tx1"/>
+                </a:solidFill>
+                <a:latin typeface="+mn-lt"/>
+                <a:ea typeface="+mn-ea"/>
+                <a:cs typeface="+mn-cs"/>
+              </a:defRPr>
+            </a:lvl7pPr>
+            <a:lvl8pPr marL="3857625" indent="-257175" algn="l" defTabSz="1028700" rtl="0" eaLnBrk="1" latinLnBrk="0" hangingPunct="1">
+              <a:spcBef>
+                <a:spcPct val="20000"/>
+              </a:spcBef>
+              <a:buFont typeface="Arial" panose="020B0604020202020204" pitchFamily="34" charset="0"/>
+              <a:buChar char="•"/>
+              <a:defRPr sz="2250" kern="1200">
+                <a:solidFill>
+                  <a:schemeClr val="tx1"/>
+                </a:solidFill>
+                <a:latin typeface="+mn-lt"/>
+                <a:ea typeface="+mn-ea"/>
+                <a:cs typeface="+mn-cs"/>
+              </a:defRPr>
+            </a:lvl8pPr>
+            <a:lvl9pPr marL="4371975" indent="-257175" algn="l" defTabSz="1028700" rtl="0" eaLnBrk="1" latinLnBrk="0" hangingPunct="1">
+              <a:spcBef>
+                <a:spcPct val="20000"/>
+              </a:spcBef>
+              <a:buFont typeface="Arial" panose="020B0604020202020204" pitchFamily="34" charset="0"/>
+              <a:buChar char="•"/>
+              <a:defRPr sz="2250" kern="1200">
+                <a:solidFill>
+                  <a:schemeClr val="tx1"/>
+                </a:solidFill>
+                <a:latin typeface="+mn-lt"/>
+                <a:ea typeface="+mn-ea"/>
+                <a:cs typeface="+mn-cs"/>
+              </a:defRPr>
+            </a:lvl9pPr>
+          </a:lstStyle>
+          <a:p>
+            <a:pPr marL="0" indent="0" algn="ctr">
+              <a:lnSpc>
+                <a:spcPct val="100000"/>
+              </a:lnSpc>
+              <a:buNone/>
+            </a:pPr>
+            <a:r>
+              <a:rPr lang="en-US" sz="2000" dirty="0"/>
+              <a:t>Namespaces are used to govern what is shared between containers in the</a:t>
+            </a:r>
+            <a:br>
+              <a:rPr lang="en-US" sz="2000" dirty="0"/>
+            </a:br>
+            <a:r>
+              <a:rPr lang="en-US" sz="2000" dirty="0"/>
+              <a:t>“pod” such as IPC, and things across the Kubernetes cluster such as </a:t>
+            </a:r>
+            <a:br>
+              <a:rPr lang="en-US" sz="2000" dirty="0"/>
+            </a:br>
+            <a:r>
+              <a:rPr lang="en-US" sz="2000" dirty="0"/>
+              <a:t>network</a:t>
+            </a:r>
+          </a:p>
+        </p:txBody>
+      </p:sp>
+      <p:sp>
+        <p:nvSpPr>
+          <p:cNvPr id="34" name="Rectangle 33">
+            <a:extLst>
+              <a:ext uri="{FF2B5EF4-FFF2-40B4-BE49-F238E27FC236}">
+                <a16:creationId xmlns:a16="http://schemas.microsoft.com/office/drawing/2014/main" id="{93679FD6-6754-33F5-BC3B-E87D7C2DBA73}"/>
+              </a:ext>
+            </a:extLst>
+          </p:cNvPr>
+          <p:cNvSpPr/>
+          <p:nvPr/>
+        </p:nvSpPr>
+        <p:spPr bwMode="auto">
+          <a:xfrm>
+            <a:off x="6690611" y="2044995"/>
+            <a:ext cx="2788171" cy="3082790"/>
+          </a:xfrm>
+          <a:prstGeom prst="rect">
+            <a:avLst/>
+          </a:prstGeom>
+          <a:solidFill>
+            <a:schemeClr val="accent6">
+              <a:lumMod val="40000"/>
+              <a:lumOff val="60000"/>
+            </a:schemeClr>
+          </a:solidFill>
+          <a:ln w="9525" cap="flat" cmpd="sng" algn="ctr">
+            <a:solidFill>
+              <a:schemeClr val="tx1"/>
+            </a:solidFill>
+            <a:prstDash val="solid"/>
+            <a:round/>
+            <a:headEnd type="none" w="med" len="med"/>
+            <a:tailEnd type="none" w="med" len="med"/>
+          </a:ln>
+          <a:effectLst/>
+          <a:extLst>
+            <a:ext uri="{AF507438-7753-43e0-B8FC-AC1667EBCBE1}">
+              <a14:hiddenEffects xmlns:a14="http://schemas.microsoft.com/office/drawing/2010/main" xmlns="">
+                <a:effectLst>
+                  <a:outerShdw blurRad="63500" dist="38099" dir="2700000" algn="ctr" rotWithShape="0">
+                    <a:schemeClr val="bg2">
+                      <a:alpha val="74998"/>
+                    </a:schemeClr>
+                  </a:outerShdw>
+                </a:effectLst>
+              </a14:hiddenEffects>
+            </a:ext>
+          </a:extLst>
+        </p:spPr>
+        <p:txBody>
+          <a:bodyPr vert="horz" wrap="none" lIns="91440" tIns="45720" rIns="91440" bIns="45720" numCol="1" rtlCol="0" anchor="t" anchorCtr="0" compatLnSpc="1">
+            <a:prstTxWarp prst="textNoShape">
+              <a:avLst/>
+            </a:prstTxWarp>
+          </a:bodyPr>
+          <a:lstStyle/>
+          <a:p>
+            <a:pPr marL="0" marR="0" indent="0" algn="ctr" defTabSz="914400" rtl="0" eaLnBrk="1" fontAlgn="base" latinLnBrk="0" hangingPunct="1">
+              <a:lnSpc>
+                <a:spcPct val="100000"/>
+              </a:lnSpc>
+              <a:spcBef>
+                <a:spcPct val="0"/>
+              </a:spcBef>
+              <a:spcAft>
+                <a:spcPct val="0"/>
+              </a:spcAft>
+              <a:buClrTx/>
+              <a:buSzTx/>
+              <a:buFontTx/>
+              <a:buNone/>
+              <a:tabLst/>
+            </a:pPr>
+            <a:r>
+              <a:rPr lang="en-US" dirty="0">
+                <a:latin typeface="+mn-lt"/>
+                <a:ea typeface="ＭＳ Ｐゴシック" charset="0"/>
+              </a:rPr>
+              <a:t>Kubernetes Pod</a:t>
+            </a:r>
+          </a:p>
+          <a:p>
+            <a:pPr marL="0" marR="0" indent="0" algn="ctr" defTabSz="914400" rtl="0" eaLnBrk="1" fontAlgn="base" latinLnBrk="0" hangingPunct="1">
+              <a:lnSpc>
+                <a:spcPct val="100000"/>
+              </a:lnSpc>
+              <a:spcBef>
+                <a:spcPct val="0"/>
+              </a:spcBef>
+              <a:spcAft>
+                <a:spcPct val="0"/>
+              </a:spcAft>
+              <a:buClrTx/>
+              <a:buSzTx/>
+              <a:buFontTx/>
+              <a:buNone/>
+              <a:tabLst/>
+            </a:pPr>
+            <a:r>
+              <a:rPr kumimoji="0" lang="en-US" b="0" i="0" u="none" strike="noStrike" cap="none" normalizeH="0" baseline="0" dirty="0">
+                <a:ln>
+                  <a:noFill/>
+                </a:ln>
+                <a:solidFill>
+                  <a:schemeClr val="tx1"/>
+                </a:solidFill>
+                <a:effectLst/>
+                <a:latin typeface="+mn-lt"/>
+                <a:ea typeface="ＭＳ Ｐゴシック" charset="0"/>
+              </a:rPr>
+              <a:t>Ip:  </a:t>
+            </a:r>
+            <a:r>
+              <a:rPr lang="en-US" b="0" dirty="0" err="1">
+                <a:latin typeface="+mn-lt"/>
+                <a:ea typeface="ＭＳ Ｐゴシック" charset="0"/>
+              </a:rPr>
+              <a:t>w.x.y.z</a:t>
+            </a:r>
+            <a:endParaRPr kumimoji="0" lang="en-US" b="0" i="0" u="none" strike="noStrike" cap="none" normalizeH="0" baseline="0" dirty="0">
+              <a:ln>
+                <a:noFill/>
+              </a:ln>
+              <a:solidFill>
+                <a:schemeClr val="tx1"/>
+              </a:solidFill>
+              <a:effectLst/>
+              <a:latin typeface="+mn-lt"/>
+              <a:ea typeface="ＭＳ Ｐゴシック" charset="0"/>
+            </a:endParaRPr>
+          </a:p>
+        </p:txBody>
+      </p:sp>
+      <p:sp>
+        <p:nvSpPr>
+          <p:cNvPr id="35" name="Rectangle 34">
+            <a:extLst>
+              <a:ext uri="{FF2B5EF4-FFF2-40B4-BE49-F238E27FC236}">
+                <a16:creationId xmlns:a16="http://schemas.microsoft.com/office/drawing/2014/main" id="{837D6A84-2EF3-0264-EFFB-9144470D40AB}"/>
+              </a:ext>
+            </a:extLst>
+          </p:cNvPr>
+          <p:cNvSpPr/>
+          <p:nvPr/>
+        </p:nvSpPr>
+        <p:spPr bwMode="auto">
+          <a:xfrm>
+            <a:off x="6904143" y="2806620"/>
+            <a:ext cx="2474704" cy="507355"/>
+          </a:xfrm>
+          <a:prstGeom prst="rect">
+            <a:avLst/>
+          </a:prstGeom>
+          <a:solidFill>
+            <a:srgbClr val="9DC3E7"/>
+          </a:solidFill>
+          <a:ln w="9525" cap="flat" cmpd="sng" algn="ctr">
+            <a:solidFill>
+              <a:schemeClr val="tx1"/>
+            </a:solidFill>
+            <a:prstDash val="solid"/>
+            <a:round/>
+            <a:headEnd type="none" w="med" len="med"/>
+            <a:tailEnd type="none" w="med" len="med"/>
+          </a:ln>
+          <a:effectLst/>
+          <a:extLst>
+            <a:ext uri="{AF507438-7753-43e0-B8FC-AC1667EBCBE1}">
+              <a14:hiddenEffects xmlns:a14="http://schemas.microsoft.com/office/drawing/2010/main" xmlns="">
+                <a:effectLst>
+                  <a:outerShdw blurRad="63500" dist="38099" dir="2700000" algn="ctr" rotWithShape="0">
+                    <a:schemeClr val="bg2">
+                      <a:alpha val="74998"/>
+                    </a:schemeClr>
+                  </a:outerShdw>
+                </a:effectLst>
+              </a14:hiddenEffects>
+            </a:ext>
+          </a:extLst>
+        </p:spPr>
+        <p:txBody>
+          <a:bodyPr vert="horz" wrap="none" lIns="91440" tIns="45720" rIns="91440" bIns="45720" numCol="1" rtlCol="0" anchor="ctr" anchorCtr="0" compatLnSpc="1">
+            <a:prstTxWarp prst="textNoShape">
+              <a:avLst/>
+            </a:prstTxWarp>
+          </a:bodyPr>
+          <a:lstStyle/>
+          <a:p>
+            <a:pPr marL="0" marR="0" indent="0" algn="ctr" defTabSz="914400" rtl="0" eaLnBrk="1" fontAlgn="base" latinLnBrk="0" hangingPunct="1">
+              <a:lnSpc>
+                <a:spcPct val="100000"/>
+              </a:lnSpc>
+              <a:spcBef>
+                <a:spcPct val="0"/>
+              </a:spcBef>
+              <a:spcAft>
+                <a:spcPct val="0"/>
+              </a:spcAft>
+              <a:buClrTx/>
+              <a:buSzTx/>
+              <a:buFontTx/>
+              <a:buNone/>
+              <a:tabLst/>
+            </a:pPr>
+            <a:r>
+              <a:rPr lang="en-US" dirty="0" err="1">
+                <a:latin typeface="+mn-lt"/>
+                <a:ea typeface="ＭＳ Ｐゴシック" charset="0"/>
+              </a:rPr>
+              <a:t>Kublet</a:t>
+            </a:r>
+            <a:r>
+              <a:rPr lang="en-US" dirty="0">
+                <a:latin typeface="+mn-lt"/>
+                <a:ea typeface="ＭＳ Ｐゴシック" charset="0"/>
+              </a:rPr>
+              <a:t> Runtime</a:t>
+            </a:r>
+            <a:endParaRPr kumimoji="0" lang="en-US" b="0" i="0" u="none" strike="noStrike" cap="none" normalizeH="0" baseline="0" dirty="0">
+              <a:ln>
+                <a:noFill/>
+              </a:ln>
+              <a:solidFill>
+                <a:schemeClr val="tx1"/>
+              </a:solidFill>
+              <a:effectLst/>
+              <a:latin typeface="+mn-lt"/>
+              <a:ea typeface="ＭＳ Ｐゴシック" charset="0"/>
+            </a:endParaRPr>
+          </a:p>
+        </p:txBody>
+      </p:sp>
+      <p:sp>
+        <p:nvSpPr>
+          <p:cNvPr id="36" name="Rectangle 35">
+            <a:extLst>
+              <a:ext uri="{FF2B5EF4-FFF2-40B4-BE49-F238E27FC236}">
+                <a16:creationId xmlns:a16="http://schemas.microsoft.com/office/drawing/2014/main" id="{F46183B3-A880-2A14-C10C-929358079822}"/>
+              </a:ext>
+            </a:extLst>
+          </p:cNvPr>
+          <p:cNvSpPr/>
+          <p:nvPr/>
+        </p:nvSpPr>
+        <p:spPr bwMode="auto">
+          <a:xfrm>
+            <a:off x="6995747" y="3604161"/>
+            <a:ext cx="1576961" cy="679589"/>
+          </a:xfrm>
+          <a:prstGeom prst="rect">
+            <a:avLst/>
+          </a:prstGeom>
+          <a:solidFill>
+            <a:srgbClr val="9DC3E7"/>
+          </a:solidFill>
+          <a:ln w="9525" cap="flat" cmpd="sng" algn="ctr">
+            <a:solidFill>
+              <a:schemeClr val="tx1"/>
+            </a:solidFill>
+            <a:prstDash val="solid"/>
+            <a:round/>
+            <a:headEnd type="none" w="med" len="med"/>
+            <a:tailEnd type="none" w="med" len="med"/>
+          </a:ln>
+          <a:effectLst/>
+          <a:extLst>
+            <a:ext uri="{AF507438-7753-43e0-B8FC-AC1667EBCBE1}">
+              <a14:hiddenEffects xmlns:a14="http://schemas.microsoft.com/office/drawing/2010/main" xmlns="">
+                <a:effectLst>
+                  <a:outerShdw blurRad="63500" dist="38099" dir="2700000" algn="ctr" rotWithShape="0">
+                    <a:schemeClr val="bg2">
+                      <a:alpha val="74998"/>
+                    </a:schemeClr>
+                  </a:outerShdw>
+                </a:effectLst>
+              </a14:hiddenEffects>
+            </a:ext>
+          </a:extLst>
+        </p:spPr>
+        <p:txBody>
+          <a:bodyPr vert="horz" wrap="none" lIns="91440" tIns="45720" rIns="91440" bIns="45720" numCol="1" rtlCol="0" anchor="ctr" anchorCtr="0" compatLnSpc="1">
+            <a:prstTxWarp prst="textNoShape">
+              <a:avLst/>
+            </a:prstTxWarp>
+          </a:bodyPr>
+          <a:lstStyle/>
+          <a:p>
+            <a:pPr marL="0" marR="0" indent="0" algn="ctr" defTabSz="914400" rtl="0" eaLnBrk="1" fontAlgn="base" latinLnBrk="0" hangingPunct="1">
+              <a:lnSpc>
+                <a:spcPct val="100000"/>
+              </a:lnSpc>
+              <a:spcBef>
+                <a:spcPct val="0"/>
+              </a:spcBef>
+              <a:spcAft>
+                <a:spcPct val="0"/>
+              </a:spcAft>
+              <a:buClrTx/>
+              <a:buSzTx/>
+              <a:buFontTx/>
+              <a:buNone/>
+              <a:tabLst/>
+            </a:pPr>
+            <a:r>
+              <a:rPr kumimoji="0" lang="en-US" b="0" i="0" u="none" strike="noStrike" cap="none" normalizeH="0" baseline="0" dirty="0">
+                <a:ln>
+                  <a:noFill/>
+                </a:ln>
+                <a:solidFill>
+                  <a:schemeClr val="tx1"/>
+                </a:solidFill>
+                <a:effectLst/>
+                <a:latin typeface="+mn-lt"/>
+                <a:ea typeface="ＭＳ Ｐゴシック" charset="0"/>
+              </a:rPr>
+              <a:t>Container</a:t>
+            </a:r>
+          </a:p>
+        </p:txBody>
+      </p:sp>
+      <p:sp>
+        <p:nvSpPr>
+          <p:cNvPr id="37" name="Rectangle 36">
+            <a:extLst>
+              <a:ext uri="{FF2B5EF4-FFF2-40B4-BE49-F238E27FC236}">
+                <a16:creationId xmlns:a16="http://schemas.microsoft.com/office/drawing/2014/main" id="{F934F1D8-B0F0-5EFB-8C6D-D2D8C124012B}"/>
+              </a:ext>
+            </a:extLst>
+          </p:cNvPr>
+          <p:cNvSpPr/>
+          <p:nvPr/>
+        </p:nvSpPr>
+        <p:spPr bwMode="auto">
+          <a:xfrm>
+            <a:off x="7148147" y="3756561"/>
+            <a:ext cx="1576961" cy="679589"/>
+          </a:xfrm>
+          <a:prstGeom prst="rect">
+            <a:avLst/>
+          </a:prstGeom>
+          <a:solidFill>
+            <a:srgbClr val="9DC3E7"/>
+          </a:solidFill>
+          <a:ln w="9525" cap="flat" cmpd="sng" algn="ctr">
+            <a:solidFill>
+              <a:schemeClr val="tx1"/>
+            </a:solidFill>
+            <a:prstDash val="solid"/>
+            <a:round/>
+            <a:headEnd type="none" w="med" len="med"/>
+            <a:tailEnd type="none" w="med" len="med"/>
+          </a:ln>
+          <a:effectLst/>
+          <a:extLst>
+            <a:ext uri="{AF507438-7753-43e0-B8FC-AC1667EBCBE1}">
+              <a14:hiddenEffects xmlns:a14="http://schemas.microsoft.com/office/drawing/2010/main" xmlns="">
+                <a:effectLst>
+                  <a:outerShdw blurRad="63500" dist="38099" dir="2700000" algn="ctr" rotWithShape="0">
+                    <a:schemeClr val="bg2">
+                      <a:alpha val="74998"/>
+                    </a:schemeClr>
+                  </a:outerShdw>
+                </a:effectLst>
+              </a14:hiddenEffects>
+            </a:ext>
+          </a:extLst>
+        </p:spPr>
+        <p:txBody>
+          <a:bodyPr vert="horz" wrap="none" lIns="91440" tIns="45720" rIns="91440" bIns="45720" numCol="1" rtlCol="0" anchor="ctr" anchorCtr="0" compatLnSpc="1">
+            <a:prstTxWarp prst="textNoShape">
+              <a:avLst/>
+            </a:prstTxWarp>
+          </a:bodyPr>
+          <a:lstStyle/>
+          <a:p>
+            <a:pPr marL="0" marR="0" indent="0" algn="ctr" defTabSz="914400" rtl="0" eaLnBrk="1" fontAlgn="base" latinLnBrk="0" hangingPunct="1">
+              <a:lnSpc>
+                <a:spcPct val="100000"/>
+              </a:lnSpc>
+              <a:spcBef>
+                <a:spcPct val="0"/>
+              </a:spcBef>
+              <a:spcAft>
+                <a:spcPct val="0"/>
+              </a:spcAft>
+              <a:buClrTx/>
+              <a:buSzTx/>
+              <a:buFontTx/>
+              <a:buNone/>
+              <a:tabLst/>
+            </a:pPr>
+            <a:r>
+              <a:rPr kumimoji="0" lang="en-US" b="0" i="0" u="none" strike="noStrike" cap="none" normalizeH="0" baseline="0" dirty="0">
+                <a:ln>
+                  <a:noFill/>
+                </a:ln>
+                <a:solidFill>
+                  <a:schemeClr val="tx1"/>
+                </a:solidFill>
+                <a:effectLst/>
+                <a:latin typeface="+mn-lt"/>
+                <a:ea typeface="ＭＳ Ｐゴシック" charset="0"/>
+              </a:rPr>
+              <a:t>Container</a:t>
+            </a:r>
+          </a:p>
+        </p:txBody>
+      </p:sp>
+      <p:sp>
+        <p:nvSpPr>
+          <p:cNvPr id="38" name="Rectangle 37">
+            <a:extLst>
+              <a:ext uri="{FF2B5EF4-FFF2-40B4-BE49-F238E27FC236}">
+                <a16:creationId xmlns:a16="http://schemas.microsoft.com/office/drawing/2014/main" id="{B4F5933C-352C-75A0-BDAB-303E6641E4EA}"/>
+              </a:ext>
+            </a:extLst>
+          </p:cNvPr>
+          <p:cNvSpPr/>
+          <p:nvPr/>
+        </p:nvSpPr>
+        <p:spPr bwMode="auto">
+          <a:xfrm>
+            <a:off x="7300547" y="3908961"/>
+            <a:ext cx="1576961" cy="679589"/>
+          </a:xfrm>
+          <a:prstGeom prst="rect">
+            <a:avLst/>
+          </a:prstGeom>
+          <a:solidFill>
+            <a:srgbClr val="9DC3E7"/>
+          </a:solidFill>
+          <a:ln w="9525" cap="flat" cmpd="sng" algn="ctr">
+            <a:solidFill>
+              <a:schemeClr val="tx1"/>
+            </a:solidFill>
+            <a:prstDash val="solid"/>
+            <a:round/>
+            <a:headEnd type="none" w="med" len="med"/>
+            <a:tailEnd type="none" w="med" len="med"/>
+          </a:ln>
+          <a:effectLst/>
+          <a:extLst>
+            <a:ext uri="{AF507438-7753-43e0-B8FC-AC1667EBCBE1}">
+              <a14:hiddenEffects xmlns:a14="http://schemas.microsoft.com/office/drawing/2010/main" xmlns="">
+                <a:effectLst>
+                  <a:outerShdw blurRad="63500" dist="38099" dir="2700000" algn="ctr" rotWithShape="0">
+                    <a:schemeClr val="bg2">
+                      <a:alpha val="74998"/>
+                    </a:schemeClr>
+                  </a:outerShdw>
+                </a:effectLst>
+              </a14:hiddenEffects>
+            </a:ext>
+          </a:extLst>
+        </p:spPr>
+        <p:txBody>
+          <a:bodyPr vert="horz" wrap="none" lIns="91440" tIns="45720" rIns="91440" bIns="45720" numCol="1" rtlCol="0" anchor="ctr" anchorCtr="0" compatLnSpc="1">
+            <a:prstTxWarp prst="textNoShape">
+              <a:avLst/>
+            </a:prstTxWarp>
+          </a:bodyPr>
+          <a:lstStyle/>
+          <a:p>
+            <a:pPr marL="0" marR="0" indent="0" algn="ctr" defTabSz="914400" rtl="0" eaLnBrk="1" fontAlgn="base" latinLnBrk="0" hangingPunct="1">
+              <a:lnSpc>
+                <a:spcPct val="100000"/>
+              </a:lnSpc>
+              <a:spcBef>
+                <a:spcPct val="0"/>
+              </a:spcBef>
+              <a:spcAft>
+                <a:spcPct val="0"/>
+              </a:spcAft>
+              <a:buClrTx/>
+              <a:buSzTx/>
+              <a:buFontTx/>
+              <a:buNone/>
+              <a:tabLst/>
+            </a:pPr>
+            <a:r>
+              <a:rPr kumimoji="0" lang="en-US" b="0" i="0" u="none" strike="noStrike" cap="none" normalizeH="0" baseline="0" dirty="0">
+                <a:ln>
+                  <a:noFill/>
+                </a:ln>
+                <a:solidFill>
+                  <a:schemeClr val="tx1"/>
+                </a:solidFill>
+                <a:effectLst/>
+                <a:latin typeface="+mn-lt"/>
+                <a:ea typeface="ＭＳ Ｐゴシック" charset="0"/>
+              </a:rPr>
+              <a:t>Container</a:t>
+            </a:r>
+          </a:p>
+        </p:txBody>
+      </p:sp>
+      <p:sp>
+        <p:nvSpPr>
+          <p:cNvPr id="39" name="Rectangle 38">
+            <a:extLst>
+              <a:ext uri="{FF2B5EF4-FFF2-40B4-BE49-F238E27FC236}">
+                <a16:creationId xmlns:a16="http://schemas.microsoft.com/office/drawing/2014/main" id="{F575A617-C003-ACDD-FA1C-7AAC1AD71986}"/>
+              </a:ext>
+            </a:extLst>
+          </p:cNvPr>
+          <p:cNvSpPr/>
+          <p:nvPr/>
+        </p:nvSpPr>
+        <p:spPr bwMode="auto">
+          <a:xfrm>
+            <a:off x="7452947" y="4061361"/>
+            <a:ext cx="1576961" cy="679589"/>
+          </a:xfrm>
+          <a:prstGeom prst="rect">
+            <a:avLst/>
+          </a:prstGeom>
+          <a:solidFill>
+            <a:srgbClr val="9DC3E7"/>
+          </a:solidFill>
+          <a:ln w="9525" cap="flat" cmpd="sng" algn="ctr">
+            <a:solidFill>
+              <a:schemeClr val="tx1"/>
+            </a:solidFill>
+            <a:prstDash val="solid"/>
+            <a:round/>
+            <a:headEnd type="none" w="med" len="med"/>
+            <a:tailEnd type="none" w="med" len="med"/>
+          </a:ln>
+          <a:effectLst/>
+          <a:extLst>
+            <a:ext uri="{AF507438-7753-43e0-B8FC-AC1667EBCBE1}">
+              <a14:hiddenEffects xmlns:a14="http://schemas.microsoft.com/office/drawing/2010/main" xmlns="">
+                <a:effectLst>
+                  <a:outerShdw blurRad="63500" dist="38099" dir="2700000" algn="ctr" rotWithShape="0">
+                    <a:schemeClr val="bg2">
+                      <a:alpha val="74998"/>
+                    </a:schemeClr>
+                  </a:outerShdw>
+                </a:effectLst>
+              </a14:hiddenEffects>
+            </a:ext>
+          </a:extLst>
+        </p:spPr>
+        <p:txBody>
+          <a:bodyPr vert="horz" wrap="none" lIns="91440" tIns="45720" rIns="91440" bIns="45720" numCol="1" rtlCol="0" anchor="ctr" anchorCtr="0" compatLnSpc="1">
+            <a:prstTxWarp prst="textNoShape">
+              <a:avLst/>
+            </a:prstTxWarp>
+          </a:bodyPr>
+          <a:lstStyle/>
+          <a:p>
+            <a:pPr marL="0" marR="0" indent="0" algn="ctr" defTabSz="914400" rtl="0" eaLnBrk="1" fontAlgn="base" latinLnBrk="0" hangingPunct="1">
+              <a:lnSpc>
+                <a:spcPct val="100000"/>
+              </a:lnSpc>
+              <a:spcBef>
+                <a:spcPct val="0"/>
+              </a:spcBef>
+              <a:spcAft>
+                <a:spcPct val="0"/>
+              </a:spcAft>
+              <a:buClrTx/>
+              <a:buSzTx/>
+              <a:buFontTx/>
+              <a:buNone/>
+              <a:tabLst/>
+            </a:pPr>
+            <a:r>
+              <a:rPr kumimoji="0" lang="en-US" b="0" i="0" u="none" strike="noStrike" cap="none" normalizeH="0" baseline="0" dirty="0">
+                <a:ln>
+                  <a:noFill/>
+                </a:ln>
+                <a:solidFill>
+                  <a:schemeClr val="tx1"/>
+                </a:solidFill>
+                <a:effectLst/>
+                <a:latin typeface="+mn-lt"/>
+                <a:ea typeface="ＭＳ Ｐゴシック" charset="0"/>
+              </a:rPr>
+              <a:t>Container</a:t>
+            </a:r>
+          </a:p>
+        </p:txBody>
+      </p:sp>
+      <p:sp>
+        <p:nvSpPr>
+          <p:cNvPr id="40" name="Rectangle 39">
+            <a:extLst>
+              <a:ext uri="{FF2B5EF4-FFF2-40B4-BE49-F238E27FC236}">
+                <a16:creationId xmlns:a16="http://schemas.microsoft.com/office/drawing/2014/main" id="{64D2C200-A4C1-8637-4079-1979AAB4A680}"/>
+              </a:ext>
+            </a:extLst>
+          </p:cNvPr>
+          <p:cNvSpPr/>
+          <p:nvPr/>
+        </p:nvSpPr>
+        <p:spPr bwMode="auto">
+          <a:xfrm>
+            <a:off x="7605347" y="4213761"/>
+            <a:ext cx="1576961" cy="679589"/>
+          </a:xfrm>
+          <a:prstGeom prst="rect">
+            <a:avLst/>
+          </a:prstGeom>
+          <a:solidFill>
+            <a:srgbClr val="9DC3E7"/>
+          </a:solidFill>
+          <a:ln w="9525" cap="flat" cmpd="sng" algn="ctr">
+            <a:solidFill>
+              <a:schemeClr val="tx1"/>
+            </a:solidFill>
+            <a:prstDash val="solid"/>
+            <a:round/>
+            <a:headEnd type="none" w="med" len="med"/>
+            <a:tailEnd type="none" w="med" len="med"/>
+          </a:ln>
+          <a:effectLst/>
+          <a:extLst>
+            <a:ext uri="{AF507438-7753-43e0-B8FC-AC1667EBCBE1}">
+              <a14:hiddenEffects xmlns:a14="http://schemas.microsoft.com/office/drawing/2010/main" xmlns="">
+                <a:effectLst>
+                  <a:outerShdw blurRad="63500" dist="38099" dir="2700000" algn="ctr" rotWithShape="0">
+                    <a:schemeClr val="bg2">
+                      <a:alpha val="74998"/>
+                    </a:schemeClr>
+                  </a:outerShdw>
+                </a:effectLst>
+              </a14:hiddenEffects>
+            </a:ext>
+          </a:extLst>
+        </p:spPr>
+        <p:txBody>
+          <a:bodyPr vert="horz" wrap="none" lIns="91440" tIns="45720" rIns="91440" bIns="45720" numCol="1" rtlCol="0" anchor="ctr" anchorCtr="0" compatLnSpc="1">
+            <a:prstTxWarp prst="textNoShape">
+              <a:avLst/>
+            </a:prstTxWarp>
+          </a:bodyPr>
+          <a:lstStyle/>
+          <a:p>
+            <a:pPr marL="0" marR="0" indent="0" algn="ctr" defTabSz="914400" rtl="0" eaLnBrk="1" fontAlgn="base" latinLnBrk="0" hangingPunct="1">
+              <a:lnSpc>
+                <a:spcPct val="100000"/>
+              </a:lnSpc>
+              <a:spcBef>
+                <a:spcPct val="0"/>
+              </a:spcBef>
+              <a:spcAft>
+                <a:spcPct val="0"/>
+              </a:spcAft>
+              <a:buClrTx/>
+              <a:buSzTx/>
+              <a:buFontTx/>
+              <a:buNone/>
+              <a:tabLst/>
+            </a:pPr>
+            <a:r>
+              <a:rPr kumimoji="0" lang="en-US" b="0" i="0" u="none" strike="noStrike" cap="none" normalizeH="0" baseline="0" dirty="0">
+                <a:ln>
+                  <a:noFill/>
+                </a:ln>
+                <a:solidFill>
+                  <a:schemeClr val="tx1"/>
+                </a:solidFill>
+                <a:effectLst/>
+                <a:latin typeface="+mn-lt"/>
+                <a:ea typeface="ＭＳ Ｐゴシック" charset="0"/>
+              </a:rPr>
+              <a:t>Container</a:t>
+            </a:r>
+            <a:br>
+              <a:rPr kumimoji="0" lang="en-US" b="0" i="0" u="none" strike="noStrike" cap="none" normalizeH="0" baseline="0" dirty="0">
+                <a:ln>
+                  <a:noFill/>
+                </a:ln>
+                <a:solidFill>
+                  <a:schemeClr val="tx1"/>
+                </a:solidFill>
+                <a:effectLst/>
+                <a:latin typeface="+mn-lt"/>
+                <a:ea typeface="ＭＳ Ｐゴシック" charset="0"/>
+              </a:rPr>
+            </a:br>
+            <a:r>
+              <a:rPr kumimoji="0" lang="en-US" b="0" i="0" u="none" strike="noStrike" cap="none" normalizeH="0" baseline="0" dirty="0">
+                <a:ln>
+                  <a:noFill/>
+                </a:ln>
+                <a:solidFill>
+                  <a:schemeClr val="tx1"/>
+                </a:solidFill>
+                <a:effectLst/>
+                <a:latin typeface="+mn-lt"/>
+                <a:ea typeface="ＭＳ Ｐゴシック" charset="0"/>
+              </a:rPr>
+              <a:t>port: xx</a:t>
+            </a:r>
+          </a:p>
+        </p:txBody>
+      </p:sp>
+      <p:sp>
+        <p:nvSpPr>
+          <p:cNvPr id="41" name="Rectangle 3" descr="Rectangle: Click to edit Master text styles&#10;Second level&#10;Third level&#10;Fourth level&#10;Fifth level">
+            <a:extLst>
+              <a:ext uri="{FF2B5EF4-FFF2-40B4-BE49-F238E27FC236}">
+                <a16:creationId xmlns:a16="http://schemas.microsoft.com/office/drawing/2014/main" id="{EFFCD606-CE39-015D-22E7-0381C1958572}"/>
+              </a:ext>
+            </a:extLst>
+          </p:cNvPr>
+          <p:cNvSpPr txBox="1">
+            <a:spLocks noChangeArrowheads="1"/>
+          </p:cNvSpPr>
+          <p:nvPr/>
+        </p:nvSpPr>
+        <p:spPr bwMode="auto">
+          <a:xfrm>
+            <a:off x="9511252" y="2073820"/>
+            <a:ext cx="2490869" cy="542897"/>
+          </a:xfrm>
+          <a:prstGeom prst="rect">
+            <a:avLst/>
+          </a:prstGeom>
+          <a:noFill/>
+          <a:ln>
+            <a:noFill/>
+          </a:ln>
+          <a:extLst>
+            <a:ext uri="{909E8E84-426E-40dd-AFC4-6F175D3DCCD1}">
+              <a14:hiddenFill xmlns:a14="http://schemas.microsoft.com/office/drawing/2010/main" xmlns="">
+                <a:solidFill>
+                  <a:srgbClr val="FFFFFF"/>
+                </a:solidFill>
+              </a14:hiddenFill>
+            </a:ext>
+            <a:ext uri="{91240B29-F687-4f45-9708-019B960494DF}">
+              <a14:hiddenLine xmlns:a14="http://schemas.microsoft.com/office/drawing/2010/main" xmlns="" w="9525">
+                <a:solidFill>
+                  <a:srgbClr val="000000"/>
+                </a:solidFill>
+                <a:miter lim="800000"/>
+                <a:headEnd/>
+                <a:tailEnd/>
+              </a14:hiddenLine>
+            </a:ext>
+          </a:extLst>
+        </p:spPr>
+        <p:txBody>
+          <a:bodyPr vert="horz" wrap="square" lIns="91440" tIns="45720" rIns="91440" bIns="45720" numCol="1" anchor="t" anchorCtr="0" compatLnSpc="1">
+            <a:prstTxWarp prst="textNoShape">
+              <a:avLst/>
+            </a:prstTxWarp>
+          </a:bodyPr>
+          <a:lstStyle>
+            <a:lvl1pPr marL="385763" indent="-385763" algn="l" rtl="0" eaLnBrk="0" fontAlgn="base" hangingPunct="0">
+              <a:spcBef>
+                <a:spcPct val="20000"/>
+              </a:spcBef>
+              <a:spcAft>
+                <a:spcPct val="0"/>
+              </a:spcAft>
+              <a:buFont typeface="Arial" charset="0"/>
+              <a:buChar char="•"/>
+              <a:defRPr sz="2700" kern="1200">
+                <a:solidFill>
+                  <a:schemeClr val="tx1"/>
+                </a:solidFill>
+                <a:latin typeface="+mn-lt"/>
+                <a:ea typeface="+mn-ea"/>
+                <a:cs typeface="+mn-cs"/>
+              </a:defRPr>
+            </a:lvl1pPr>
+            <a:lvl2pPr marL="835819" indent="-321469" algn="l" rtl="0" eaLnBrk="0" fontAlgn="base" hangingPunct="0">
+              <a:spcBef>
+                <a:spcPct val="20000"/>
+              </a:spcBef>
+              <a:spcAft>
+                <a:spcPct val="0"/>
+              </a:spcAft>
+              <a:buFont typeface="Arial" charset="0"/>
+              <a:buChar char="–"/>
+              <a:defRPr sz="2250" kern="1200">
+                <a:solidFill>
+                  <a:schemeClr val="tx1"/>
+                </a:solidFill>
+                <a:latin typeface="+mn-lt"/>
+                <a:ea typeface="+mn-ea"/>
+                <a:cs typeface="+mn-cs"/>
+              </a:defRPr>
+            </a:lvl2pPr>
+            <a:lvl3pPr marL="1285875" indent="-257175" algn="l" rtl="0" eaLnBrk="0" fontAlgn="base" hangingPunct="0">
+              <a:spcBef>
+                <a:spcPct val="20000"/>
+              </a:spcBef>
+              <a:spcAft>
+                <a:spcPct val="0"/>
+              </a:spcAft>
+              <a:buFont typeface="Arial" charset="0"/>
+              <a:buChar char="•"/>
+              <a:defRPr sz="1800" kern="1200">
+                <a:solidFill>
+                  <a:schemeClr val="tx1"/>
+                </a:solidFill>
+                <a:latin typeface="+mn-lt"/>
+                <a:ea typeface="+mn-ea"/>
+                <a:cs typeface="+mn-cs"/>
+              </a:defRPr>
+            </a:lvl3pPr>
+            <a:lvl4pPr marL="1800225" indent="-257175" algn="l" rtl="0" eaLnBrk="0" fontAlgn="base" hangingPunct="0">
+              <a:spcBef>
+                <a:spcPct val="20000"/>
+              </a:spcBef>
+              <a:spcAft>
+                <a:spcPct val="0"/>
+              </a:spcAft>
+              <a:buFont typeface="Arial" charset="0"/>
+              <a:buChar char="–"/>
+              <a:defRPr sz="1575" kern="1200">
+                <a:solidFill>
+                  <a:schemeClr val="tx1"/>
+                </a:solidFill>
+                <a:latin typeface="+mn-lt"/>
+                <a:ea typeface="+mn-ea"/>
+                <a:cs typeface="+mn-cs"/>
+              </a:defRPr>
+            </a:lvl4pPr>
+            <a:lvl5pPr marL="2314575" indent="-257175" algn="l" rtl="0" eaLnBrk="0" fontAlgn="base" hangingPunct="0">
+              <a:spcBef>
+                <a:spcPct val="20000"/>
+              </a:spcBef>
+              <a:spcAft>
+                <a:spcPct val="0"/>
+              </a:spcAft>
+              <a:buFont typeface="Arial" charset="0"/>
+              <a:buChar char="»"/>
+              <a:defRPr sz="1575" kern="1200">
+                <a:solidFill>
+                  <a:schemeClr val="tx1"/>
+                </a:solidFill>
+                <a:latin typeface="+mn-lt"/>
+                <a:ea typeface="+mn-ea"/>
+                <a:cs typeface="+mn-cs"/>
+              </a:defRPr>
+            </a:lvl5pPr>
+            <a:lvl6pPr marL="2828925" indent="-257175" algn="l" defTabSz="1028700" rtl="0" eaLnBrk="1" latinLnBrk="0" hangingPunct="1">
+              <a:spcBef>
+                <a:spcPct val="20000"/>
+              </a:spcBef>
+              <a:buFont typeface="Arial" panose="020B0604020202020204" pitchFamily="34" charset="0"/>
+              <a:buChar char="•"/>
+              <a:defRPr sz="2250" kern="1200">
+                <a:solidFill>
+                  <a:schemeClr val="tx1"/>
+                </a:solidFill>
+                <a:latin typeface="+mn-lt"/>
+                <a:ea typeface="+mn-ea"/>
+                <a:cs typeface="+mn-cs"/>
+              </a:defRPr>
+            </a:lvl6pPr>
+            <a:lvl7pPr marL="3343275" indent="-257175" algn="l" defTabSz="1028700" rtl="0" eaLnBrk="1" latinLnBrk="0" hangingPunct="1">
+              <a:spcBef>
+                <a:spcPct val="20000"/>
+              </a:spcBef>
+              <a:buFont typeface="Arial" panose="020B0604020202020204" pitchFamily="34" charset="0"/>
+              <a:buChar char="•"/>
+              <a:defRPr sz="2250" kern="1200">
+                <a:solidFill>
+                  <a:schemeClr val="tx1"/>
+                </a:solidFill>
+                <a:latin typeface="+mn-lt"/>
+                <a:ea typeface="+mn-ea"/>
+                <a:cs typeface="+mn-cs"/>
+              </a:defRPr>
+            </a:lvl7pPr>
+            <a:lvl8pPr marL="3857625" indent="-257175" algn="l" defTabSz="1028700" rtl="0" eaLnBrk="1" latinLnBrk="0" hangingPunct="1">
+              <a:spcBef>
+                <a:spcPct val="20000"/>
+              </a:spcBef>
+              <a:buFont typeface="Arial" panose="020B0604020202020204" pitchFamily="34" charset="0"/>
+              <a:buChar char="•"/>
+              <a:defRPr sz="2250" kern="1200">
+                <a:solidFill>
+                  <a:schemeClr val="tx1"/>
+                </a:solidFill>
+                <a:latin typeface="+mn-lt"/>
+                <a:ea typeface="+mn-ea"/>
+                <a:cs typeface="+mn-cs"/>
+              </a:defRPr>
+            </a:lvl8pPr>
+            <a:lvl9pPr marL="4371975" indent="-257175" algn="l" defTabSz="1028700" rtl="0" eaLnBrk="1" latinLnBrk="0" hangingPunct="1">
+              <a:spcBef>
+                <a:spcPct val="20000"/>
+              </a:spcBef>
+              <a:buFont typeface="Arial" panose="020B0604020202020204" pitchFamily="34" charset="0"/>
+              <a:buChar char="•"/>
+              <a:defRPr sz="2250" kern="1200">
+                <a:solidFill>
+                  <a:schemeClr val="tx1"/>
+                </a:solidFill>
+                <a:latin typeface="+mn-lt"/>
+                <a:ea typeface="+mn-ea"/>
+                <a:cs typeface="+mn-cs"/>
+              </a:defRPr>
+            </a:lvl9pPr>
+          </a:lstStyle>
+          <a:p>
+            <a:pPr marL="0" indent="0" algn="ctr">
+              <a:lnSpc>
+                <a:spcPct val="100000"/>
+              </a:lnSpc>
+              <a:buNone/>
+            </a:pPr>
+            <a:r>
+              <a:rPr lang="en-US" sz="2000" dirty="0"/>
+              <a:t>Each k8s</a:t>
+            </a:r>
+            <a:br>
+              <a:rPr lang="en-US" sz="2000" dirty="0"/>
+            </a:br>
+            <a:r>
+              <a:rPr lang="en-US" sz="2000" dirty="0"/>
+              <a:t>pod is given</a:t>
+            </a:r>
+            <a:br>
+              <a:rPr lang="en-US" sz="2000" dirty="0"/>
+            </a:br>
+            <a:r>
+              <a:rPr lang="en-US" sz="2000" dirty="0"/>
+              <a:t>a routable</a:t>
+            </a:r>
+          </a:p>
+          <a:p>
+            <a:pPr marL="0" indent="0" algn="ctr">
+              <a:lnSpc>
+                <a:spcPct val="100000"/>
+              </a:lnSpc>
+              <a:buNone/>
+            </a:pPr>
+            <a:r>
+              <a:rPr lang="en-US" sz="2000" dirty="0"/>
+              <a:t>IP address</a:t>
+            </a:r>
+          </a:p>
+          <a:p>
+            <a:pPr marL="0" indent="0" algn="ctr">
+              <a:lnSpc>
+                <a:spcPct val="100000"/>
+              </a:lnSpc>
+              <a:buNone/>
+            </a:pPr>
+            <a:r>
+              <a:rPr lang="en-US" sz="2000" dirty="0"/>
+              <a:t>Each container</a:t>
+            </a:r>
+            <a:br>
+              <a:rPr lang="en-US" sz="2000" dirty="0"/>
+            </a:br>
+            <a:r>
+              <a:rPr lang="en-US" sz="2000" dirty="0"/>
+              <a:t>in the pod can be reached via a port on that IP address</a:t>
+            </a:r>
+          </a:p>
+        </p:txBody>
+      </p:sp>
+    </p:spTree>
+    <p:extLst>
+      <p:ext uri="{BB962C8B-B14F-4D97-AF65-F5344CB8AC3E}">
+        <p14:creationId xmlns:p14="http://schemas.microsoft.com/office/powerpoint/2010/main" val="4261077170"/>
+      </p:ext>
+    </p:extLst>
+  </p:cSld>
+  <p:clrMapOvr>
+    <a:masterClrMapping/>
+  </p:clrMapOvr>
+</p:sld>
+</file>
+
+<file path=ppt/slides/slide26.xml><?xml version="1.0" encoding="utf-8"?>
+<p:sld xmlns:a="http://schemas.openxmlformats.org/drawingml/2006/main" xmlns:r="http://schemas.openxmlformats.org/officeDocument/2006/relationships" xmlns:p="http://schemas.openxmlformats.org/presentationml/2006/main">
+  <p:cSld>
+    <p:spTree>
+      <p:nvGrpSpPr>
+        <p:cNvPr id="1" name=""/>
+        <p:cNvGrpSpPr/>
+        <p:nvPr/>
+      </p:nvGrpSpPr>
+      <p:grpSpPr>
+        <a:xfrm>
+          <a:off x="0" y="0"/>
+          <a:ext cx="0" cy="0"/>
+          <a:chOff x="0" y="0"/>
+          <a:chExt cx="0" cy="0"/>
+        </a:xfrm>
+      </p:grpSpPr>
+      <p:sp>
+        <p:nvSpPr>
+          <p:cNvPr id="27" name="Rectangle 26">
+            <a:extLst>
+              <a:ext uri="{FF2B5EF4-FFF2-40B4-BE49-F238E27FC236}">
+                <a16:creationId xmlns:a16="http://schemas.microsoft.com/office/drawing/2014/main" id="{675587CC-CE56-DB85-7D82-1042447468E5}"/>
+              </a:ext>
+            </a:extLst>
+          </p:cNvPr>
+          <p:cNvSpPr/>
+          <p:nvPr/>
+        </p:nvSpPr>
+        <p:spPr bwMode="auto">
+          <a:xfrm>
+            <a:off x="1082131" y="2438107"/>
+            <a:ext cx="2788170" cy="3050018"/>
+          </a:xfrm>
+          <a:prstGeom prst="rect">
+            <a:avLst/>
+          </a:prstGeom>
+          <a:solidFill>
+            <a:schemeClr val="accent6">
+              <a:lumMod val="40000"/>
+              <a:lumOff val="60000"/>
+            </a:schemeClr>
+          </a:solidFill>
+          <a:ln w="9525" cap="flat" cmpd="sng" algn="ctr">
+            <a:solidFill>
+              <a:schemeClr val="tx1"/>
+            </a:solidFill>
+            <a:prstDash val="solid"/>
+            <a:round/>
+            <a:headEnd type="none" w="med" len="med"/>
+            <a:tailEnd type="none" w="med" len="med"/>
+          </a:ln>
+          <a:effectLst/>
+          <a:extLst>
+            <a:ext uri="{AF507438-7753-43e0-B8FC-AC1667EBCBE1}">
+              <a14:hiddenEffects xmlns="" xmlns:a14="http://schemas.microsoft.com/office/drawing/2010/main">
+                <a:effectLst>
+                  <a:outerShdw blurRad="63500" dist="38099" dir="2700000" algn="ctr" rotWithShape="0">
+                    <a:schemeClr val="bg2">
+                      <a:alpha val="74998"/>
+                    </a:schemeClr>
+                  </a:outerShdw>
+                </a:effectLst>
+              </a14:hiddenEffects>
+            </a:ext>
+          </a:extLst>
+        </p:spPr>
+        <p:txBody>
+          <a:bodyPr vert="horz" wrap="none" lIns="91440" tIns="45720" rIns="91440" bIns="45720" numCol="1" rtlCol="0" anchor="t" anchorCtr="0" compatLnSpc="1">
+            <a:prstTxWarp prst="textNoShape">
+              <a:avLst/>
+            </a:prstTxWarp>
+          </a:bodyPr>
+          <a:lstStyle/>
+          <a:p>
+            <a:pPr marL="0" marR="0" indent="0" algn="ctr" defTabSz="914400" rtl="0" eaLnBrk="1" fontAlgn="base" latinLnBrk="0" hangingPunct="1">
+              <a:lnSpc>
+                <a:spcPct val="100000"/>
+              </a:lnSpc>
+              <a:spcBef>
+                <a:spcPct val="0"/>
+              </a:spcBef>
+              <a:spcAft>
+                <a:spcPct val="0"/>
+              </a:spcAft>
+              <a:buClrTx/>
+              <a:buSzTx/>
+              <a:buFontTx/>
+              <a:buNone/>
+              <a:tabLst/>
+            </a:pPr>
+            <a:r>
+              <a:rPr lang="en-US" dirty="0">
+                <a:latin typeface="+mn-lt"/>
+                <a:ea typeface="ＭＳ Ｐゴシック" charset="0"/>
+              </a:rPr>
+              <a:t>Kubernetes </a:t>
+            </a:r>
+            <a:br>
+              <a:rPr lang="en-US" dirty="0">
+                <a:latin typeface="+mn-lt"/>
+                <a:ea typeface="ＭＳ Ｐゴシック" charset="0"/>
+              </a:rPr>
+            </a:br>
+            <a:r>
+              <a:rPr lang="en-US" dirty="0">
+                <a:latin typeface="+mn-lt"/>
+                <a:ea typeface="ＭＳ Ｐゴシック" charset="0"/>
+              </a:rPr>
+              <a:t>Deployment</a:t>
+            </a:r>
+            <a:endParaRPr kumimoji="0" lang="en-US" b="0" i="0" u="none" strike="noStrike" cap="none" normalizeH="0" baseline="0" dirty="0">
+              <a:ln>
+                <a:noFill/>
+              </a:ln>
+              <a:solidFill>
+                <a:schemeClr val="tx1"/>
+              </a:solidFill>
+              <a:effectLst/>
+              <a:latin typeface="+mn-lt"/>
+              <a:ea typeface="ＭＳ Ｐゴシック" charset="0"/>
+            </a:endParaRPr>
+          </a:p>
+        </p:txBody>
+      </p:sp>
+      <p:sp>
+        <p:nvSpPr>
+          <p:cNvPr id="680962" name="Rectangle 2"/>
+          <p:cNvSpPr>
+            <a:spLocks noGrp="1" noChangeArrowheads="1"/>
+          </p:cNvSpPr>
+          <p:nvPr>
+            <p:ph type="title"/>
+          </p:nvPr>
+        </p:nvSpPr>
+        <p:spPr>
+          <a:xfrm>
+            <a:off x="609600" y="230065"/>
+            <a:ext cx="10972800" cy="698948"/>
+          </a:xfrm>
+        </p:spPr>
+        <p:txBody>
+          <a:bodyPr/>
+          <a:lstStyle/>
+          <a:p>
+            <a:r>
+              <a:rPr lang="en-US" dirty="0"/>
+              <a:t>Running Containers at Scale In Production – </a:t>
+            </a:r>
+            <a:br>
+              <a:rPr lang="en-US" dirty="0"/>
+            </a:br>
+            <a:r>
+              <a:rPr lang="en-US" dirty="0"/>
+              <a:t>Kubernetes or k8s – Core K8s Objects</a:t>
+            </a:r>
+          </a:p>
+        </p:txBody>
+      </p:sp>
+      <p:sp>
+        <p:nvSpPr>
+          <p:cNvPr id="18" name="Rectangle 17">
+            <a:extLst>
+              <a:ext uri="{FF2B5EF4-FFF2-40B4-BE49-F238E27FC236}">
+                <a16:creationId xmlns:a16="http://schemas.microsoft.com/office/drawing/2014/main" id="{B2B63193-A54D-BCBC-A799-E2C404272E4F}"/>
+              </a:ext>
+            </a:extLst>
+          </p:cNvPr>
+          <p:cNvSpPr/>
+          <p:nvPr/>
+        </p:nvSpPr>
+        <p:spPr bwMode="auto">
+          <a:xfrm>
+            <a:off x="1238864" y="3234798"/>
+            <a:ext cx="2474704" cy="2064176"/>
+          </a:xfrm>
+          <a:prstGeom prst="rect">
+            <a:avLst/>
+          </a:prstGeom>
+          <a:solidFill>
+            <a:srgbClr val="9DC3E7"/>
+          </a:solidFill>
+          <a:ln w="9525" cap="flat" cmpd="sng" algn="ctr">
+            <a:solidFill>
+              <a:schemeClr val="tx1"/>
+            </a:solidFill>
+            <a:prstDash val="solid"/>
+            <a:round/>
+            <a:headEnd type="none" w="med" len="med"/>
+            <a:tailEnd type="none" w="med" len="med"/>
+          </a:ln>
+          <a:effectLst/>
+          <a:extLst>
+            <a:ext uri="{AF507438-7753-43e0-B8FC-AC1667EBCBE1}">
+              <a14:hiddenEffects xmlns="" xmlns:a14="http://schemas.microsoft.com/office/drawing/2010/main">
+                <a:effectLst>
+                  <a:outerShdw blurRad="63500" dist="38099" dir="2700000" algn="ctr" rotWithShape="0">
+                    <a:schemeClr val="bg2">
+                      <a:alpha val="74998"/>
+                    </a:schemeClr>
+                  </a:outerShdw>
+                </a:effectLst>
+              </a14:hiddenEffects>
+            </a:ext>
+          </a:extLst>
+        </p:spPr>
+        <p:txBody>
+          <a:bodyPr vert="horz" wrap="none" lIns="91440" tIns="45720" rIns="91440" bIns="45720" numCol="1" rtlCol="0" anchor="t" anchorCtr="0" compatLnSpc="1">
+            <a:prstTxWarp prst="textNoShape">
+              <a:avLst/>
+            </a:prstTxWarp>
+          </a:bodyPr>
+          <a:lstStyle/>
+          <a:p>
+            <a:pPr marL="0" marR="0" indent="0" algn="ctr" defTabSz="914400" rtl="0" eaLnBrk="1" fontAlgn="base" latinLnBrk="0" hangingPunct="1">
+              <a:lnSpc>
+                <a:spcPct val="100000"/>
+              </a:lnSpc>
+              <a:spcBef>
+                <a:spcPct val="0"/>
+              </a:spcBef>
+              <a:spcAft>
+                <a:spcPct val="0"/>
+              </a:spcAft>
+              <a:buClrTx/>
+              <a:buSzTx/>
+              <a:buFontTx/>
+              <a:buNone/>
+              <a:tabLst/>
+            </a:pPr>
+            <a:r>
+              <a:rPr kumimoji="0" lang="en-US" b="0" i="0" u="none" strike="noStrike" cap="none" normalizeH="0" baseline="0" dirty="0">
+                <a:ln>
+                  <a:noFill/>
+                </a:ln>
+                <a:solidFill>
+                  <a:schemeClr val="tx1"/>
+                </a:solidFill>
+                <a:effectLst/>
+                <a:latin typeface="+mn-lt"/>
+                <a:ea typeface="ＭＳ Ｐゴシック" charset="0"/>
+              </a:rPr>
+              <a:t>Kubernetes</a:t>
+            </a:r>
+            <a:br>
+              <a:rPr lang="en-US" b="0" dirty="0">
+                <a:latin typeface="+mn-lt"/>
+                <a:ea typeface="ＭＳ Ｐゴシック" charset="0"/>
+              </a:rPr>
+            </a:br>
+            <a:r>
+              <a:rPr lang="en-US" b="0" dirty="0">
+                <a:latin typeface="+mn-lt"/>
+                <a:ea typeface="ＭＳ Ｐゴシック" charset="0"/>
+              </a:rPr>
+              <a:t>Replica Set</a:t>
+            </a:r>
+            <a:endParaRPr kumimoji="0" lang="en-US" b="0" i="0" u="none" strike="noStrike" cap="none" normalizeH="0" baseline="0" dirty="0">
+              <a:ln>
+                <a:noFill/>
+              </a:ln>
+              <a:solidFill>
+                <a:schemeClr val="tx1"/>
+              </a:solidFill>
+              <a:effectLst/>
+              <a:latin typeface="+mn-lt"/>
+              <a:ea typeface="ＭＳ Ｐゴシック" charset="0"/>
+            </a:endParaRPr>
+          </a:p>
+        </p:txBody>
+      </p:sp>
+      <p:sp>
+        <p:nvSpPr>
+          <p:cNvPr id="32" name="Rectangle 3" descr="Rectangle: Click to edit Master text styles&#10;Second level&#10;Third level&#10;Fourth level&#10;Fifth level">
+            <a:extLst>
+              <a:ext uri="{FF2B5EF4-FFF2-40B4-BE49-F238E27FC236}">
+                <a16:creationId xmlns:a16="http://schemas.microsoft.com/office/drawing/2014/main" id="{4D16A71B-A90F-8E90-7799-6465D8A2C36B}"/>
+              </a:ext>
+            </a:extLst>
+          </p:cNvPr>
+          <p:cNvSpPr txBox="1">
+            <a:spLocks noChangeArrowheads="1"/>
+          </p:cNvSpPr>
+          <p:nvPr/>
+        </p:nvSpPr>
+        <p:spPr bwMode="auto">
+          <a:xfrm>
+            <a:off x="609600" y="1187319"/>
+            <a:ext cx="11582400" cy="542897"/>
+          </a:xfrm>
+          <a:prstGeom prst="rect">
+            <a:avLst/>
+          </a:prstGeom>
+          <a:noFill/>
+          <a:ln>
+            <a:noFill/>
+          </a:ln>
+          <a:extLst>
+            <a:ext uri="{909E8E84-426E-40dd-AFC4-6F175D3DCCD1}">
+              <a14:hiddenFill xmlns="" xmlns:a14="http://schemas.microsoft.com/office/drawing/2010/main">
+                <a:solidFill>
+                  <a:srgbClr val="FFFFFF"/>
+                </a:solidFill>
+              </a14:hiddenFill>
+            </a:ext>
+            <a:ext uri="{91240B29-F687-4f45-9708-019B960494DF}">
+              <a14:hiddenLine xmlns="" xmlns:a14="http://schemas.microsoft.com/office/drawing/2010/main" w="9525">
+                <a:solidFill>
+                  <a:srgbClr val="000000"/>
+                </a:solidFill>
+                <a:miter lim="800000"/>
+                <a:headEnd/>
+                <a:tailEnd/>
+              </a14:hiddenLine>
+            </a:ext>
+          </a:extLst>
+        </p:spPr>
+        <p:txBody>
+          <a:bodyPr vert="horz" wrap="square" lIns="91440" tIns="45720" rIns="91440" bIns="45720" numCol="1" anchor="t" anchorCtr="0" compatLnSpc="1">
+            <a:prstTxWarp prst="textNoShape">
+              <a:avLst/>
+            </a:prstTxWarp>
+          </a:bodyPr>
+          <a:lstStyle>
+            <a:lvl1pPr marL="385763" indent="-385763" algn="l" rtl="0" eaLnBrk="0" fontAlgn="base" hangingPunct="0">
+              <a:spcBef>
+                <a:spcPct val="20000"/>
+              </a:spcBef>
+              <a:spcAft>
+                <a:spcPct val="0"/>
+              </a:spcAft>
+              <a:buFont typeface="Arial" charset="0"/>
+              <a:buChar char="•"/>
+              <a:defRPr sz="2700" kern="1200">
+                <a:solidFill>
+                  <a:schemeClr val="tx1"/>
+                </a:solidFill>
+                <a:latin typeface="+mn-lt"/>
+                <a:ea typeface="+mn-ea"/>
+                <a:cs typeface="+mn-cs"/>
+              </a:defRPr>
+            </a:lvl1pPr>
+            <a:lvl2pPr marL="835819" indent="-321469" algn="l" rtl="0" eaLnBrk="0" fontAlgn="base" hangingPunct="0">
+              <a:spcBef>
+                <a:spcPct val="20000"/>
+              </a:spcBef>
+              <a:spcAft>
+                <a:spcPct val="0"/>
+              </a:spcAft>
+              <a:buFont typeface="Arial" charset="0"/>
+              <a:buChar char="–"/>
+              <a:defRPr sz="2250" kern="1200">
+                <a:solidFill>
+                  <a:schemeClr val="tx1"/>
+                </a:solidFill>
+                <a:latin typeface="+mn-lt"/>
+                <a:ea typeface="+mn-ea"/>
+                <a:cs typeface="+mn-cs"/>
+              </a:defRPr>
+            </a:lvl2pPr>
+            <a:lvl3pPr marL="1285875" indent="-257175" algn="l" rtl="0" eaLnBrk="0" fontAlgn="base" hangingPunct="0">
+              <a:spcBef>
+                <a:spcPct val="20000"/>
+              </a:spcBef>
+              <a:spcAft>
+                <a:spcPct val="0"/>
+              </a:spcAft>
+              <a:buFont typeface="Arial" charset="0"/>
+              <a:buChar char="•"/>
+              <a:defRPr sz="1800" kern="1200">
+                <a:solidFill>
+                  <a:schemeClr val="tx1"/>
+                </a:solidFill>
+                <a:latin typeface="+mn-lt"/>
+                <a:ea typeface="+mn-ea"/>
+                <a:cs typeface="+mn-cs"/>
+              </a:defRPr>
+            </a:lvl3pPr>
+            <a:lvl4pPr marL="1800225" indent="-257175" algn="l" rtl="0" eaLnBrk="0" fontAlgn="base" hangingPunct="0">
+              <a:spcBef>
+                <a:spcPct val="20000"/>
+              </a:spcBef>
+              <a:spcAft>
+                <a:spcPct val="0"/>
+              </a:spcAft>
+              <a:buFont typeface="Arial" charset="0"/>
+              <a:buChar char="–"/>
+              <a:defRPr sz="1575" kern="1200">
+                <a:solidFill>
+                  <a:schemeClr val="tx1"/>
+                </a:solidFill>
+                <a:latin typeface="+mn-lt"/>
+                <a:ea typeface="+mn-ea"/>
+                <a:cs typeface="+mn-cs"/>
+              </a:defRPr>
+            </a:lvl4pPr>
+            <a:lvl5pPr marL="2314575" indent="-257175" algn="l" rtl="0" eaLnBrk="0" fontAlgn="base" hangingPunct="0">
+              <a:spcBef>
+                <a:spcPct val="20000"/>
+              </a:spcBef>
+              <a:spcAft>
+                <a:spcPct val="0"/>
+              </a:spcAft>
+              <a:buFont typeface="Arial" charset="0"/>
+              <a:buChar char="»"/>
+              <a:defRPr sz="1575" kern="1200">
+                <a:solidFill>
+                  <a:schemeClr val="tx1"/>
+                </a:solidFill>
+                <a:latin typeface="+mn-lt"/>
+                <a:ea typeface="+mn-ea"/>
+                <a:cs typeface="+mn-cs"/>
+              </a:defRPr>
+            </a:lvl5pPr>
+            <a:lvl6pPr marL="2828925" indent="-257175" algn="l" defTabSz="1028700" rtl="0" eaLnBrk="1" latinLnBrk="0" hangingPunct="1">
+              <a:spcBef>
+                <a:spcPct val="20000"/>
+              </a:spcBef>
+              <a:buFont typeface="Arial" panose="020B0604020202020204" pitchFamily="34" charset="0"/>
+              <a:buChar char="•"/>
+              <a:defRPr sz="2250" kern="1200">
+                <a:solidFill>
+                  <a:schemeClr val="tx1"/>
+                </a:solidFill>
+                <a:latin typeface="+mn-lt"/>
+                <a:ea typeface="+mn-ea"/>
+                <a:cs typeface="+mn-cs"/>
+              </a:defRPr>
+            </a:lvl6pPr>
+            <a:lvl7pPr marL="3343275" indent="-257175" algn="l" defTabSz="1028700" rtl="0" eaLnBrk="1" latinLnBrk="0" hangingPunct="1">
+              <a:spcBef>
+                <a:spcPct val="20000"/>
+              </a:spcBef>
+              <a:buFont typeface="Arial" panose="020B0604020202020204" pitchFamily="34" charset="0"/>
+              <a:buChar char="•"/>
+              <a:defRPr sz="2250" kern="1200">
+                <a:solidFill>
+                  <a:schemeClr val="tx1"/>
+                </a:solidFill>
+                <a:latin typeface="+mn-lt"/>
+                <a:ea typeface="+mn-ea"/>
+                <a:cs typeface="+mn-cs"/>
+              </a:defRPr>
+            </a:lvl7pPr>
+            <a:lvl8pPr marL="3857625" indent="-257175" algn="l" defTabSz="1028700" rtl="0" eaLnBrk="1" latinLnBrk="0" hangingPunct="1">
+              <a:spcBef>
+                <a:spcPct val="20000"/>
+              </a:spcBef>
+              <a:buFont typeface="Arial" panose="020B0604020202020204" pitchFamily="34" charset="0"/>
+              <a:buChar char="•"/>
+              <a:defRPr sz="2250" kern="1200">
+                <a:solidFill>
+                  <a:schemeClr val="tx1"/>
+                </a:solidFill>
+                <a:latin typeface="+mn-lt"/>
+                <a:ea typeface="+mn-ea"/>
+                <a:cs typeface="+mn-cs"/>
+              </a:defRPr>
+            </a:lvl8pPr>
+            <a:lvl9pPr marL="4371975" indent="-257175" algn="l" defTabSz="1028700" rtl="0" eaLnBrk="1" latinLnBrk="0" hangingPunct="1">
+              <a:spcBef>
+                <a:spcPct val="20000"/>
+              </a:spcBef>
+              <a:buFont typeface="Arial" panose="020B0604020202020204" pitchFamily="34" charset="0"/>
+              <a:buChar char="•"/>
+              <a:defRPr sz="2250" kern="1200">
+                <a:solidFill>
+                  <a:schemeClr val="tx1"/>
+                </a:solidFill>
+                <a:latin typeface="+mn-lt"/>
+                <a:ea typeface="+mn-ea"/>
+                <a:cs typeface="+mn-cs"/>
+              </a:defRPr>
+            </a:lvl9pPr>
+          </a:lstStyle>
+          <a:p>
+            <a:pPr marL="0" indent="0">
+              <a:lnSpc>
+                <a:spcPct val="100000"/>
+              </a:lnSpc>
+              <a:buNone/>
+            </a:pPr>
+            <a:r>
+              <a:rPr lang="en-US" sz="2000" dirty="0"/>
+              <a:t>Managing Kubernetes can be complex, but you can get by with just </a:t>
+            </a:r>
+            <a:r>
+              <a:rPr lang="en-US" sz="2000"/>
+              <a:t>a few</a:t>
+            </a:r>
+            <a:br>
+              <a:rPr lang="en-US" sz="2000"/>
+            </a:br>
+            <a:r>
+              <a:rPr lang="en-US" sz="2000"/>
+              <a:t>of the k8s object</a:t>
+            </a:r>
+            <a:r>
+              <a:rPr lang="en-US" sz="2000" dirty="0"/>
+              <a:t>s</a:t>
+            </a:r>
+          </a:p>
+        </p:txBody>
+      </p:sp>
+      <p:sp>
+        <p:nvSpPr>
+          <p:cNvPr id="34" name="Rectangle 33">
+            <a:extLst>
+              <a:ext uri="{FF2B5EF4-FFF2-40B4-BE49-F238E27FC236}">
+                <a16:creationId xmlns:a16="http://schemas.microsoft.com/office/drawing/2014/main" id="{93679FD6-6754-33F5-BC3B-E87D7C2DBA73}"/>
+              </a:ext>
+            </a:extLst>
+          </p:cNvPr>
+          <p:cNvSpPr/>
+          <p:nvPr/>
+        </p:nvSpPr>
+        <p:spPr bwMode="auto">
+          <a:xfrm>
+            <a:off x="4321826" y="2438106"/>
+            <a:ext cx="2948403" cy="3082790"/>
+          </a:xfrm>
+          <a:prstGeom prst="rect">
+            <a:avLst/>
+          </a:prstGeom>
+          <a:solidFill>
+            <a:schemeClr val="accent6">
+              <a:lumMod val="40000"/>
+              <a:lumOff val="60000"/>
+            </a:schemeClr>
+          </a:solidFill>
+          <a:ln w="9525" cap="flat" cmpd="sng" algn="ctr">
+            <a:solidFill>
+              <a:schemeClr val="tx1"/>
+            </a:solidFill>
+            <a:prstDash val="solid"/>
+            <a:round/>
+            <a:headEnd type="none" w="med" len="med"/>
+            <a:tailEnd type="none" w="med" len="med"/>
+          </a:ln>
+          <a:effectLst/>
+          <a:extLst>
+            <a:ext uri="{AF507438-7753-43e0-B8FC-AC1667EBCBE1}">
+              <a14:hiddenEffects xmlns="" xmlns:a14="http://schemas.microsoft.com/office/drawing/2010/main">
+                <a:effectLst>
+                  <a:outerShdw blurRad="63500" dist="38099" dir="2700000" algn="ctr" rotWithShape="0">
+                    <a:schemeClr val="bg2">
+                      <a:alpha val="74998"/>
+                    </a:schemeClr>
+                  </a:outerShdw>
+                </a:effectLst>
+              </a14:hiddenEffects>
+            </a:ext>
+          </a:extLst>
+        </p:spPr>
+        <p:txBody>
+          <a:bodyPr vert="horz" wrap="none" lIns="91440" tIns="45720" rIns="91440" bIns="45720" numCol="1" rtlCol="0" anchor="t" anchorCtr="0" compatLnSpc="1">
+            <a:prstTxWarp prst="textNoShape">
+              <a:avLst/>
+            </a:prstTxWarp>
+          </a:bodyPr>
+          <a:lstStyle/>
+          <a:p>
+            <a:pPr marL="0" marR="0" indent="0" algn="ctr" defTabSz="914400" rtl="0" eaLnBrk="1" fontAlgn="base" latinLnBrk="0" hangingPunct="1">
+              <a:lnSpc>
+                <a:spcPct val="100000"/>
+              </a:lnSpc>
+              <a:spcBef>
+                <a:spcPct val="0"/>
+              </a:spcBef>
+              <a:spcAft>
+                <a:spcPct val="0"/>
+              </a:spcAft>
+              <a:buClrTx/>
+              <a:buSzTx/>
+              <a:buFontTx/>
+              <a:buNone/>
+              <a:tabLst/>
+            </a:pPr>
+            <a:r>
+              <a:rPr lang="en-US" dirty="0">
+                <a:latin typeface="+mn-lt"/>
+                <a:ea typeface="ＭＳ Ｐゴシック" charset="0"/>
+              </a:rPr>
+              <a:t>Kubernetes</a:t>
+            </a:r>
+            <a:br>
+              <a:rPr lang="en-US" dirty="0">
+                <a:latin typeface="+mn-lt"/>
+                <a:ea typeface="ＭＳ Ｐゴシック" charset="0"/>
+              </a:rPr>
+            </a:br>
+            <a:r>
+              <a:rPr lang="en-US" dirty="0">
+                <a:latin typeface="+mn-lt"/>
+                <a:ea typeface="ＭＳ Ｐゴシック" charset="0"/>
+              </a:rPr>
+              <a:t>Service</a:t>
+            </a:r>
+          </a:p>
+        </p:txBody>
+      </p:sp>
+      <p:sp>
+        <p:nvSpPr>
+          <p:cNvPr id="35" name="Rectangle 34">
+            <a:extLst>
+              <a:ext uri="{FF2B5EF4-FFF2-40B4-BE49-F238E27FC236}">
+                <a16:creationId xmlns:a16="http://schemas.microsoft.com/office/drawing/2014/main" id="{837D6A84-2EF3-0264-EFFB-9144470D40AB}"/>
+              </a:ext>
+            </a:extLst>
+          </p:cNvPr>
+          <p:cNvSpPr/>
+          <p:nvPr/>
+        </p:nvSpPr>
+        <p:spPr bwMode="auto">
+          <a:xfrm>
+            <a:off x="4532263" y="3911461"/>
+            <a:ext cx="2504030" cy="507355"/>
+          </a:xfrm>
+          <a:prstGeom prst="rect">
+            <a:avLst/>
+          </a:prstGeom>
+          <a:solidFill>
+            <a:srgbClr val="9DC3E7"/>
+          </a:solidFill>
+          <a:ln w="9525" cap="flat" cmpd="sng" algn="ctr">
+            <a:solidFill>
+              <a:schemeClr val="tx1"/>
+            </a:solidFill>
+            <a:prstDash val="solid"/>
+            <a:round/>
+            <a:headEnd type="none" w="med" len="med"/>
+            <a:tailEnd type="none" w="med" len="med"/>
+          </a:ln>
+          <a:effectLst/>
+          <a:extLst>
+            <a:ext uri="{AF507438-7753-43e0-B8FC-AC1667EBCBE1}">
+              <a14:hiddenEffects xmlns="" xmlns:a14="http://schemas.microsoft.com/office/drawing/2010/main">
+                <a:effectLst>
+                  <a:outerShdw blurRad="63500" dist="38099" dir="2700000" algn="ctr" rotWithShape="0">
+                    <a:schemeClr val="bg2">
+                      <a:alpha val="74998"/>
+                    </a:schemeClr>
+                  </a:outerShdw>
+                </a:effectLst>
+              </a14:hiddenEffects>
+            </a:ext>
+          </a:extLst>
+        </p:spPr>
+        <p:txBody>
+          <a:bodyPr vert="horz" wrap="none" lIns="91440" tIns="45720" rIns="91440" bIns="45720" numCol="1" rtlCol="0" anchor="ctr" anchorCtr="0" compatLnSpc="1">
+            <a:prstTxWarp prst="textNoShape">
+              <a:avLst/>
+            </a:prstTxWarp>
+          </a:bodyPr>
+          <a:lstStyle/>
+          <a:p>
+            <a:pPr marL="0" marR="0" indent="0" algn="ctr" defTabSz="914400" rtl="0" eaLnBrk="1" fontAlgn="base" latinLnBrk="0" hangingPunct="1">
+              <a:lnSpc>
+                <a:spcPct val="100000"/>
+              </a:lnSpc>
+              <a:spcBef>
+                <a:spcPct val="0"/>
+              </a:spcBef>
+              <a:spcAft>
+                <a:spcPct val="0"/>
+              </a:spcAft>
+              <a:buClrTx/>
+              <a:buSzTx/>
+              <a:buFontTx/>
+              <a:buNone/>
+              <a:tabLst/>
+            </a:pPr>
+            <a:r>
+              <a:rPr lang="en-US" dirty="0">
+                <a:latin typeface="+mn-lt"/>
+                <a:ea typeface="ＭＳ Ｐゴシック" charset="0"/>
+              </a:rPr>
+              <a:t>type </a:t>
+            </a:r>
+            <a:r>
+              <a:rPr lang="en-US" dirty="0" err="1">
+                <a:latin typeface="+mn-lt"/>
+                <a:ea typeface="ＭＳ Ｐゴシック" charset="0"/>
+              </a:rPr>
+              <a:t>NodePort</a:t>
+            </a:r>
+            <a:endParaRPr kumimoji="0" lang="en-US" b="0" i="0" u="none" strike="noStrike" cap="none" normalizeH="0" baseline="0" dirty="0">
+              <a:ln>
+                <a:noFill/>
+              </a:ln>
+              <a:solidFill>
+                <a:schemeClr val="tx1"/>
+              </a:solidFill>
+              <a:effectLst/>
+              <a:latin typeface="+mn-lt"/>
+              <a:ea typeface="ＭＳ Ｐゴシック" charset="0"/>
+            </a:endParaRPr>
+          </a:p>
+        </p:txBody>
+      </p:sp>
+      <p:sp>
+        <p:nvSpPr>
+          <p:cNvPr id="20" name="Rectangle 19">
+            <a:extLst>
+              <a:ext uri="{FF2B5EF4-FFF2-40B4-BE49-F238E27FC236}">
+                <a16:creationId xmlns:a16="http://schemas.microsoft.com/office/drawing/2014/main" id="{4C82E02A-7360-9E9C-77D8-5F6C718F2AB6}"/>
+              </a:ext>
+            </a:extLst>
+          </p:cNvPr>
+          <p:cNvSpPr/>
+          <p:nvPr/>
+        </p:nvSpPr>
+        <p:spPr bwMode="auto">
+          <a:xfrm>
+            <a:off x="1453725" y="3941393"/>
+            <a:ext cx="1462199" cy="750478"/>
+          </a:xfrm>
+          <a:prstGeom prst="rect">
+            <a:avLst/>
+          </a:prstGeom>
+          <a:solidFill>
+            <a:schemeClr val="accent4">
+              <a:lumMod val="40000"/>
+              <a:lumOff val="60000"/>
+            </a:schemeClr>
+          </a:solidFill>
+          <a:ln w="9525" cap="flat" cmpd="sng" algn="ctr">
+            <a:solidFill>
+              <a:schemeClr val="tx1"/>
+            </a:solidFill>
+            <a:prstDash val="solid"/>
+            <a:round/>
+            <a:headEnd type="none" w="med" len="med"/>
+            <a:tailEnd type="none" w="med" len="med"/>
+          </a:ln>
+          <a:effectLst/>
+          <a:extLst>
+            <a:ext uri="{AF507438-7753-43e0-B8FC-AC1667EBCBE1}">
+              <a14:hiddenEffects xmlns="" xmlns:a14="http://schemas.microsoft.com/office/drawing/2010/main">
+                <a:effectLst>
+                  <a:outerShdw blurRad="63500" dist="38099" dir="2700000" algn="ctr" rotWithShape="0">
+                    <a:schemeClr val="bg2">
+                      <a:alpha val="74998"/>
+                    </a:schemeClr>
+                  </a:outerShdw>
+                </a:effectLst>
+              </a14:hiddenEffects>
+            </a:ext>
+          </a:extLst>
+        </p:spPr>
+        <p:txBody>
+          <a:bodyPr vert="horz" wrap="none" lIns="91440" tIns="45720" rIns="91440" bIns="45720" numCol="1" rtlCol="0" anchor="ctr" anchorCtr="0" compatLnSpc="1">
+            <a:prstTxWarp prst="textNoShape">
+              <a:avLst/>
+            </a:prstTxWarp>
+          </a:bodyPr>
+          <a:lstStyle/>
+          <a:p>
+            <a:pPr marL="0" marR="0" indent="0" algn="ctr" defTabSz="914400" rtl="0" eaLnBrk="1" fontAlgn="base" latinLnBrk="0" hangingPunct="1">
+              <a:lnSpc>
+                <a:spcPct val="100000"/>
+              </a:lnSpc>
+              <a:spcBef>
+                <a:spcPct val="0"/>
+              </a:spcBef>
+              <a:spcAft>
+                <a:spcPct val="0"/>
+              </a:spcAft>
+              <a:buClrTx/>
+              <a:buSzTx/>
+              <a:buFontTx/>
+              <a:buNone/>
+              <a:tabLst/>
+            </a:pPr>
+            <a:r>
+              <a:rPr kumimoji="0" lang="en-US" b="0" i="0" u="none" strike="noStrike" cap="none" normalizeH="0" baseline="0" dirty="0">
+                <a:ln>
+                  <a:noFill/>
+                </a:ln>
+                <a:solidFill>
+                  <a:schemeClr val="tx1"/>
+                </a:solidFill>
+                <a:effectLst/>
+                <a:latin typeface="+mn-lt"/>
+                <a:ea typeface="ＭＳ Ｐゴシック" charset="0"/>
+              </a:rPr>
+              <a:t>Kubernetes</a:t>
+            </a:r>
+            <a:br>
+              <a:rPr lang="en-US" b="0" dirty="0">
+                <a:latin typeface="+mn-lt"/>
+                <a:ea typeface="ＭＳ Ｐゴシック" charset="0"/>
+              </a:rPr>
+            </a:br>
+            <a:r>
+              <a:rPr lang="en-US" b="0" dirty="0">
+                <a:latin typeface="+mn-lt"/>
+                <a:ea typeface="ＭＳ Ｐゴシック" charset="0"/>
+              </a:rPr>
+              <a:t>Pod</a:t>
+            </a:r>
+            <a:endParaRPr kumimoji="0" lang="en-US" b="0" i="0" u="none" strike="noStrike" cap="none" normalizeH="0" baseline="0" dirty="0">
+              <a:ln>
+                <a:noFill/>
+              </a:ln>
+              <a:solidFill>
+                <a:schemeClr val="tx1"/>
+              </a:solidFill>
+              <a:effectLst/>
+              <a:latin typeface="+mn-lt"/>
+              <a:ea typeface="ＭＳ Ｐゴシック" charset="0"/>
+            </a:endParaRPr>
+          </a:p>
+        </p:txBody>
+      </p:sp>
+      <p:sp>
+        <p:nvSpPr>
+          <p:cNvPr id="21" name="Rectangle 20">
+            <a:extLst>
+              <a:ext uri="{FF2B5EF4-FFF2-40B4-BE49-F238E27FC236}">
+                <a16:creationId xmlns:a16="http://schemas.microsoft.com/office/drawing/2014/main" id="{77BD4412-9230-9FBD-1764-B9A530445F10}"/>
+              </a:ext>
+            </a:extLst>
+          </p:cNvPr>
+          <p:cNvSpPr/>
+          <p:nvPr/>
+        </p:nvSpPr>
+        <p:spPr bwMode="auto">
+          <a:xfrm>
+            <a:off x="1606125" y="4093793"/>
+            <a:ext cx="1462199" cy="750478"/>
+          </a:xfrm>
+          <a:prstGeom prst="rect">
+            <a:avLst/>
+          </a:prstGeom>
+          <a:solidFill>
+            <a:schemeClr val="accent4">
+              <a:lumMod val="40000"/>
+              <a:lumOff val="60000"/>
+            </a:schemeClr>
+          </a:solidFill>
+          <a:ln w="9525" cap="flat" cmpd="sng" algn="ctr">
+            <a:solidFill>
+              <a:schemeClr val="tx1"/>
+            </a:solidFill>
+            <a:prstDash val="solid"/>
+            <a:round/>
+            <a:headEnd type="none" w="med" len="med"/>
+            <a:tailEnd type="none" w="med" len="med"/>
+          </a:ln>
+          <a:effectLst/>
+          <a:extLst>
+            <a:ext uri="{AF507438-7753-43e0-B8FC-AC1667EBCBE1}">
+              <a14:hiddenEffects xmlns="" xmlns:a14="http://schemas.microsoft.com/office/drawing/2010/main">
+                <a:effectLst>
+                  <a:outerShdw blurRad="63500" dist="38099" dir="2700000" algn="ctr" rotWithShape="0">
+                    <a:schemeClr val="bg2">
+                      <a:alpha val="74998"/>
+                    </a:schemeClr>
+                  </a:outerShdw>
+                </a:effectLst>
+              </a14:hiddenEffects>
+            </a:ext>
+          </a:extLst>
+        </p:spPr>
+        <p:txBody>
+          <a:bodyPr vert="horz" wrap="none" lIns="91440" tIns="45720" rIns="91440" bIns="45720" numCol="1" rtlCol="0" anchor="ctr" anchorCtr="0" compatLnSpc="1">
+            <a:prstTxWarp prst="textNoShape">
+              <a:avLst/>
+            </a:prstTxWarp>
+          </a:bodyPr>
+          <a:lstStyle/>
+          <a:p>
+            <a:pPr marL="0" marR="0" indent="0" algn="ctr" defTabSz="914400" rtl="0" eaLnBrk="1" fontAlgn="base" latinLnBrk="0" hangingPunct="1">
+              <a:lnSpc>
+                <a:spcPct val="100000"/>
+              </a:lnSpc>
+              <a:spcBef>
+                <a:spcPct val="0"/>
+              </a:spcBef>
+              <a:spcAft>
+                <a:spcPct val="0"/>
+              </a:spcAft>
+              <a:buClrTx/>
+              <a:buSzTx/>
+              <a:buFontTx/>
+              <a:buNone/>
+              <a:tabLst/>
+            </a:pPr>
+            <a:r>
+              <a:rPr kumimoji="0" lang="en-US" b="0" i="0" u="none" strike="noStrike" cap="none" normalizeH="0" baseline="0" dirty="0">
+                <a:ln>
+                  <a:noFill/>
+                </a:ln>
+                <a:solidFill>
+                  <a:schemeClr val="tx1"/>
+                </a:solidFill>
+                <a:effectLst/>
+                <a:latin typeface="+mn-lt"/>
+                <a:ea typeface="ＭＳ Ｐゴシック" charset="0"/>
+              </a:rPr>
+              <a:t>Kubernetes</a:t>
+            </a:r>
+            <a:br>
+              <a:rPr lang="en-US" b="0" dirty="0">
+                <a:latin typeface="+mn-lt"/>
+                <a:ea typeface="ＭＳ Ｐゴシック" charset="0"/>
+              </a:rPr>
+            </a:br>
+            <a:r>
+              <a:rPr lang="en-US" b="0" dirty="0">
+                <a:latin typeface="+mn-lt"/>
+                <a:ea typeface="ＭＳ Ｐゴシック" charset="0"/>
+              </a:rPr>
+              <a:t>Pod</a:t>
+            </a:r>
+            <a:endParaRPr kumimoji="0" lang="en-US" b="0" i="0" u="none" strike="noStrike" cap="none" normalizeH="0" baseline="0" dirty="0">
+              <a:ln>
+                <a:noFill/>
+              </a:ln>
+              <a:solidFill>
+                <a:schemeClr val="tx1"/>
+              </a:solidFill>
+              <a:effectLst/>
+              <a:latin typeface="+mn-lt"/>
+              <a:ea typeface="ＭＳ Ｐゴシック" charset="0"/>
+            </a:endParaRPr>
+          </a:p>
+        </p:txBody>
+      </p:sp>
+      <p:sp>
+        <p:nvSpPr>
+          <p:cNvPr id="22" name="Rectangle 21">
+            <a:extLst>
+              <a:ext uri="{FF2B5EF4-FFF2-40B4-BE49-F238E27FC236}">
+                <a16:creationId xmlns:a16="http://schemas.microsoft.com/office/drawing/2014/main" id="{28C948C1-D6ED-2F23-06A9-6022E7882C88}"/>
+              </a:ext>
+            </a:extLst>
+          </p:cNvPr>
+          <p:cNvSpPr/>
+          <p:nvPr/>
+        </p:nvSpPr>
+        <p:spPr bwMode="auto">
+          <a:xfrm>
+            <a:off x="1758525" y="4246193"/>
+            <a:ext cx="1462199" cy="750478"/>
+          </a:xfrm>
+          <a:prstGeom prst="rect">
+            <a:avLst/>
+          </a:prstGeom>
+          <a:solidFill>
+            <a:schemeClr val="accent4">
+              <a:lumMod val="40000"/>
+              <a:lumOff val="60000"/>
+            </a:schemeClr>
+          </a:solidFill>
+          <a:ln w="9525" cap="flat" cmpd="sng" algn="ctr">
+            <a:solidFill>
+              <a:schemeClr val="tx1"/>
+            </a:solidFill>
+            <a:prstDash val="solid"/>
+            <a:round/>
+            <a:headEnd type="none" w="med" len="med"/>
+            <a:tailEnd type="none" w="med" len="med"/>
+          </a:ln>
+          <a:effectLst/>
+          <a:extLst>
+            <a:ext uri="{AF507438-7753-43e0-B8FC-AC1667EBCBE1}">
+              <a14:hiddenEffects xmlns="" xmlns:a14="http://schemas.microsoft.com/office/drawing/2010/main">
+                <a:effectLst>
+                  <a:outerShdw blurRad="63500" dist="38099" dir="2700000" algn="ctr" rotWithShape="0">
+                    <a:schemeClr val="bg2">
+                      <a:alpha val="74998"/>
+                    </a:schemeClr>
+                  </a:outerShdw>
+                </a:effectLst>
+              </a14:hiddenEffects>
+            </a:ext>
+          </a:extLst>
+        </p:spPr>
+        <p:txBody>
+          <a:bodyPr vert="horz" wrap="none" lIns="91440" tIns="45720" rIns="91440" bIns="45720" numCol="1" rtlCol="0" anchor="ctr" anchorCtr="0" compatLnSpc="1">
+            <a:prstTxWarp prst="textNoShape">
+              <a:avLst/>
+            </a:prstTxWarp>
+          </a:bodyPr>
+          <a:lstStyle/>
+          <a:p>
+            <a:pPr marL="0" marR="0" indent="0" algn="ctr" defTabSz="914400" rtl="0" eaLnBrk="1" fontAlgn="base" latinLnBrk="0" hangingPunct="1">
+              <a:lnSpc>
+                <a:spcPct val="100000"/>
+              </a:lnSpc>
+              <a:spcBef>
+                <a:spcPct val="0"/>
+              </a:spcBef>
+              <a:spcAft>
+                <a:spcPct val="0"/>
+              </a:spcAft>
+              <a:buClrTx/>
+              <a:buSzTx/>
+              <a:buFontTx/>
+              <a:buNone/>
+              <a:tabLst/>
+            </a:pPr>
+            <a:r>
+              <a:rPr kumimoji="0" lang="en-US" b="0" i="0" u="none" strike="noStrike" cap="none" normalizeH="0" baseline="0" dirty="0">
+                <a:ln>
+                  <a:noFill/>
+                </a:ln>
+                <a:solidFill>
+                  <a:schemeClr val="tx1"/>
+                </a:solidFill>
+                <a:effectLst/>
+                <a:latin typeface="+mn-lt"/>
+                <a:ea typeface="ＭＳ Ｐゴシック" charset="0"/>
+              </a:rPr>
+              <a:t>Kubernetes</a:t>
+            </a:r>
+            <a:br>
+              <a:rPr lang="en-US" b="0" dirty="0">
+                <a:latin typeface="+mn-lt"/>
+                <a:ea typeface="ＭＳ Ｐゴシック" charset="0"/>
+              </a:rPr>
+            </a:br>
+            <a:r>
+              <a:rPr lang="en-US" b="0" dirty="0">
+                <a:latin typeface="+mn-lt"/>
+                <a:ea typeface="ＭＳ Ｐゴシック" charset="0"/>
+              </a:rPr>
+              <a:t>Pod</a:t>
+            </a:r>
+            <a:endParaRPr kumimoji="0" lang="en-US" b="0" i="0" u="none" strike="noStrike" cap="none" normalizeH="0" baseline="0" dirty="0">
+              <a:ln>
+                <a:noFill/>
+              </a:ln>
+              <a:solidFill>
+                <a:schemeClr val="tx1"/>
+              </a:solidFill>
+              <a:effectLst/>
+              <a:latin typeface="+mn-lt"/>
+              <a:ea typeface="ＭＳ Ｐゴシック" charset="0"/>
+            </a:endParaRPr>
+          </a:p>
+        </p:txBody>
+      </p:sp>
+      <p:sp>
+        <p:nvSpPr>
+          <p:cNvPr id="23" name="Rectangle 22">
+            <a:extLst>
+              <a:ext uri="{FF2B5EF4-FFF2-40B4-BE49-F238E27FC236}">
+                <a16:creationId xmlns:a16="http://schemas.microsoft.com/office/drawing/2014/main" id="{E04BD27A-9ECF-1CFF-B7BA-DAB482B3E114}"/>
+              </a:ext>
+            </a:extLst>
+          </p:cNvPr>
+          <p:cNvSpPr/>
+          <p:nvPr/>
+        </p:nvSpPr>
+        <p:spPr bwMode="auto">
+          <a:xfrm>
+            <a:off x="1910925" y="4398593"/>
+            <a:ext cx="1462199" cy="750478"/>
+          </a:xfrm>
+          <a:prstGeom prst="rect">
+            <a:avLst/>
+          </a:prstGeom>
+          <a:solidFill>
+            <a:schemeClr val="accent4">
+              <a:lumMod val="40000"/>
+              <a:lumOff val="60000"/>
+            </a:schemeClr>
+          </a:solidFill>
+          <a:ln w="9525" cap="flat" cmpd="sng" algn="ctr">
+            <a:solidFill>
+              <a:schemeClr val="tx1"/>
+            </a:solidFill>
+            <a:prstDash val="solid"/>
+            <a:round/>
+            <a:headEnd type="none" w="med" len="med"/>
+            <a:tailEnd type="none" w="med" len="med"/>
+          </a:ln>
+          <a:effectLst/>
+          <a:extLst>
+            <a:ext uri="{AF507438-7753-43e0-B8FC-AC1667EBCBE1}">
+              <a14:hiddenEffects xmlns="" xmlns:a14="http://schemas.microsoft.com/office/drawing/2010/main">
+                <a:effectLst>
+                  <a:outerShdw blurRad="63500" dist="38099" dir="2700000" algn="ctr" rotWithShape="0">
+                    <a:schemeClr val="bg2">
+                      <a:alpha val="74998"/>
+                    </a:schemeClr>
+                  </a:outerShdw>
+                </a:effectLst>
+              </a14:hiddenEffects>
+            </a:ext>
+          </a:extLst>
+        </p:spPr>
+        <p:txBody>
+          <a:bodyPr vert="horz" wrap="none" lIns="91440" tIns="45720" rIns="91440" bIns="45720" numCol="1" rtlCol="0" anchor="ctr" anchorCtr="0" compatLnSpc="1">
+            <a:prstTxWarp prst="textNoShape">
+              <a:avLst/>
+            </a:prstTxWarp>
+          </a:bodyPr>
+          <a:lstStyle/>
+          <a:p>
+            <a:pPr marL="0" marR="0" indent="0" algn="ctr" defTabSz="914400" rtl="0" eaLnBrk="1" fontAlgn="base" latinLnBrk="0" hangingPunct="1">
+              <a:lnSpc>
+                <a:spcPct val="100000"/>
+              </a:lnSpc>
+              <a:spcBef>
+                <a:spcPct val="0"/>
+              </a:spcBef>
+              <a:spcAft>
+                <a:spcPct val="0"/>
+              </a:spcAft>
+              <a:buClrTx/>
+              <a:buSzTx/>
+              <a:buFontTx/>
+              <a:buNone/>
+              <a:tabLst/>
+            </a:pPr>
+            <a:r>
+              <a:rPr kumimoji="0" lang="en-US" b="0" i="0" u="none" strike="noStrike" cap="none" normalizeH="0" baseline="0" dirty="0">
+                <a:ln>
+                  <a:noFill/>
+                </a:ln>
+                <a:solidFill>
+                  <a:schemeClr val="tx1"/>
+                </a:solidFill>
+                <a:effectLst/>
+                <a:latin typeface="+mn-lt"/>
+                <a:ea typeface="ＭＳ Ｐゴシック" charset="0"/>
+              </a:rPr>
+              <a:t>Kubernetes</a:t>
+            </a:r>
+            <a:br>
+              <a:rPr lang="en-US" b="0" dirty="0">
+                <a:latin typeface="+mn-lt"/>
+                <a:ea typeface="ＭＳ Ｐゴシック" charset="0"/>
+              </a:rPr>
+            </a:br>
+            <a:r>
+              <a:rPr lang="en-US" b="0" dirty="0">
+                <a:latin typeface="+mn-lt"/>
+                <a:ea typeface="ＭＳ Ｐゴシック" charset="0"/>
+              </a:rPr>
+              <a:t>Pod</a:t>
+            </a:r>
+            <a:endParaRPr kumimoji="0" lang="en-US" b="0" i="0" u="none" strike="noStrike" cap="none" normalizeH="0" baseline="0" dirty="0">
+              <a:ln>
+                <a:noFill/>
+              </a:ln>
+              <a:solidFill>
+                <a:schemeClr val="tx1"/>
+              </a:solidFill>
+              <a:effectLst/>
+              <a:latin typeface="+mn-lt"/>
+              <a:ea typeface="ＭＳ Ｐゴシック" charset="0"/>
+            </a:endParaRPr>
+          </a:p>
+        </p:txBody>
+      </p:sp>
+      <p:sp>
+        <p:nvSpPr>
+          <p:cNvPr id="24" name="Rectangle 23">
+            <a:extLst>
+              <a:ext uri="{FF2B5EF4-FFF2-40B4-BE49-F238E27FC236}">
+                <a16:creationId xmlns:a16="http://schemas.microsoft.com/office/drawing/2014/main" id="{A6894FD0-0B77-CB55-982C-1EA3D769AB8B}"/>
+              </a:ext>
+            </a:extLst>
+          </p:cNvPr>
+          <p:cNvSpPr/>
+          <p:nvPr/>
+        </p:nvSpPr>
+        <p:spPr bwMode="auto">
+          <a:xfrm>
+            <a:off x="4551340" y="3264660"/>
+            <a:ext cx="2504030" cy="507355"/>
+          </a:xfrm>
+          <a:prstGeom prst="rect">
+            <a:avLst/>
+          </a:prstGeom>
+          <a:solidFill>
+            <a:srgbClr val="9DC3E7"/>
+          </a:solidFill>
+          <a:ln w="9525" cap="flat" cmpd="sng" algn="ctr">
+            <a:solidFill>
+              <a:schemeClr val="tx1"/>
+            </a:solidFill>
+            <a:prstDash val="solid"/>
+            <a:round/>
+            <a:headEnd type="none" w="med" len="med"/>
+            <a:tailEnd type="none" w="med" len="med"/>
+          </a:ln>
+          <a:effectLst/>
+          <a:extLst>
+            <a:ext uri="{AF507438-7753-43e0-B8FC-AC1667EBCBE1}">
+              <a14:hiddenEffects xmlns="" xmlns:a14="http://schemas.microsoft.com/office/drawing/2010/main">
+                <a:effectLst>
+                  <a:outerShdw blurRad="63500" dist="38099" dir="2700000" algn="ctr" rotWithShape="0">
+                    <a:schemeClr val="bg2">
+                      <a:alpha val="74998"/>
+                    </a:schemeClr>
+                  </a:outerShdw>
+                </a:effectLst>
+              </a14:hiddenEffects>
+            </a:ext>
+          </a:extLst>
+        </p:spPr>
+        <p:txBody>
+          <a:bodyPr vert="horz" wrap="none" lIns="91440" tIns="45720" rIns="91440" bIns="45720" numCol="1" rtlCol="0" anchor="ctr" anchorCtr="0" compatLnSpc="1">
+            <a:prstTxWarp prst="textNoShape">
+              <a:avLst/>
+            </a:prstTxWarp>
+          </a:bodyPr>
+          <a:lstStyle/>
+          <a:p>
+            <a:pPr marL="0" marR="0" indent="0" algn="ctr" defTabSz="914400" rtl="0" eaLnBrk="1" fontAlgn="base" latinLnBrk="0" hangingPunct="1">
+              <a:lnSpc>
+                <a:spcPct val="100000"/>
+              </a:lnSpc>
+              <a:spcBef>
+                <a:spcPct val="0"/>
+              </a:spcBef>
+              <a:spcAft>
+                <a:spcPct val="0"/>
+              </a:spcAft>
+              <a:buClrTx/>
+              <a:buSzTx/>
+              <a:buFontTx/>
+              <a:buNone/>
+              <a:tabLst/>
+            </a:pPr>
+            <a:r>
+              <a:rPr lang="en-US" dirty="0">
+                <a:latin typeface="+mn-lt"/>
+                <a:ea typeface="ＭＳ Ｐゴシック" charset="0"/>
+              </a:rPr>
+              <a:t>type </a:t>
+            </a:r>
+            <a:r>
+              <a:rPr lang="en-US" dirty="0" err="1">
+                <a:latin typeface="+mn-lt"/>
+                <a:ea typeface="ＭＳ Ｐゴシック" charset="0"/>
+              </a:rPr>
+              <a:t>ClusterIP</a:t>
+            </a:r>
+            <a:endParaRPr kumimoji="0" lang="en-US" b="0" i="0" u="none" strike="noStrike" cap="none" normalizeH="0" baseline="0" dirty="0">
+              <a:ln>
+                <a:noFill/>
+              </a:ln>
+              <a:solidFill>
+                <a:schemeClr val="tx1"/>
+              </a:solidFill>
+              <a:effectLst/>
+              <a:latin typeface="+mn-lt"/>
+              <a:ea typeface="ＭＳ Ｐゴシック" charset="0"/>
+            </a:endParaRPr>
+          </a:p>
+        </p:txBody>
+      </p:sp>
+      <p:sp>
+        <p:nvSpPr>
+          <p:cNvPr id="25" name="Rectangle 24">
+            <a:extLst>
+              <a:ext uri="{FF2B5EF4-FFF2-40B4-BE49-F238E27FC236}">
+                <a16:creationId xmlns:a16="http://schemas.microsoft.com/office/drawing/2014/main" id="{CB9CADEA-DA44-DE65-4991-0CD51699AD0D}"/>
+              </a:ext>
+            </a:extLst>
+          </p:cNvPr>
+          <p:cNvSpPr/>
+          <p:nvPr/>
+        </p:nvSpPr>
+        <p:spPr bwMode="auto">
+          <a:xfrm>
+            <a:off x="4551340" y="4598569"/>
+            <a:ext cx="2519020" cy="507355"/>
+          </a:xfrm>
+          <a:prstGeom prst="rect">
+            <a:avLst/>
+          </a:prstGeom>
+          <a:solidFill>
+            <a:srgbClr val="9DC3E7"/>
+          </a:solidFill>
+          <a:ln w="9525" cap="flat" cmpd="sng" algn="ctr">
+            <a:solidFill>
+              <a:schemeClr val="tx1"/>
+            </a:solidFill>
+            <a:prstDash val="solid"/>
+            <a:round/>
+            <a:headEnd type="none" w="med" len="med"/>
+            <a:tailEnd type="none" w="med" len="med"/>
+          </a:ln>
+          <a:effectLst/>
+          <a:extLst>
+            <a:ext uri="{AF507438-7753-43e0-B8FC-AC1667EBCBE1}">
+              <a14:hiddenEffects xmlns="" xmlns:a14="http://schemas.microsoft.com/office/drawing/2010/main">
+                <a:effectLst>
+                  <a:outerShdw blurRad="63500" dist="38099" dir="2700000" algn="ctr" rotWithShape="0">
+                    <a:schemeClr val="bg2">
+                      <a:alpha val="74998"/>
+                    </a:schemeClr>
+                  </a:outerShdw>
+                </a:effectLst>
+              </a14:hiddenEffects>
+            </a:ext>
+          </a:extLst>
+        </p:spPr>
+        <p:txBody>
+          <a:bodyPr vert="horz" wrap="none" lIns="91440" tIns="45720" rIns="91440" bIns="45720" numCol="1" rtlCol="0" anchor="ctr" anchorCtr="0" compatLnSpc="1">
+            <a:prstTxWarp prst="textNoShape">
+              <a:avLst/>
+            </a:prstTxWarp>
+          </a:bodyPr>
+          <a:lstStyle/>
+          <a:p>
+            <a:pPr marL="0" marR="0" indent="0" algn="ctr" defTabSz="914400" rtl="0" eaLnBrk="1" fontAlgn="base" latinLnBrk="0" hangingPunct="1">
+              <a:lnSpc>
+                <a:spcPct val="100000"/>
+              </a:lnSpc>
+              <a:spcBef>
+                <a:spcPct val="0"/>
+              </a:spcBef>
+              <a:spcAft>
+                <a:spcPct val="0"/>
+              </a:spcAft>
+              <a:buClrTx/>
+              <a:buSzTx/>
+              <a:buFontTx/>
+              <a:buNone/>
+              <a:tabLst/>
+            </a:pPr>
+            <a:r>
+              <a:rPr lang="en-US" dirty="0">
+                <a:latin typeface="+mn-lt"/>
+                <a:ea typeface="ＭＳ Ｐゴシック" charset="0"/>
+              </a:rPr>
+              <a:t>type </a:t>
+            </a:r>
+            <a:r>
+              <a:rPr lang="en-US" dirty="0" err="1">
+                <a:latin typeface="+mn-lt"/>
+                <a:ea typeface="ＭＳ Ｐゴシック" charset="0"/>
+              </a:rPr>
+              <a:t>LoadBalancer</a:t>
+            </a:r>
+            <a:endParaRPr kumimoji="0" lang="en-US" b="0" i="0" u="none" strike="noStrike" cap="none" normalizeH="0" baseline="0" dirty="0">
+              <a:ln>
+                <a:noFill/>
+              </a:ln>
+              <a:solidFill>
+                <a:schemeClr val="tx1"/>
+              </a:solidFill>
+              <a:effectLst/>
+              <a:latin typeface="+mn-lt"/>
+              <a:ea typeface="ＭＳ Ｐゴシック" charset="0"/>
+            </a:endParaRPr>
+          </a:p>
+        </p:txBody>
+      </p:sp>
+      <p:sp>
+        <p:nvSpPr>
+          <p:cNvPr id="26" name="Rectangle 25">
+            <a:extLst>
+              <a:ext uri="{FF2B5EF4-FFF2-40B4-BE49-F238E27FC236}">
+                <a16:creationId xmlns:a16="http://schemas.microsoft.com/office/drawing/2014/main" id="{C417DAFA-5A0C-4BA7-713C-3808160D895C}"/>
+              </a:ext>
+            </a:extLst>
+          </p:cNvPr>
+          <p:cNvSpPr/>
+          <p:nvPr/>
+        </p:nvSpPr>
+        <p:spPr bwMode="auto">
+          <a:xfrm>
+            <a:off x="7721754" y="2405334"/>
+            <a:ext cx="2948403" cy="3082790"/>
+          </a:xfrm>
+          <a:prstGeom prst="rect">
+            <a:avLst/>
+          </a:prstGeom>
+          <a:solidFill>
+            <a:schemeClr val="accent6">
+              <a:lumMod val="40000"/>
+              <a:lumOff val="60000"/>
+            </a:schemeClr>
+          </a:solidFill>
+          <a:ln w="9525" cap="flat" cmpd="sng" algn="ctr">
+            <a:solidFill>
+              <a:schemeClr val="tx1"/>
+            </a:solidFill>
+            <a:prstDash val="solid"/>
+            <a:round/>
+            <a:headEnd type="none" w="med" len="med"/>
+            <a:tailEnd type="none" w="med" len="med"/>
+          </a:ln>
+          <a:effectLst/>
+          <a:extLst>
+            <a:ext uri="{AF507438-7753-43e0-B8FC-AC1667EBCBE1}">
+              <a14:hiddenEffects xmlns="" xmlns:a14="http://schemas.microsoft.com/office/drawing/2010/main">
+                <a:effectLst>
+                  <a:outerShdw blurRad="63500" dist="38099" dir="2700000" algn="ctr" rotWithShape="0">
+                    <a:schemeClr val="bg2">
+                      <a:alpha val="74998"/>
+                    </a:schemeClr>
+                  </a:outerShdw>
+                </a:effectLst>
+              </a14:hiddenEffects>
+            </a:ext>
+          </a:extLst>
+        </p:spPr>
+        <p:txBody>
+          <a:bodyPr vert="horz" wrap="none" lIns="91440" tIns="45720" rIns="91440" bIns="45720" numCol="1" rtlCol="0" anchor="t" anchorCtr="0" compatLnSpc="1">
+            <a:prstTxWarp prst="textNoShape">
+              <a:avLst/>
+            </a:prstTxWarp>
+          </a:bodyPr>
+          <a:lstStyle/>
+          <a:p>
+            <a:pPr marL="0" marR="0" indent="0" algn="ctr" defTabSz="914400" rtl="0" eaLnBrk="1" fontAlgn="base" latinLnBrk="0" hangingPunct="1">
+              <a:lnSpc>
+                <a:spcPct val="100000"/>
+              </a:lnSpc>
+              <a:spcBef>
+                <a:spcPct val="0"/>
+              </a:spcBef>
+              <a:spcAft>
+                <a:spcPct val="0"/>
+              </a:spcAft>
+              <a:buClrTx/>
+              <a:buSzTx/>
+              <a:buFontTx/>
+              <a:buNone/>
+              <a:tabLst/>
+            </a:pPr>
+            <a:r>
+              <a:rPr lang="en-US" dirty="0">
+                <a:latin typeface="+mn-lt"/>
+                <a:ea typeface="ＭＳ Ｐゴシック" charset="0"/>
+              </a:rPr>
+              <a:t>Kubernetes</a:t>
+            </a:r>
+            <a:br>
+              <a:rPr lang="en-US" dirty="0">
+                <a:latin typeface="+mn-lt"/>
+                <a:ea typeface="ＭＳ Ｐゴシック" charset="0"/>
+              </a:rPr>
+            </a:br>
+            <a:r>
+              <a:rPr lang="en-US" dirty="0">
+                <a:latin typeface="+mn-lt"/>
+                <a:ea typeface="ＭＳ Ｐゴシック" charset="0"/>
+              </a:rPr>
+              <a:t>Ingress</a:t>
+            </a:r>
+          </a:p>
+        </p:txBody>
+      </p:sp>
+      <p:sp>
+        <p:nvSpPr>
+          <p:cNvPr id="42" name="Rectangle 41">
+            <a:extLst>
+              <a:ext uri="{FF2B5EF4-FFF2-40B4-BE49-F238E27FC236}">
+                <a16:creationId xmlns:a16="http://schemas.microsoft.com/office/drawing/2014/main" id="{94E8F392-F59B-2A26-184F-876C33ADD200}"/>
+              </a:ext>
+            </a:extLst>
+          </p:cNvPr>
+          <p:cNvSpPr/>
+          <p:nvPr/>
+        </p:nvSpPr>
+        <p:spPr bwMode="auto">
+          <a:xfrm>
+            <a:off x="7943940" y="3905515"/>
+            <a:ext cx="2504030" cy="489688"/>
+          </a:xfrm>
+          <a:prstGeom prst="rect">
+            <a:avLst/>
+          </a:prstGeom>
+          <a:solidFill>
+            <a:srgbClr val="9DC3E7"/>
+          </a:solidFill>
+          <a:ln w="9525" cap="flat" cmpd="sng" algn="ctr">
+            <a:solidFill>
+              <a:schemeClr val="tx1"/>
+            </a:solidFill>
+            <a:prstDash val="solid"/>
+            <a:round/>
+            <a:headEnd type="none" w="med" len="med"/>
+            <a:tailEnd type="none" w="med" len="med"/>
+          </a:ln>
+          <a:effectLst/>
+          <a:extLst>
+            <a:ext uri="{AF507438-7753-43e0-B8FC-AC1667EBCBE1}">
+              <a14:hiddenEffects xmlns="" xmlns:a14="http://schemas.microsoft.com/office/drawing/2010/main">
+                <a:effectLst>
+                  <a:outerShdw blurRad="63500" dist="38099" dir="2700000" algn="ctr" rotWithShape="0">
+                    <a:schemeClr val="bg2">
+                      <a:alpha val="74998"/>
+                    </a:schemeClr>
+                  </a:outerShdw>
+                </a:effectLst>
+              </a14:hiddenEffects>
+            </a:ext>
+          </a:extLst>
+        </p:spPr>
+        <p:txBody>
+          <a:bodyPr vert="horz" wrap="none" lIns="91440" tIns="45720" rIns="91440" bIns="45720" numCol="1" rtlCol="0" anchor="ctr" anchorCtr="0" compatLnSpc="1">
+            <a:prstTxWarp prst="textNoShape">
+              <a:avLst/>
+            </a:prstTxWarp>
+          </a:bodyPr>
+          <a:lstStyle/>
+          <a:p>
+            <a:pPr marL="0" marR="0" indent="0" algn="ctr" defTabSz="914400" rtl="0" eaLnBrk="1" fontAlgn="base" latinLnBrk="0" hangingPunct="1">
+              <a:lnSpc>
+                <a:spcPct val="100000"/>
+              </a:lnSpc>
+              <a:spcBef>
+                <a:spcPct val="0"/>
+              </a:spcBef>
+              <a:spcAft>
+                <a:spcPct val="0"/>
+              </a:spcAft>
+              <a:buClrTx/>
+              <a:buSzTx/>
+              <a:buFontTx/>
+              <a:buNone/>
+              <a:tabLst/>
+            </a:pPr>
+            <a:r>
+              <a:rPr kumimoji="0" lang="en-US" b="0" i="0" u="none" strike="noStrike" cap="none" normalizeH="0" baseline="0" dirty="0">
+                <a:ln>
+                  <a:noFill/>
+                </a:ln>
+                <a:solidFill>
+                  <a:schemeClr val="tx1"/>
+                </a:solidFill>
+                <a:effectLst/>
+                <a:latin typeface="+mn-lt"/>
+                <a:ea typeface="ＭＳ Ｐゴシック" charset="0"/>
+              </a:rPr>
+              <a:t>Routing Rules</a:t>
+            </a:r>
+          </a:p>
+        </p:txBody>
+      </p:sp>
+      <p:sp>
+        <p:nvSpPr>
+          <p:cNvPr id="43" name="Rectangle 42">
+            <a:extLst>
+              <a:ext uri="{FF2B5EF4-FFF2-40B4-BE49-F238E27FC236}">
+                <a16:creationId xmlns:a16="http://schemas.microsoft.com/office/drawing/2014/main" id="{D3EC35C5-AFB9-EB0A-7834-0CF39B9E6ABF}"/>
+              </a:ext>
+            </a:extLst>
+          </p:cNvPr>
+          <p:cNvSpPr/>
+          <p:nvPr/>
+        </p:nvSpPr>
+        <p:spPr bwMode="auto">
+          <a:xfrm>
+            <a:off x="7951268" y="3231889"/>
+            <a:ext cx="2504030" cy="489688"/>
+          </a:xfrm>
+          <a:prstGeom prst="rect">
+            <a:avLst/>
+          </a:prstGeom>
+          <a:solidFill>
+            <a:srgbClr val="9DC3E7"/>
+          </a:solidFill>
+          <a:ln w="9525" cap="flat" cmpd="sng" algn="ctr">
+            <a:solidFill>
+              <a:schemeClr val="tx1"/>
+            </a:solidFill>
+            <a:prstDash val="solid"/>
+            <a:round/>
+            <a:headEnd type="none" w="med" len="med"/>
+            <a:tailEnd type="none" w="med" len="med"/>
+          </a:ln>
+          <a:effectLst/>
+          <a:extLst>
+            <a:ext uri="{AF507438-7753-43e0-B8FC-AC1667EBCBE1}">
+              <a14:hiddenEffects xmlns="" xmlns:a14="http://schemas.microsoft.com/office/drawing/2010/main">
+                <a:effectLst>
+                  <a:outerShdw blurRad="63500" dist="38099" dir="2700000" algn="ctr" rotWithShape="0">
+                    <a:schemeClr val="bg2">
+                      <a:alpha val="74998"/>
+                    </a:schemeClr>
+                  </a:outerShdw>
+                </a:effectLst>
+              </a14:hiddenEffects>
+            </a:ext>
+          </a:extLst>
+        </p:spPr>
+        <p:txBody>
+          <a:bodyPr vert="horz" wrap="none" lIns="91440" tIns="45720" rIns="91440" bIns="45720" numCol="1" rtlCol="0" anchor="ctr" anchorCtr="0" compatLnSpc="1">
+            <a:prstTxWarp prst="textNoShape">
+              <a:avLst/>
+            </a:prstTxWarp>
+          </a:bodyPr>
+          <a:lstStyle/>
+          <a:p>
+            <a:pPr marL="0" marR="0" indent="0" algn="ctr" defTabSz="914400" rtl="0" eaLnBrk="1" fontAlgn="base" latinLnBrk="0" hangingPunct="1">
+              <a:lnSpc>
+                <a:spcPct val="100000"/>
+              </a:lnSpc>
+              <a:spcBef>
+                <a:spcPct val="0"/>
+              </a:spcBef>
+              <a:spcAft>
+                <a:spcPct val="0"/>
+              </a:spcAft>
+              <a:buClrTx/>
+              <a:buSzTx/>
+              <a:buFontTx/>
+              <a:buNone/>
+              <a:tabLst/>
+            </a:pPr>
+            <a:r>
+              <a:rPr kumimoji="0" lang="en-US" b="0" i="0" u="none" strike="noStrike" cap="none" normalizeH="0" baseline="0" dirty="0">
+                <a:ln>
+                  <a:noFill/>
+                </a:ln>
+                <a:solidFill>
+                  <a:schemeClr val="tx1"/>
+                </a:solidFill>
+                <a:effectLst/>
+                <a:latin typeface="+mn-lt"/>
+                <a:ea typeface="ＭＳ Ｐゴシック" charset="0"/>
+              </a:rPr>
+              <a:t>Inbound Ingress </a:t>
+            </a:r>
+            <a:br>
+              <a:rPr kumimoji="0" lang="en-US" b="0" i="0" u="none" strike="noStrike" cap="none" normalizeH="0" baseline="0" dirty="0">
+                <a:ln>
+                  <a:noFill/>
+                </a:ln>
+                <a:solidFill>
+                  <a:schemeClr val="tx1"/>
+                </a:solidFill>
+                <a:effectLst/>
+                <a:latin typeface="+mn-lt"/>
+                <a:ea typeface="ＭＳ Ｐゴシック" charset="0"/>
+              </a:rPr>
+            </a:br>
+            <a:r>
+              <a:rPr kumimoji="0" lang="en-US" b="0" i="0" u="none" strike="noStrike" cap="none" normalizeH="0" baseline="0" dirty="0">
+                <a:ln>
+                  <a:noFill/>
+                </a:ln>
+                <a:solidFill>
+                  <a:schemeClr val="tx1"/>
+                </a:solidFill>
+                <a:effectLst/>
+                <a:latin typeface="+mn-lt"/>
+                <a:ea typeface="ＭＳ Ｐゴシック" charset="0"/>
+              </a:rPr>
+              <a:t>Rules</a:t>
+            </a:r>
+          </a:p>
+        </p:txBody>
+      </p:sp>
+      <p:sp>
+        <p:nvSpPr>
+          <p:cNvPr id="45" name="Rectangle 44">
+            <a:extLst>
+              <a:ext uri="{FF2B5EF4-FFF2-40B4-BE49-F238E27FC236}">
+                <a16:creationId xmlns:a16="http://schemas.microsoft.com/office/drawing/2014/main" id="{89066AB8-4177-8ED5-01FC-9EA52E72D85E}"/>
+              </a:ext>
+            </a:extLst>
+          </p:cNvPr>
+          <p:cNvSpPr/>
+          <p:nvPr/>
+        </p:nvSpPr>
+        <p:spPr bwMode="auto">
+          <a:xfrm>
+            <a:off x="7951268" y="4596978"/>
+            <a:ext cx="2504030" cy="489688"/>
+          </a:xfrm>
+          <a:prstGeom prst="rect">
+            <a:avLst/>
+          </a:prstGeom>
+          <a:solidFill>
+            <a:srgbClr val="9DC3E7"/>
+          </a:solidFill>
+          <a:ln w="9525" cap="flat" cmpd="sng" algn="ctr">
+            <a:solidFill>
+              <a:schemeClr val="tx1"/>
+            </a:solidFill>
+            <a:prstDash val="solid"/>
+            <a:round/>
+            <a:headEnd type="none" w="med" len="med"/>
+            <a:tailEnd type="none" w="med" len="med"/>
+          </a:ln>
+          <a:effectLst/>
+          <a:extLst>
+            <a:ext uri="{AF507438-7753-43e0-B8FC-AC1667EBCBE1}">
+              <a14:hiddenEffects xmlns="" xmlns:a14="http://schemas.microsoft.com/office/drawing/2010/main">
+                <a:effectLst>
+                  <a:outerShdw blurRad="63500" dist="38099" dir="2700000" algn="ctr" rotWithShape="0">
+                    <a:schemeClr val="bg2">
+                      <a:alpha val="74998"/>
+                    </a:schemeClr>
+                  </a:outerShdw>
+                </a:effectLst>
+              </a14:hiddenEffects>
+            </a:ext>
+          </a:extLst>
+        </p:spPr>
+        <p:txBody>
+          <a:bodyPr vert="horz" wrap="none" lIns="91440" tIns="45720" rIns="91440" bIns="45720" numCol="1" rtlCol="0" anchor="ctr" anchorCtr="0" compatLnSpc="1">
+            <a:prstTxWarp prst="textNoShape">
+              <a:avLst/>
+            </a:prstTxWarp>
+          </a:bodyPr>
+          <a:lstStyle/>
+          <a:p>
+            <a:pPr marL="0" marR="0" indent="0" algn="ctr" defTabSz="914400" rtl="0" eaLnBrk="1" fontAlgn="base" latinLnBrk="0" hangingPunct="1">
+              <a:lnSpc>
+                <a:spcPct val="100000"/>
+              </a:lnSpc>
+              <a:spcBef>
+                <a:spcPct val="0"/>
+              </a:spcBef>
+              <a:spcAft>
+                <a:spcPct val="0"/>
+              </a:spcAft>
+              <a:buClrTx/>
+              <a:buSzTx/>
+              <a:buFontTx/>
+              <a:buNone/>
+              <a:tabLst/>
+            </a:pPr>
+            <a:r>
+              <a:rPr kumimoji="0" lang="en-US" b="0" i="0" u="none" strike="noStrike" cap="none" normalizeH="0" baseline="0" dirty="0">
+                <a:ln>
+                  <a:noFill/>
+                </a:ln>
+                <a:solidFill>
+                  <a:schemeClr val="tx1"/>
+                </a:solidFill>
+                <a:effectLst/>
+                <a:latin typeface="+mn-lt"/>
+                <a:ea typeface="ＭＳ Ｐゴシック" charset="0"/>
+              </a:rPr>
+              <a:t>Firewall/Security</a:t>
+            </a:r>
+            <a:br>
+              <a:rPr kumimoji="0" lang="en-US" b="0" i="0" u="none" strike="noStrike" cap="none" normalizeH="0" baseline="0" dirty="0">
+                <a:ln>
+                  <a:noFill/>
+                </a:ln>
+                <a:solidFill>
+                  <a:schemeClr val="tx1"/>
+                </a:solidFill>
+                <a:effectLst/>
+                <a:latin typeface="+mn-lt"/>
+                <a:ea typeface="ＭＳ Ｐゴシック" charset="0"/>
+              </a:rPr>
+            </a:br>
+            <a:r>
+              <a:rPr kumimoji="0" lang="en-US" b="0" i="0" u="none" strike="noStrike" cap="none" normalizeH="0" baseline="0" dirty="0">
+                <a:ln>
+                  <a:noFill/>
+                </a:ln>
+                <a:solidFill>
+                  <a:schemeClr val="tx1"/>
+                </a:solidFill>
+                <a:effectLst/>
+                <a:latin typeface="+mn-lt"/>
+                <a:ea typeface="ＭＳ Ｐゴシック" charset="0"/>
+              </a:rPr>
+              <a:t>Rules</a:t>
+            </a:r>
+          </a:p>
+        </p:txBody>
+      </p:sp>
+    </p:spTree>
+    <p:extLst>
+      <p:ext uri="{BB962C8B-B14F-4D97-AF65-F5344CB8AC3E}">
+        <p14:creationId xmlns:p14="http://schemas.microsoft.com/office/powerpoint/2010/main" val="3011685888"/>
       </p:ext>
     </p:extLst>
   </p:cSld>

--- a/lectures/m7LinuxDockerK8sArchitecture.pptx
+++ b/lectures/m7LinuxDockerK8sArchitecture.pptx
@@ -38220,57 +38220,275 @@
           <a:p>
             <a:r>
               <a:rPr lang="en-US" dirty="0"/>
-              <a:t>How you should think about this lecture and the remainder of the lectures in this class</a:t>
-            </a:r>
-          </a:p>
-        </p:txBody>
-      </p:sp>
-      <p:sp>
-        <p:nvSpPr>
-          <p:cNvPr id="680963" name="Rectangle 3" descr="Rectangle: Click to edit Master text styles&#10;Second level&#10;Third level&#10;Fourth level&#10;Fifth level"/>
-          <p:cNvSpPr>
-            <a:spLocks noGrp="1" noChangeArrowheads="1"/>
-          </p:cNvSpPr>
+              <a:t>REST Frameworks We Looked At, or I used in my web services </a:t>
+            </a:r>
+            <a:r>
+              <a:rPr lang="en-US"/>
+              <a:t>REPO – you can google them</a:t>
+            </a:r>
+            <a:endParaRPr lang="en-US" dirty="0"/>
+          </a:p>
+        </p:txBody>
+      </p:sp>
+      <p:graphicFrame>
+        <p:nvGraphicFramePr>
+          <p:cNvPr id="5" name="Table 5">
+            <a:extLst>
+              <a:ext uri="{FF2B5EF4-FFF2-40B4-BE49-F238E27FC236}">
+                <a16:creationId xmlns:a16="http://schemas.microsoft.com/office/drawing/2014/main" id="{CD66D93E-75C6-5CD4-6B37-0A26B65B8725}"/>
+              </a:ext>
+            </a:extLst>
+          </p:cNvPr>
+          <p:cNvGraphicFramePr>
+            <a:graphicFrameLocks noGrp="1"/>
+          </p:cNvGraphicFramePr>
           <p:nvPr>
-            <p:ph type="body" idx="1"/>
+            <p:extLst>
+              <p:ext uri="{D42A27DB-BD31-4B8C-83A1-F6EECF244321}">
+                <p14:modId xmlns:p14="http://schemas.microsoft.com/office/powerpoint/2010/main" val="3238346677"/>
+              </p:ext>
+            </p:extLst>
           </p:nvPr>
-        </p:nvSpPr>
-        <p:spPr>
-          <a:xfrm>
-            <a:off x="1083564" y="1607668"/>
-            <a:ext cx="10024872" cy="4114800"/>
-          </a:xfrm>
-        </p:spPr>
-        <p:txBody>
-          <a:bodyPr/>
-          <a:lstStyle/>
-          <a:p>
-            <a:r>
-              <a:rPr lang="en-US" sz="2400" dirty="0"/>
-              <a:t>We will be looking at real world things that have very interesting architectures</a:t>
-            </a:r>
-          </a:p>
-          <a:p>
-            <a:r>
-              <a:rPr lang="en-US" sz="2400" dirty="0"/>
-              <a:t>You might be thinking as I introduce and walk through some of the material – “Isn't this an architecture class?” – It is, but to get to some of the interesting aspects of the architecture, tradeoffs, constraints, </a:t>
-            </a:r>
-            <a:r>
-              <a:rPr lang="en-US" sz="2400" dirty="0" err="1"/>
-              <a:t>etc</a:t>
-            </a:r>
-            <a:r>
-              <a:rPr lang="en-US" sz="2400" dirty="0"/>
-              <a:t> – we need to have a fundamental understanding of the technology itself</a:t>
-            </a:r>
-            <a:endParaRPr lang="en-US" sz="2000" dirty="0"/>
-          </a:p>
-          <a:p>
-            <a:pPr lvl="1"/>
-            <a:endParaRPr lang="en-US" sz="2000" dirty="0"/>
-          </a:p>
-        </p:txBody>
-      </p:sp>
+        </p:nvGraphicFramePr>
+        <p:xfrm>
+          <a:off x="2188563" y="2301875"/>
+          <a:ext cx="7315200" cy="2254250"/>
+        </p:xfrm>
+        <a:graphic>
+          <a:graphicData uri="http://schemas.openxmlformats.org/drawingml/2006/table">
+            <a:tbl>
+              <a:tblPr firstRow="1" bandRow="1">
+                <a:tableStyleId>{5C22544A-7EE6-4342-B048-85BDC9FD1C3A}</a:tableStyleId>
+              </a:tblPr>
+              <a:tblGrid>
+                <a:gridCol w="3657600">
+                  <a:extLst>
+                    <a:ext uri="{9D8B030D-6E8A-4147-A177-3AD203B41FA5}">
+                      <a16:colId xmlns:a16="http://schemas.microsoft.com/office/drawing/2014/main" val="3359715941"/>
+                    </a:ext>
+                  </a:extLst>
+                </a:gridCol>
+                <a:gridCol w="3657600">
+                  <a:extLst>
+                    <a:ext uri="{9D8B030D-6E8A-4147-A177-3AD203B41FA5}">
+                      <a16:colId xmlns:a16="http://schemas.microsoft.com/office/drawing/2014/main" val="3454168349"/>
+                    </a:ext>
+                  </a:extLst>
+                </a:gridCol>
+              </a:tblGrid>
+              <a:tr h="0">
+                <a:tc>
+                  <a:txBody>
+                    <a:bodyPr/>
+                    <a:lstStyle/>
+                    <a:p>
+                      <a:r>
+                        <a:rPr lang="en-US" dirty="0"/>
+                        <a:t>Language</a:t>
+                      </a:r>
+                    </a:p>
+                  </a:txBody>
+                  <a:tcPr/>
+                </a:tc>
+                <a:tc>
+                  <a:txBody>
+                    <a:bodyPr/>
+                    <a:lstStyle/>
+                    <a:p>
+                      <a:r>
+                        <a:rPr lang="en-US" dirty="0"/>
+                        <a:t>Framework</a:t>
+                      </a:r>
+                    </a:p>
+                  </a:txBody>
+                  <a:tcPr/>
+                </a:tc>
+                <a:extLst>
+                  <a:ext uri="{0D108BD9-81ED-4DB2-BD59-A6C34878D82A}">
+                    <a16:rowId xmlns:a16="http://schemas.microsoft.com/office/drawing/2014/main" val="3614568135"/>
+                  </a:ext>
+                </a:extLst>
+              </a:tr>
+              <a:tr h="370840">
+                <a:tc>
+                  <a:txBody>
+                    <a:bodyPr/>
+                    <a:lstStyle/>
+                    <a:p>
+                      <a:r>
+                        <a:rPr lang="en-US" sz="1600" dirty="0" err="1"/>
+                        <a:t>Javascript</a:t>
+                      </a:r>
+                      <a:r>
+                        <a:rPr lang="en-US" sz="1600" dirty="0"/>
+                        <a:t>/Typescript</a:t>
+                      </a:r>
+                    </a:p>
+                  </a:txBody>
+                  <a:tcPr/>
+                </a:tc>
+                <a:tc>
+                  <a:txBody>
+                    <a:bodyPr/>
+                    <a:lstStyle/>
+                    <a:p>
+                      <a:r>
+                        <a:rPr lang="en-US" sz="1600" dirty="0" err="1"/>
+                        <a:t>Fastify</a:t>
+                      </a:r>
+                      <a:endParaRPr lang="en-US" sz="1600" dirty="0"/>
+                    </a:p>
+                  </a:txBody>
+                  <a:tcPr/>
+                </a:tc>
+                <a:extLst>
+                  <a:ext uri="{0D108BD9-81ED-4DB2-BD59-A6C34878D82A}">
+                    <a16:rowId xmlns:a16="http://schemas.microsoft.com/office/drawing/2014/main" val="3347833511"/>
+                  </a:ext>
+                </a:extLst>
+              </a:tr>
+              <a:tr h="370840">
+                <a:tc>
+                  <a:txBody>
+                    <a:bodyPr/>
+                    <a:lstStyle/>
+                    <a:p>
+                      <a:r>
+                        <a:rPr lang="en-US" sz="1600" dirty="0" err="1"/>
+                        <a:t>Javascript</a:t>
+                      </a:r>
+                      <a:r>
+                        <a:rPr lang="en-US" sz="1600" dirty="0"/>
+                        <a:t>/Typescript</a:t>
+                      </a:r>
+                    </a:p>
+                  </a:txBody>
+                  <a:tcPr/>
+                </a:tc>
+                <a:tc>
+                  <a:txBody>
+                    <a:bodyPr/>
+                    <a:lstStyle/>
+                    <a:p>
+                      <a:r>
+                        <a:rPr lang="en-US" sz="1600" dirty="0"/>
+                        <a:t>Koa</a:t>
+                      </a:r>
+                    </a:p>
+                  </a:txBody>
+                  <a:tcPr/>
+                </a:tc>
+                <a:extLst>
+                  <a:ext uri="{0D108BD9-81ED-4DB2-BD59-A6C34878D82A}">
+                    <a16:rowId xmlns:a16="http://schemas.microsoft.com/office/drawing/2014/main" val="2281893725"/>
+                  </a:ext>
+                </a:extLst>
+              </a:tr>
+              <a:tr h="370840">
+                <a:tc>
+                  <a:txBody>
+                    <a:bodyPr/>
+                    <a:lstStyle/>
+                    <a:p>
+                      <a:r>
+                        <a:rPr lang="en-US" sz="1600" dirty="0"/>
+                        <a:t>Go</a:t>
+                      </a:r>
+                    </a:p>
+                  </a:txBody>
+                  <a:tcPr/>
+                </a:tc>
+                <a:tc>
+                  <a:txBody>
+                    <a:bodyPr/>
+                    <a:lstStyle/>
+                    <a:p>
+                      <a:r>
+                        <a:rPr lang="en-US" sz="1600" dirty="0"/>
+                        <a:t>Gin</a:t>
+                      </a:r>
+                    </a:p>
+                  </a:txBody>
+                  <a:tcPr/>
+                </a:tc>
+                <a:extLst>
+                  <a:ext uri="{0D108BD9-81ED-4DB2-BD59-A6C34878D82A}">
+                    <a16:rowId xmlns:a16="http://schemas.microsoft.com/office/drawing/2014/main" val="3376118227"/>
+                  </a:ext>
+                </a:extLst>
+              </a:tr>
+              <a:tr h="370840">
+                <a:tc>
+                  <a:txBody>
+                    <a:bodyPr/>
+                    <a:lstStyle/>
+                    <a:p>
+                      <a:r>
+                        <a:rPr lang="en-US" sz="1600" dirty="0"/>
+                        <a:t>Kotlin</a:t>
+                      </a:r>
+                    </a:p>
+                  </a:txBody>
+                  <a:tcPr/>
+                </a:tc>
+                <a:tc>
+                  <a:txBody>
+                    <a:bodyPr/>
+                    <a:lstStyle/>
+                    <a:p>
+                      <a:r>
+                        <a:rPr lang="en-US" sz="1600" dirty="0" err="1"/>
+                        <a:t>Ktor</a:t>
+                      </a:r>
+                      <a:endParaRPr lang="en-US" sz="1600" dirty="0"/>
+                    </a:p>
+                  </a:txBody>
+                  <a:tcPr/>
+                </a:tc>
+                <a:extLst>
+                  <a:ext uri="{0D108BD9-81ED-4DB2-BD59-A6C34878D82A}">
+                    <a16:rowId xmlns:a16="http://schemas.microsoft.com/office/drawing/2014/main" val="499976803"/>
+                  </a:ext>
+                </a:extLst>
+              </a:tr>
+              <a:tr h="370840">
+                <a:tc>
+                  <a:txBody>
+                    <a:bodyPr/>
+                    <a:lstStyle/>
+                    <a:p>
+                      <a:r>
+                        <a:rPr lang="en-US" sz="1600" dirty="0"/>
+                        <a:t>Rust</a:t>
+                      </a:r>
+                    </a:p>
+                  </a:txBody>
+                  <a:tcPr/>
+                </a:tc>
+                <a:tc>
+                  <a:txBody>
+                    <a:bodyPr/>
+                    <a:lstStyle/>
+                    <a:p>
+                      <a:r>
+                        <a:rPr lang="en-US" sz="1600" dirty="0" err="1"/>
+                        <a:t>actix</a:t>
+                      </a:r>
+                      <a:endParaRPr lang="en-US" sz="1600" dirty="0"/>
+                    </a:p>
+                  </a:txBody>
+                  <a:tcPr/>
+                </a:tc>
+                <a:extLst>
+                  <a:ext uri="{0D108BD9-81ED-4DB2-BD59-A6C34878D82A}">
+                    <a16:rowId xmlns:a16="http://schemas.microsoft.com/office/drawing/2014/main" val="888601015"/>
+                  </a:ext>
+                </a:extLst>
+              </a:tr>
+            </a:tbl>
+          </a:graphicData>
+        </a:graphic>
+      </p:graphicFrame>
     </p:spTree>
     <p:extLst>
       <p:ext uri="{BB962C8B-B14F-4D97-AF65-F5344CB8AC3E}">

--- a/lectures/m7LinuxDockerK8sArchitecture.pptx
+++ b/lectures/m7LinuxDockerK8sArchitecture.pptx
@@ -4397,22 +4397,7 @@
                   <a:srgbClr val="0070C0"/>
                 </a:solidFill>
               </a:rPr>
-              <a:t>SPA, API, Linux, Docker &amp; Kubernetes (k8s) Architecture</a:t>
-            </a:r>
-            <a:br>
-              <a:rPr lang="en-US" altLang="en-US" b="1" dirty="0">
-                <a:solidFill>
-                  <a:srgbClr val="0070C0"/>
-                </a:solidFill>
-              </a:rPr>
-            </a:br>
-            <a:r>
-              <a:rPr lang="en-US" altLang="en-US" b="1" dirty="0">
-                <a:solidFill>
-                  <a:srgbClr val="0070C0"/>
-                </a:solidFill>
-              </a:rPr>
-              <a:t>Primer</a:t>
+              <a:t>SPA, API, Linux, Docker, Docker Compose &amp; Kubernetes (k8s) Architecture Primer</a:t>
             </a:r>
             <a:endParaRPr lang="en-US" altLang="en-US" sz="2025" dirty="0">
               <a:solidFill>
@@ -5248,11 +5233,11 @@
               <a:tabLst/>
             </a:pPr>
             <a:r>
-              <a:rPr lang="en-US" dirty="0" err="1">
-                <a:latin typeface="+mn-lt"/>
-                <a:ea typeface="ＭＳ Ｐゴシック" charset="0"/>
-              </a:rPr>
-              <a:t>Applicaitons</a:t>
+              <a:rPr lang="en-US" dirty="0">
+                <a:latin typeface="+mn-lt"/>
+                <a:ea typeface="ＭＳ Ｐゴシック" charset="0"/>
+              </a:rPr>
+              <a:t>Applications</a:t>
             </a:r>
             <a:br>
               <a:rPr lang="en-US" dirty="0">
@@ -6811,7 +6796,7 @@
                 <a:latin typeface="+mn-lt"/>
                 <a:ea typeface="ＭＳ Ｐゴシック" charset="0"/>
               </a:rPr>
-              <a:t>systcall</a:t>
+              <a:t>syscall</a:t>
             </a:r>
             <a:endParaRPr kumimoji="0" lang="en-US" b="0" i="0" u="none" strike="noStrike" cap="none" normalizeH="0" baseline="0" dirty="0">
               <a:ln>
@@ -38220,13 +38205,8 @@
           <a:p>
             <a:r>
               <a:rPr lang="en-US" dirty="0"/>
-              <a:t>REST Frameworks We Looked At, or I used in my web services </a:t>
-            </a:r>
-            <a:r>
-              <a:rPr lang="en-US"/>
-              <a:t>REPO – you can google them</a:t>
-            </a:r>
-            <a:endParaRPr lang="en-US" dirty="0"/>
+              <a:t>REST Frameworks We Looked At, or I used in my web services REPO – you can google them</a:t>
+            </a:r>
           </a:p>
         </p:txBody>
       </p:sp>
